--- a/3-Machine_Learning/1-Supervisado/3-RegorClass/6-Ensembles/ML - Ensembling.pptx
+++ b/3-Machine_Learning/1-Supervisado/3-RegorClass/6-Ensembles/ML - Ensembling.pptx
@@ -5,7 +5,7 @@
     <p:sldMasterId id="2147483648" r:id="rId1"/>
   </p:sldMasterIdLst>
   <p:notesMasterIdLst>
-    <p:notesMasterId r:id="rId21"/>
+    <p:notesMasterId r:id="rId22"/>
   </p:notesMasterIdLst>
   <p:sldIdLst>
     <p:sldId id="256" r:id="rId2"/>
@@ -23,10 +23,11 @@
     <p:sldId id="267" r:id="rId14"/>
     <p:sldId id="268" r:id="rId15"/>
     <p:sldId id="269" r:id="rId16"/>
-    <p:sldId id="270" r:id="rId17"/>
-    <p:sldId id="271" r:id="rId18"/>
+    <p:sldId id="279" r:id="rId17"/>
+    <p:sldId id="270" r:id="rId18"/>
     <p:sldId id="272" r:id="rId19"/>
-    <p:sldId id="278" r:id="rId20"/>
+    <p:sldId id="280" r:id="rId20"/>
+    <p:sldId id="278" r:id="rId21"/>
   </p:sldIdLst>
   <p:sldSz cx="12192000" cy="6858000"/>
   <p:notesSz cx="6858000" cy="9144000"/>
@@ -264,7 +265,7 @@
       <p15:sldGuideLst xmlns:p15="http://schemas.microsoft.com/office/powerpoint/2012/main"/>
     </p:ext>
     <p:ext uri="http://customooxmlschemas.google.com/">
-      <go:slidesCustomData xmlns:go="http://customooxmlschemas.google.com/" xmlns:ahyp="http://schemas.microsoft.com/office/drawing/2018/hyperlinkcolor" xmlns:p15="http://schemas.microsoft.com/office/powerpoint/2012/main" xmlns:p14="http://schemas.microsoft.com/office/powerpoint/2010/main" xmlns:com="http://schemas.openxmlformats.org/drawingml/2006/compatibility" xmlns:pvml="urn:schemas-microsoft-com:office:powerpoint" xmlns:v="urn:schemas-microsoft-com:vml" xmlns:o="urn:schemas-microsoft-com:office:office" xmlns:dgm="http://schemas.openxmlformats.org/drawingml/2006/diagram" xmlns:c="http://schemas.openxmlformats.org/drawingml/2006/chart" xmlns:mv="urn:schemas-microsoft-com:mac:vml" xmlns:mc="http://schemas.openxmlformats.org/markup-compatibility/2006" xmlns="" r:id="rId26" roundtripDataSignature="AMtx7mjI2+buJccPNhD4BOfP2CSGrUhTxQ=="/>
+      <go:slidesCustomData xmlns="" xmlns:mc="http://schemas.openxmlformats.org/markup-compatibility/2006" xmlns:mv="urn:schemas-microsoft-com:mac:vml" xmlns:c="http://schemas.openxmlformats.org/drawingml/2006/chart" xmlns:dgm="http://schemas.openxmlformats.org/drawingml/2006/diagram" xmlns:o="urn:schemas-microsoft-com:office:office" xmlns:v="urn:schemas-microsoft-com:vml" xmlns:pvml="urn:schemas-microsoft-com:office:powerpoint" xmlns:com="http://schemas.openxmlformats.org/drawingml/2006/compatibility" xmlns:p14="http://schemas.microsoft.com/office/powerpoint/2010/main" xmlns:p15="http://schemas.microsoft.com/office/powerpoint/2012/main" xmlns:ahyp="http://schemas.microsoft.com/office/drawing/2018/hyperlinkcolor" xmlns:go="http://customooxmlschemas.google.com/" r:id="rId26" roundtripDataSignature="AMtx7mjI2+buJccPNhD4BOfP2CSGrUhTxQ=="/>
     </p:ext>
   </p:extLst>
 </p:presentation>
@@ -1474,7 +1475,7 @@
                 <a:cs typeface="Calibri"/>
                 <a:sym typeface="Calibri"/>
               </a:rPr>
-              <a:t>‹Nº›</a:t>
+              <a:t>‹#›</a:t>
             </a:fld>
             <a:endParaRPr sz="1200" b="0" i="0" u="none" strike="noStrike" cap="none">
               <a:solidFill>
@@ -2960,6 +2961,211 @@
   <p:cSld>
     <p:spTree>
       <p:nvGrpSpPr>
+        <p:cNvPr id="1" name="Shape 263">
+          <a:extLst>
+            <a:ext uri="{FF2B5EF4-FFF2-40B4-BE49-F238E27FC236}">
+              <a16:creationId xmlns:a16="http://schemas.microsoft.com/office/drawing/2014/main" id="{DE1DC607-3E48-A643-427C-33D688EBEF3E}"/>
+            </a:ext>
+          </a:extLst>
+        </p:cNvPr>
+        <p:cNvGrpSpPr/>
+        <p:nvPr/>
+      </p:nvGrpSpPr>
+      <p:grpSpPr>
+        <a:xfrm>
+          <a:off x="0" y="0"/>
+          <a:ext cx="0" cy="0"/>
+          <a:chOff x="0" y="0"/>
+          <a:chExt cx="0" cy="0"/>
+        </a:xfrm>
+      </p:grpSpPr>
+      <p:sp>
+        <p:nvSpPr>
+          <p:cNvPr id="264" name="Google Shape;264;g9c522aaa2e_0_98:notes">
+            <a:extLst>
+              <a:ext uri="{FF2B5EF4-FFF2-40B4-BE49-F238E27FC236}">
+                <a16:creationId xmlns:a16="http://schemas.microsoft.com/office/drawing/2014/main" id="{BD932E42-D05E-B6C3-4820-6DE100983D1B}"/>
+              </a:ext>
+            </a:extLst>
+          </p:cNvPr>
+          <p:cNvSpPr>
+            <a:spLocks noGrp="1" noRot="1" noChangeAspect="1"/>
+          </p:cNvSpPr>
+          <p:nvPr>
+            <p:ph type="sldImg" idx="2"/>
+          </p:nvPr>
+        </p:nvSpPr>
+        <p:spPr>
+          <a:xfrm>
+            <a:off x="685800" y="1143000"/>
+            <a:ext cx="5486400" cy="3086100"/>
+          </a:xfrm>
+          <a:custGeom>
+            <a:avLst/>
+            <a:gdLst/>
+            <a:ahLst/>
+            <a:cxnLst/>
+            <a:rect l="l" t="t" r="r" b="b"/>
+            <a:pathLst>
+              <a:path w="120000" h="120000" extrusionOk="0">
+                <a:moveTo>
+                  <a:pt x="0" y="0"/>
+                </a:moveTo>
+                <a:lnTo>
+                  <a:pt x="120000" y="0"/>
+                </a:lnTo>
+                <a:lnTo>
+                  <a:pt x="120000" y="120000"/>
+                </a:lnTo>
+                <a:lnTo>
+                  <a:pt x="0" y="120000"/>
+                </a:lnTo>
+                <a:close/>
+              </a:path>
+            </a:pathLst>
+          </a:custGeom>
+          <a:noFill/>
+          <a:ln w="12700" cap="flat" cmpd="sng">
+            <a:solidFill>
+              <a:srgbClr val="000000"/>
+            </a:solidFill>
+            <a:prstDash val="solid"/>
+            <a:round/>
+            <a:headEnd type="none" w="sm" len="sm"/>
+            <a:tailEnd type="none" w="sm" len="sm"/>
+          </a:ln>
+        </p:spPr>
+      </p:sp>
+      <p:sp>
+        <p:nvSpPr>
+          <p:cNvPr id="265" name="Google Shape;265;g9c522aaa2e_0_98:notes">
+            <a:extLst>
+              <a:ext uri="{FF2B5EF4-FFF2-40B4-BE49-F238E27FC236}">
+                <a16:creationId xmlns:a16="http://schemas.microsoft.com/office/drawing/2014/main" id="{5753CC60-4F7A-411A-DD9E-9D89EDF306D0}"/>
+              </a:ext>
+            </a:extLst>
+          </p:cNvPr>
+          <p:cNvSpPr txBox="1">
+            <a:spLocks noGrp="1"/>
+          </p:cNvSpPr>
+          <p:nvPr>
+            <p:ph type="body" idx="1"/>
+          </p:nvPr>
+        </p:nvSpPr>
+        <p:spPr>
+          <a:xfrm>
+            <a:off x="685800" y="4400550"/>
+            <a:ext cx="5486400" cy="3600600"/>
+          </a:xfrm>
+          <a:prstGeom prst="rect">
+            <a:avLst/>
+          </a:prstGeom>
+          <a:noFill/>
+          <a:ln>
+            <a:noFill/>
+          </a:ln>
+        </p:spPr>
+        <p:txBody>
+          <a:bodyPr spcFirstLastPara="1" wrap="square" lIns="91425" tIns="45700" rIns="91425" bIns="45700" anchor="t" anchorCtr="0">
+            <a:noAutofit/>
+          </a:bodyPr>
+          <a:lstStyle/>
+          <a:p>
+            <a:pPr marL="0" lvl="0" indent="0" algn="l" rtl="0">
+              <a:lnSpc>
+                <a:spcPct val="100000"/>
+              </a:lnSpc>
+              <a:spcBef>
+                <a:spcPts val="0"/>
+              </a:spcBef>
+              <a:spcAft>
+                <a:spcPts val="0"/>
+              </a:spcAft>
+              <a:buClr>
+                <a:schemeClr val="dk1"/>
+              </a:buClr>
+              <a:buSzPts val="1200"/>
+              <a:buFont typeface="Calibri"/>
+              <a:buNone/>
+            </a:pPr>
+            <a:endParaRPr/>
+          </a:p>
+        </p:txBody>
+      </p:sp>
+      <p:sp>
+        <p:nvSpPr>
+          <p:cNvPr id="266" name="Google Shape;266;g9c522aaa2e_0_98:notes">
+            <a:extLst>
+              <a:ext uri="{FF2B5EF4-FFF2-40B4-BE49-F238E27FC236}">
+                <a16:creationId xmlns:a16="http://schemas.microsoft.com/office/drawing/2014/main" id="{853AD022-8446-F82C-0E21-02C78325AA9E}"/>
+              </a:ext>
+            </a:extLst>
+          </p:cNvPr>
+          <p:cNvSpPr txBox="1">
+            <a:spLocks noGrp="1"/>
+          </p:cNvSpPr>
+          <p:nvPr>
+            <p:ph type="sldNum" idx="12"/>
+          </p:nvPr>
+        </p:nvSpPr>
+        <p:spPr>
+          <a:xfrm>
+            <a:off x="3884613" y="8685213"/>
+            <a:ext cx="2971800" cy="458700"/>
+          </a:xfrm>
+          <a:prstGeom prst="rect">
+            <a:avLst/>
+          </a:prstGeom>
+          <a:noFill/>
+          <a:ln>
+            <a:noFill/>
+          </a:ln>
+        </p:spPr>
+        <p:txBody>
+          <a:bodyPr spcFirstLastPara="1" wrap="square" lIns="91425" tIns="45700" rIns="91425" bIns="45700" anchor="b" anchorCtr="0">
+            <a:noAutofit/>
+          </a:bodyPr>
+          <a:lstStyle/>
+          <a:p>
+            <a:pPr marL="0" lvl="0" indent="0" algn="r" rtl="0">
+              <a:lnSpc>
+                <a:spcPct val="100000"/>
+              </a:lnSpc>
+              <a:spcBef>
+                <a:spcPts val="0"/>
+              </a:spcBef>
+              <a:spcAft>
+                <a:spcPts val="0"/>
+              </a:spcAft>
+              <a:buSzPts val="1400"/>
+              <a:buNone/>
+            </a:pPr>
+            <a:fld id="{00000000-1234-1234-1234-123412341234}" type="slidenum">
+              <a:rPr lang="en-GB"/>
+              <a:t>16</a:t>
+            </a:fld>
+            <a:endParaRPr/>
+          </a:p>
+        </p:txBody>
+      </p:sp>
+    </p:spTree>
+    <p:extLst>
+      <p:ext uri="{BB962C8B-B14F-4D97-AF65-F5344CB8AC3E}">
+        <p14:creationId xmlns:p14="http://schemas.microsoft.com/office/powerpoint/2010/main" val="986032092"/>
+      </p:ext>
+    </p:extLst>
+  </p:cSld>
+  <p:clrMapOvr>
+    <a:masterClrMapping/>
+  </p:clrMapOvr>
+</p:notes>
+</file>
+
+<file path=ppt/notesSlides/notesSlide17.xml><?xml version="1.0" encoding="utf-8"?>
+<p:notes xmlns:a="http://schemas.openxmlformats.org/drawingml/2006/main" xmlns:r="http://schemas.openxmlformats.org/officeDocument/2006/relationships" xmlns:p="http://schemas.openxmlformats.org/presentationml/2006/main" showMasterSp="0" showMasterPhAnim="0">
+  <p:cSld>
+    <p:spTree>
+      <p:nvGrpSpPr>
         <p:cNvPr id="1" name="Shape 263"/>
         <p:cNvGrpSpPr/>
         <p:nvPr/>
@@ -3076,182 +3282,6 @@
       <p:sp>
         <p:nvSpPr>
           <p:cNvPr id="266" name="Google Shape;266;g9c522aaa2e_0_98:notes"/>
-          <p:cNvSpPr txBox="1">
-            <a:spLocks noGrp="1"/>
-          </p:cNvSpPr>
-          <p:nvPr>
-            <p:ph type="sldNum" idx="12"/>
-          </p:nvPr>
-        </p:nvSpPr>
-        <p:spPr>
-          <a:xfrm>
-            <a:off x="3884613" y="8685213"/>
-            <a:ext cx="2971800" cy="458700"/>
-          </a:xfrm>
-          <a:prstGeom prst="rect">
-            <a:avLst/>
-          </a:prstGeom>
-          <a:noFill/>
-          <a:ln>
-            <a:noFill/>
-          </a:ln>
-        </p:spPr>
-        <p:txBody>
-          <a:bodyPr spcFirstLastPara="1" wrap="square" lIns="91425" tIns="45700" rIns="91425" bIns="45700" anchor="b" anchorCtr="0">
-            <a:noAutofit/>
-          </a:bodyPr>
-          <a:lstStyle/>
-          <a:p>
-            <a:pPr marL="0" lvl="0" indent="0" algn="r" rtl="0">
-              <a:lnSpc>
-                <a:spcPct val="100000"/>
-              </a:lnSpc>
-              <a:spcBef>
-                <a:spcPts val="0"/>
-              </a:spcBef>
-              <a:spcAft>
-                <a:spcPts val="0"/>
-              </a:spcAft>
-              <a:buSzPts val="1400"/>
-              <a:buNone/>
-            </a:pPr>
-            <a:fld id="{00000000-1234-1234-1234-123412341234}" type="slidenum">
-              <a:rPr lang="en-GB"/>
-              <a:t>16</a:t>
-            </a:fld>
-            <a:endParaRPr/>
-          </a:p>
-        </p:txBody>
-      </p:sp>
-    </p:spTree>
-  </p:cSld>
-  <p:clrMapOvr>
-    <a:masterClrMapping/>
-  </p:clrMapOvr>
-</p:notes>
-</file>
-
-<file path=ppt/notesSlides/notesSlide17.xml><?xml version="1.0" encoding="utf-8"?>
-<p:notes xmlns:a="http://schemas.openxmlformats.org/drawingml/2006/main" xmlns:r="http://schemas.openxmlformats.org/officeDocument/2006/relationships" xmlns:p="http://schemas.openxmlformats.org/presentationml/2006/main" showMasterSp="0" showMasterPhAnim="0">
-  <p:cSld>
-    <p:spTree>
-      <p:nvGrpSpPr>
-        <p:cNvPr id="1" name="Shape 271"/>
-        <p:cNvGrpSpPr/>
-        <p:nvPr/>
-      </p:nvGrpSpPr>
-      <p:grpSpPr>
-        <a:xfrm>
-          <a:off x="0" y="0"/>
-          <a:ext cx="0" cy="0"/>
-          <a:chOff x="0" y="0"/>
-          <a:chExt cx="0" cy="0"/>
-        </a:xfrm>
-      </p:grpSpPr>
-      <p:sp>
-        <p:nvSpPr>
-          <p:cNvPr id="272" name="Google Shape;272;g9c522aaa2e_0_108:notes"/>
-          <p:cNvSpPr>
-            <a:spLocks noGrp="1" noRot="1" noChangeAspect="1"/>
-          </p:cNvSpPr>
-          <p:nvPr>
-            <p:ph type="sldImg" idx="2"/>
-          </p:nvPr>
-        </p:nvSpPr>
-        <p:spPr>
-          <a:xfrm>
-            <a:off x="685800" y="1143000"/>
-            <a:ext cx="5486400" cy="3086100"/>
-          </a:xfrm>
-          <a:custGeom>
-            <a:avLst/>
-            <a:gdLst/>
-            <a:ahLst/>
-            <a:cxnLst/>
-            <a:rect l="l" t="t" r="r" b="b"/>
-            <a:pathLst>
-              <a:path w="120000" h="120000" extrusionOk="0">
-                <a:moveTo>
-                  <a:pt x="0" y="0"/>
-                </a:moveTo>
-                <a:lnTo>
-                  <a:pt x="120000" y="0"/>
-                </a:lnTo>
-                <a:lnTo>
-                  <a:pt x="120000" y="120000"/>
-                </a:lnTo>
-                <a:lnTo>
-                  <a:pt x="0" y="120000"/>
-                </a:lnTo>
-                <a:close/>
-              </a:path>
-            </a:pathLst>
-          </a:custGeom>
-          <a:noFill/>
-          <a:ln w="12700" cap="flat" cmpd="sng">
-            <a:solidFill>
-              <a:srgbClr val="000000"/>
-            </a:solidFill>
-            <a:prstDash val="solid"/>
-            <a:round/>
-            <a:headEnd type="none" w="sm" len="sm"/>
-            <a:tailEnd type="none" w="sm" len="sm"/>
-          </a:ln>
-        </p:spPr>
-      </p:sp>
-      <p:sp>
-        <p:nvSpPr>
-          <p:cNvPr id="273" name="Google Shape;273;g9c522aaa2e_0_108:notes"/>
-          <p:cNvSpPr txBox="1">
-            <a:spLocks noGrp="1"/>
-          </p:cNvSpPr>
-          <p:nvPr>
-            <p:ph type="body" idx="1"/>
-          </p:nvPr>
-        </p:nvSpPr>
-        <p:spPr>
-          <a:xfrm>
-            <a:off x="685800" y="4400550"/>
-            <a:ext cx="5486400" cy="3600600"/>
-          </a:xfrm>
-          <a:prstGeom prst="rect">
-            <a:avLst/>
-          </a:prstGeom>
-          <a:noFill/>
-          <a:ln>
-            <a:noFill/>
-          </a:ln>
-        </p:spPr>
-        <p:txBody>
-          <a:bodyPr spcFirstLastPara="1" wrap="square" lIns="91425" tIns="45700" rIns="91425" bIns="45700" anchor="t" anchorCtr="0">
-            <a:noAutofit/>
-          </a:bodyPr>
-          <a:lstStyle/>
-          <a:p>
-            <a:pPr marL="0" lvl="0" indent="0" algn="l" rtl="0">
-              <a:lnSpc>
-                <a:spcPct val="100000"/>
-              </a:lnSpc>
-              <a:spcBef>
-                <a:spcPts val="0"/>
-              </a:spcBef>
-              <a:spcAft>
-                <a:spcPts val="0"/>
-              </a:spcAft>
-              <a:buClr>
-                <a:schemeClr val="dk1"/>
-              </a:buClr>
-              <a:buSzPts val="1200"/>
-              <a:buFont typeface="Calibri"/>
-              <a:buNone/>
-            </a:pPr>
-            <a:endParaRPr/>
-          </a:p>
-        </p:txBody>
-      </p:sp>
-      <p:sp>
-        <p:nvSpPr>
-          <p:cNvPr id="274" name="Google Shape;274;g9c522aaa2e_0_108:notes"/>
           <p:cNvSpPr txBox="1">
             <a:spLocks noGrp="1"/>
           </p:cNvSpPr>
@@ -3488,7 +3518,13 @@
   <p:cSld>
     <p:spTree>
       <p:nvGrpSpPr>
-        <p:cNvPr id="1" name="Shape 283"/>
+        <p:cNvPr id="1" name="Shape 283">
+          <a:extLst>
+            <a:ext uri="{FF2B5EF4-FFF2-40B4-BE49-F238E27FC236}">
+              <a16:creationId xmlns:a16="http://schemas.microsoft.com/office/drawing/2014/main" id="{4144954C-7C85-2740-8CDB-6C107B47C2F6}"/>
+            </a:ext>
+          </a:extLst>
+        </p:cNvPr>
         <p:cNvGrpSpPr/>
         <p:nvPr/>
       </p:nvGrpSpPr>
@@ -3502,7 +3538,13 @@
       </p:grpSpPr>
       <p:sp>
         <p:nvSpPr>
-          <p:cNvPr id="284" name="Google Shape;284;g9c522aaa2e_0_123:notes"/>
+          <p:cNvPr id="284" name="Google Shape;284;g9c522aaa2e_0_123:notes">
+            <a:extLst>
+              <a:ext uri="{FF2B5EF4-FFF2-40B4-BE49-F238E27FC236}">
+                <a16:creationId xmlns:a16="http://schemas.microsoft.com/office/drawing/2014/main" id="{C861AD34-8741-C955-E536-452FD1F97AE1}"/>
+              </a:ext>
+            </a:extLst>
+          </p:cNvPr>
           <p:cNvSpPr>
             <a:spLocks noGrp="1" noRot="1" noChangeAspect="1"/>
           </p:cNvSpPr>
@@ -3553,7 +3595,13 @@
       </p:sp>
       <p:sp>
         <p:nvSpPr>
-          <p:cNvPr id="285" name="Google Shape;285;g9c522aaa2e_0_123:notes"/>
+          <p:cNvPr id="285" name="Google Shape;285;g9c522aaa2e_0_123:notes">
+            <a:extLst>
+              <a:ext uri="{FF2B5EF4-FFF2-40B4-BE49-F238E27FC236}">
+                <a16:creationId xmlns:a16="http://schemas.microsoft.com/office/drawing/2014/main" id="{C2A2D940-F64B-2CAC-7D8E-4C2D37C761D5}"/>
+              </a:ext>
+            </a:extLst>
+          </p:cNvPr>
           <p:cNvSpPr txBox="1">
             <a:spLocks noGrp="1"/>
           </p:cNvSpPr>
@@ -3603,7 +3651,13 @@
       </p:sp>
       <p:sp>
         <p:nvSpPr>
-          <p:cNvPr id="286" name="Google Shape;286;g9c522aaa2e_0_123:notes"/>
+          <p:cNvPr id="286" name="Google Shape;286;g9c522aaa2e_0_123:notes">
+            <a:extLst>
+              <a:ext uri="{FF2B5EF4-FFF2-40B4-BE49-F238E27FC236}">
+                <a16:creationId xmlns:a16="http://schemas.microsoft.com/office/drawing/2014/main" id="{66D2A4FF-ACA6-0E63-9141-8F4725162C95}"/>
+              </a:ext>
+            </a:extLst>
+          </p:cNvPr>
           <p:cNvSpPr txBox="1">
             <a:spLocks noGrp="1"/>
           </p:cNvSpPr>
@@ -3654,7 +3708,7 @@
     </p:spTree>
     <p:extLst>
       <p:ext uri="{BB962C8B-B14F-4D97-AF65-F5344CB8AC3E}">
-        <p14:creationId xmlns:p14="http://schemas.microsoft.com/office/powerpoint/2010/main" val="4017381574"/>
+        <p14:creationId xmlns:p14="http://schemas.microsoft.com/office/powerpoint/2010/main" val="1088924572"/>
       </p:ext>
     </p:extLst>
   </p:cSld>
@@ -3833,6 +3887,187 @@
         </p:txBody>
       </p:sp>
     </p:spTree>
+  </p:cSld>
+  <p:clrMapOvr>
+    <a:masterClrMapping/>
+  </p:clrMapOvr>
+</p:notes>
+</file>
+
+<file path=ppt/notesSlides/notesSlide20.xml><?xml version="1.0" encoding="utf-8"?>
+<p:notes xmlns:a="http://schemas.openxmlformats.org/drawingml/2006/main" xmlns:r="http://schemas.openxmlformats.org/officeDocument/2006/relationships" xmlns:p="http://schemas.openxmlformats.org/presentationml/2006/main" showMasterSp="0" showMasterPhAnim="0">
+  <p:cSld>
+    <p:spTree>
+      <p:nvGrpSpPr>
+        <p:cNvPr id="1" name="Shape 283"/>
+        <p:cNvGrpSpPr/>
+        <p:nvPr/>
+      </p:nvGrpSpPr>
+      <p:grpSpPr>
+        <a:xfrm>
+          <a:off x="0" y="0"/>
+          <a:ext cx="0" cy="0"/>
+          <a:chOff x="0" y="0"/>
+          <a:chExt cx="0" cy="0"/>
+        </a:xfrm>
+      </p:grpSpPr>
+      <p:sp>
+        <p:nvSpPr>
+          <p:cNvPr id="284" name="Google Shape;284;g9c522aaa2e_0_123:notes"/>
+          <p:cNvSpPr>
+            <a:spLocks noGrp="1" noRot="1" noChangeAspect="1"/>
+          </p:cNvSpPr>
+          <p:nvPr>
+            <p:ph type="sldImg" idx="2"/>
+          </p:nvPr>
+        </p:nvSpPr>
+        <p:spPr>
+          <a:xfrm>
+            <a:off x="685800" y="1143000"/>
+            <a:ext cx="5486400" cy="3086100"/>
+          </a:xfrm>
+          <a:custGeom>
+            <a:avLst/>
+            <a:gdLst/>
+            <a:ahLst/>
+            <a:cxnLst/>
+            <a:rect l="l" t="t" r="r" b="b"/>
+            <a:pathLst>
+              <a:path w="120000" h="120000" extrusionOk="0">
+                <a:moveTo>
+                  <a:pt x="0" y="0"/>
+                </a:moveTo>
+                <a:lnTo>
+                  <a:pt x="120000" y="0"/>
+                </a:lnTo>
+                <a:lnTo>
+                  <a:pt x="120000" y="120000"/>
+                </a:lnTo>
+                <a:lnTo>
+                  <a:pt x="0" y="120000"/>
+                </a:lnTo>
+                <a:close/>
+              </a:path>
+            </a:pathLst>
+          </a:custGeom>
+          <a:noFill/>
+          <a:ln w="12700" cap="flat" cmpd="sng">
+            <a:solidFill>
+              <a:srgbClr val="000000"/>
+            </a:solidFill>
+            <a:prstDash val="solid"/>
+            <a:round/>
+            <a:headEnd type="none" w="sm" len="sm"/>
+            <a:tailEnd type="none" w="sm" len="sm"/>
+          </a:ln>
+        </p:spPr>
+      </p:sp>
+      <p:sp>
+        <p:nvSpPr>
+          <p:cNvPr id="285" name="Google Shape;285;g9c522aaa2e_0_123:notes"/>
+          <p:cNvSpPr txBox="1">
+            <a:spLocks noGrp="1"/>
+          </p:cNvSpPr>
+          <p:nvPr>
+            <p:ph type="body" idx="1"/>
+          </p:nvPr>
+        </p:nvSpPr>
+        <p:spPr>
+          <a:xfrm>
+            <a:off x="685800" y="4400550"/>
+            <a:ext cx="5486400" cy="3600600"/>
+          </a:xfrm>
+          <a:prstGeom prst="rect">
+            <a:avLst/>
+          </a:prstGeom>
+          <a:noFill/>
+          <a:ln>
+            <a:noFill/>
+          </a:ln>
+        </p:spPr>
+        <p:txBody>
+          <a:bodyPr spcFirstLastPara="1" wrap="square" lIns="91425" tIns="45700" rIns="91425" bIns="45700" anchor="t" anchorCtr="0">
+            <a:noAutofit/>
+          </a:bodyPr>
+          <a:lstStyle/>
+          <a:p>
+            <a:pPr marL="0" lvl="0" indent="0" algn="l" rtl="0">
+              <a:lnSpc>
+                <a:spcPct val="100000"/>
+              </a:lnSpc>
+              <a:spcBef>
+                <a:spcPts val="0"/>
+              </a:spcBef>
+              <a:spcAft>
+                <a:spcPts val="0"/>
+              </a:spcAft>
+              <a:buClr>
+                <a:schemeClr val="dk1"/>
+              </a:buClr>
+              <a:buSzPts val="1200"/>
+              <a:buFont typeface="Calibri"/>
+              <a:buNone/>
+            </a:pPr>
+            <a:endParaRPr/>
+          </a:p>
+        </p:txBody>
+      </p:sp>
+      <p:sp>
+        <p:nvSpPr>
+          <p:cNvPr id="286" name="Google Shape;286;g9c522aaa2e_0_123:notes"/>
+          <p:cNvSpPr txBox="1">
+            <a:spLocks noGrp="1"/>
+          </p:cNvSpPr>
+          <p:nvPr>
+            <p:ph type="sldNum" idx="12"/>
+          </p:nvPr>
+        </p:nvSpPr>
+        <p:spPr>
+          <a:xfrm>
+            <a:off x="3884613" y="8685213"/>
+            <a:ext cx="2971800" cy="458700"/>
+          </a:xfrm>
+          <a:prstGeom prst="rect">
+            <a:avLst/>
+          </a:prstGeom>
+          <a:noFill/>
+          <a:ln>
+            <a:noFill/>
+          </a:ln>
+        </p:spPr>
+        <p:txBody>
+          <a:bodyPr spcFirstLastPara="1" wrap="square" lIns="91425" tIns="45700" rIns="91425" bIns="45700" anchor="b" anchorCtr="0">
+            <a:noAutofit/>
+          </a:bodyPr>
+          <a:lstStyle/>
+          <a:p>
+            <a:pPr marL="0" lvl="0" indent="0" algn="r" rtl="0">
+              <a:lnSpc>
+                <a:spcPct val="100000"/>
+              </a:lnSpc>
+              <a:spcBef>
+                <a:spcPts val="0"/>
+              </a:spcBef>
+              <a:spcAft>
+                <a:spcPts val="0"/>
+              </a:spcAft>
+              <a:buSzPts val="1400"/>
+              <a:buNone/>
+            </a:pPr>
+            <a:fld id="{00000000-1234-1234-1234-123412341234}" type="slidenum">
+              <a:rPr lang="en-GB"/>
+              <a:t>20</a:t>
+            </a:fld>
+            <a:endParaRPr/>
+          </a:p>
+        </p:txBody>
+      </p:sp>
+    </p:spTree>
+    <p:extLst>
+      <p:ext uri="{BB962C8B-B14F-4D97-AF65-F5344CB8AC3E}">
+        <p14:creationId xmlns:p14="http://schemas.microsoft.com/office/powerpoint/2010/main" val="4017381574"/>
+      </p:ext>
+    </p:extLst>
   </p:cSld>
   <p:clrMapOvr>
     <a:masterClrMapping/>
@@ -6241,7 +6476,7 @@
             </a:pPr>
             <a:fld id="{00000000-1234-1234-1234-123412341234}" type="slidenum">
               <a:rPr lang="en-GB"/>
-              <a:t>‹Nº›</a:t>
+              <a:t>‹#›</a:t>
             </a:fld>
             <a:endParaRPr/>
           </a:p>
@@ -7217,7 +7452,7 @@
             </a:pPr>
             <a:fld id="{00000000-1234-1234-1234-123412341234}" type="slidenum">
               <a:rPr lang="en-GB"/>
-              <a:t>‹Nº›</a:t>
+              <a:t>‹#›</a:t>
             </a:fld>
             <a:endParaRPr/>
           </a:p>
@@ -8193,7 +8428,7 @@
             </a:pPr>
             <a:fld id="{00000000-1234-1234-1234-123412341234}" type="slidenum">
               <a:rPr lang="en-GB"/>
-              <a:t>‹Nº›</a:t>
+              <a:t>‹#›</a:t>
             </a:fld>
             <a:endParaRPr/>
           </a:p>
@@ -9170,7 +9405,7 @@
             </a:pPr>
             <a:fld id="{00000000-1234-1234-1234-123412341234}" type="slidenum">
               <a:rPr lang="en-GB"/>
-              <a:t>‹Nº›</a:t>
+              <a:t>‹#›</a:t>
             </a:fld>
             <a:endParaRPr/>
           </a:p>
@@ -10146,7 +10381,7 @@
             </a:pPr>
             <a:fld id="{00000000-1234-1234-1234-123412341234}" type="slidenum">
               <a:rPr lang="en-GB"/>
-              <a:t>‹Nº›</a:t>
+              <a:t>‹#›</a:t>
             </a:fld>
             <a:endParaRPr/>
           </a:p>
@@ -11159,7 +11394,7 @@
             </a:pPr>
             <a:fld id="{00000000-1234-1234-1234-123412341234}" type="slidenum">
               <a:rPr lang="en-GB"/>
-              <a:t>‹Nº›</a:t>
+              <a:t>‹#›</a:t>
             </a:fld>
             <a:endParaRPr/>
           </a:p>
@@ -12696,7 +12931,7 @@
             </a:pPr>
             <a:fld id="{00000000-1234-1234-1234-123412341234}" type="slidenum">
               <a:rPr lang="en-GB"/>
-              <a:t>‹Nº›</a:t>
+              <a:t>‹#›</a:t>
             </a:fld>
             <a:endParaRPr/>
           </a:p>
@@ -13485,7 +13720,7 @@
             </a:pPr>
             <a:fld id="{00000000-1234-1234-1234-123412341234}" type="slidenum">
               <a:rPr lang="en-GB"/>
-              <a:t>‹Nº›</a:t>
+              <a:t>‹#›</a:t>
             </a:fld>
             <a:endParaRPr/>
           </a:p>
@@ -14111,7 +14346,7 @@
             </a:pPr>
             <a:fld id="{00000000-1234-1234-1234-123412341234}" type="slidenum">
               <a:rPr lang="en-GB"/>
-              <a:t>‹Nº›</a:t>
+              <a:t>‹#›</a:t>
             </a:fld>
             <a:endParaRPr/>
           </a:p>
@@ -15275,7 +15510,7 @@
             </a:pPr>
             <a:fld id="{00000000-1234-1234-1234-123412341234}" type="slidenum">
               <a:rPr lang="en-GB"/>
-              <a:t>‹Nº›</a:t>
+              <a:t>‹#›</a:t>
             </a:fld>
             <a:endParaRPr/>
           </a:p>
@@ -16520,7 +16755,7 @@
             </a:pPr>
             <a:fld id="{00000000-1234-1234-1234-123412341234}" type="slidenum">
               <a:rPr lang="en-GB"/>
-              <a:t>‹Nº›</a:t>
+              <a:t>‹#›</a:t>
             </a:fld>
             <a:endParaRPr/>
           </a:p>
@@ -17906,7 +18141,7 @@
             </a:pPr>
             <a:fld id="{00000000-1234-1234-1234-123412341234}" type="slidenum">
               <a:rPr lang="en-GB"/>
-              <a:t>‹Nº›</a:t>
+              <a:t>‹#›</a:t>
             </a:fld>
             <a:endParaRPr/>
           </a:p>
@@ -23311,6 +23546,140 @@
   <p:cSld>
     <p:spTree>
       <p:nvGrpSpPr>
+        <p:cNvPr id="1" name="Shape 267">
+          <a:extLst>
+            <a:ext uri="{FF2B5EF4-FFF2-40B4-BE49-F238E27FC236}">
+              <a16:creationId xmlns:a16="http://schemas.microsoft.com/office/drawing/2014/main" id="{BE87D028-0C83-7374-5E91-89A100F7772A}"/>
+            </a:ext>
+          </a:extLst>
+        </p:cNvPr>
+        <p:cNvGrpSpPr/>
+        <p:nvPr/>
+      </p:nvGrpSpPr>
+      <p:grpSpPr>
+        <a:xfrm>
+          <a:off x="0" y="0"/>
+          <a:ext cx="0" cy="0"/>
+          <a:chOff x="0" y="0"/>
+          <a:chExt cx="0" cy="0"/>
+        </a:xfrm>
+      </p:grpSpPr>
+      <p:sp>
+        <p:nvSpPr>
+          <p:cNvPr id="269" name="Google Shape;269;g9c522aaa2e_0_98">
+            <a:extLst>
+              <a:ext uri="{FF2B5EF4-FFF2-40B4-BE49-F238E27FC236}">
+                <a16:creationId xmlns:a16="http://schemas.microsoft.com/office/drawing/2014/main" id="{3082167C-A161-5E02-2B99-C3EF4F6106CC}"/>
+              </a:ext>
+            </a:extLst>
+          </p:cNvPr>
+          <p:cNvSpPr txBox="1">
+            <a:spLocks noGrp="1"/>
+          </p:cNvSpPr>
+          <p:nvPr>
+            <p:ph type="title"/>
+          </p:nvPr>
+        </p:nvSpPr>
+        <p:spPr>
+          <a:xfrm>
+            <a:off x="684500" y="574849"/>
+            <a:ext cx="7638900" cy="1078500"/>
+          </a:xfrm>
+          <a:prstGeom prst="rect">
+            <a:avLst/>
+          </a:prstGeom>
+          <a:noFill/>
+          <a:ln>
+            <a:noFill/>
+          </a:ln>
+        </p:spPr>
+        <p:txBody>
+          <a:bodyPr spcFirstLastPara="1" wrap="square" lIns="91425" tIns="45700" rIns="91425" bIns="45700" anchor="ctr" anchorCtr="0">
+            <a:noAutofit/>
+          </a:bodyPr>
+          <a:lstStyle/>
+          <a:p>
+            <a:pPr marL="0" lvl="0" indent="0" algn="l" rtl="0">
+              <a:lnSpc>
+                <a:spcPct val="90000"/>
+              </a:lnSpc>
+              <a:spcBef>
+                <a:spcPts val="0"/>
+              </a:spcBef>
+              <a:spcAft>
+                <a:spcPts val="0"/>
+              </a:spcAft>
+              <a:buClr>
+                <a:srgbClr val="FF0000"/>
+              </a:buClr>
+              <a:buSzPts val="4400"/>
+              <a:buFont typeface="Calibri"/>
+              <a:buNone/>
+            </a:pPr>
+            <a:r>
+              <a:rPr lang="en-GB">
+                <a:solidFill>
+                  <a:srgbClr val="FF0000"/>
+                </a:solidFill>
+              </a:rPr>
+              <a:t>AdaBoost (Adaptive Boosting)</a:t>
+            </a:r>
+            <a:endParaRPr>
+              <a:solidFill>
+                <a:srgbClr val="FF0000"/>
+              </a:solidFill>
+            </a:endParaRPr>
+          </a:p>
+        </p:txBody>
+      </p:sp>
+      <p:pic>
+        <p:nvPicPr>
+          <p:cNvPr id="3" name="Picture 2">
+            <a:extLst>
+              <a:ext uri="{FF2B5EF4-FFF2-40B4-BE49-F238E27FC236}">
+                <a16:creationId xmlns:a16="http://schemas.microsoft.com/office/drawing/2014/main" id="{1DBE75C3-E897-7606-A70C-AF9757560DFF}"/>
+              </a:ext>
+            </a:extLst>
+          </p:cNvPr>
+          <p:cNvPicPr>
+            <a:picLocks noChangeAspect="1"/>
+          </p:cNvPicPr>
+          <p:nvPr/>
+        </p:nvPicPr>
+        <p:blipFill>
+          <a:blip r:embed="rId3"/>
+          <a:stretch>
+            <a:fillRect/>
+          </a:stretch>
+        </p:blipFill>
+        <p:spPr>
+          <a:xfrm>
+            <a:off x="996696" y="1729106"/>
+            <a:ext cx="9070848" cy="4876584"/>
+          </a:xfrm>
+          <a:prstGeom prst="rect">
+            <a:avLst/>
+          </a:prstGeom>
+        </p:spPr>
+      </p:pic>
+    </p:spTree>
+    <p:extLst>
+      <p:ext uri="{BB962C8B-B14F-4D97-AF65-F5344CB8AC3E}">
+        <p14:creationId xmlns:p14="http://schemas.microsoft.com/office/powerpoint/2010/main" val="4282769984"/>
+      </p:ext>
+    </p:extLst>
+  </p:cSld>
+  <p:clrMapOvr>
+    <a:masterClrMapping/>
+  </p:clrMapOvr>
+</p:sld>
+</file>
+
+<file path=ppt/slides/slide17.xml><?xml version="1.0" encoding="utf-8"?>
+<p:sld xmlns:a="http://schemas.openxmlformats.org/drawingml/2006/main" xmlns:r="http://schemas.openxmlformats.org/officeDocument/2006/relationships" xmlns:p="http://schemas.openxmlformats.org/presentationml/2006/main">
+  <p:cSld>
+    <p:spTree>
+      <p:nvGrpSpPr>
         <p:cNvPr id="1" name="Shape 267"/>
         <p:cNvGrpSpPr/>
         <p:nvPr/>
@@ -24678,3592 +25047,6 @@
 </p:sld>
 </file>
 
-<file path=ppt/slides/slide17.xml><?xml version="1.0" encoding="utf-8"?>
-<p:sld xmlns:a="http://schemas.openxmlformats.org/drawingml/2006/main" xmlns:r="http://schemas.openxmlformats.org/officeDocument/2006/relationships" xmlns:p="http://schemas.openxmlformats.org/presentationml/2006/main">
-  <p:cSld>
-    <p:spTree>
-      <p:nvGrpSpPr>
-        <p:cNvPr id="1" name="Shape 275"/>
-        <p:cNvGrpSpPr/>
-        <p:nvPr/>
-      </p:nvGrpSpPr>
-      <p:grpSpPr>
-        <a:xfrm>
-          <a:off x="0" y="0"/>
-          <a:ext cx="0" cy="0"/>
-          <a:chOff x="0" y="0"/>
-          <a:chExt cx="0" cy="0"/>
-        </a:xfrm>
-      </p:grpSpPr>
-      <p:pic>
-        <p:nvPicPr>
-          <p:cNvPr id="3074" name="Picture 2">
-            <a:extLst>
-              <a:ext uri="{FF2B5EF4-FFF2-40B4-BE49-F238E27FC236}">
-                <a16:creationId xmlns:a16="http://schemas.microsoft.com/office/drawing/2014/main" id="{6159282F-CDBA-40FB-A7DE-FD21AA5BB92D}"/>
-              </a:ext>
-            </a:extLst>
-          </p:cNvPr>
-          <p:cNvPicPr>
-            <a:picLocks noChangeAspect="1" noChangeArrowheads="1"/>
-          </p:cNvPicPr>
-          <p:nvPr/>
-        </p:nvPicPr>
-        <p:blipFill>
-          <a:blip r:embed="rId3">
-            <a:extLst>
-              <a:ext uri="{28A0092B-C50C-407E-A947-70E740481C1C}">
-                <a14:useLocalDpi xmlns:a14="http://schemas.microsoft.com/office/drawing/2010/main" val="0"/>
-              </a:ext>
-            </a:extLst>
-          </a:blip>
-          <a:srcRect/>
-          <a:stretch>
-            <a:fillRect/>
-          </a:stretch>
-        </p:blipFill>
-        <p:spPr bwMode="auto">
-          <a:xfrm>
-            <a:off x="10236530" y="4001109"/>
-            <a:ext cx="1684773" cy="1461788"/>
-          </a:xfrm>
-          <a:prstGeom prst="rect">
-            <a:avLst/>
-          </a:prstGeom>
-          <a:noFill/>
-          <a:extLst>
-            <a:ext uri="{909E8E84-426E-40DD-AFC4-6F175D3DCCD1}">
-              <a14:hiddenFill xmlns:a14="http://schemas.microsoft.com/office/drawing/2010/main">
-                <a:solidFill>
-                  <a:srgbClr val="FFFFFF"/>
-                </a:solidFill>
-              </a14:hiddenFill>
-            </a:ext>
-          </a:extLst>
-        </p:spPr>
-      </p:pic>
-      <p:sp>
-        <p:nvSpPr>
-          <p:cNvPr id="2" name="Rectángulo 1">
-            <a:extLst>
-              <a:ext uri="{FF2B5EF4-FFF2-40B4-BE49-F238E27FC236}">
-                <a16:creationId xmlns:a16="http://schemas.microsoft.com/office/drawing/2014/main" id="{D338FD65-55E4-4864-A71B-5739F65E6629}"/>
-              </a:ext>
-            </a:extLst>
-          </p:cNvPr>
-          <p:cNvSpPr/>
-          <p:nvPr/>
-        </p:nvSpPr>
-        <p:spPr>
-          <a:xfrm>
-            <a:off x="3257365" y="5795693"/>
-            <a:ext cx="861134" cy="346229"/>
-          </a:xfrm>
-          <a:prstGeom prst="rect">
-            <a:avLst/>
-          </a:prstGeom>
-        </p:spPr>
-        <p:style>
-          <a:lnRef idx="2">
-            <a:schemeClr val="accent1">
-              <a:shade val="50000"/>
-            </a:schemeClr>
-          </a:lnRef>
-          <a:fillRef idx="1">
-            <a:schemeClr val="accent1"/>
-          </a:fillRef>
-          <a:effectRef idx="0">
-            <a:schemeClr val="accent1"/>
-          </a:effectRef>
-          <a:fontRef idx="minor">
-            <a:schemeClr val="lt1"/>
-          </a:fontRef>
-        </p:style>
-        <p:txBody>
-          <a:bodyPr rtlCol="0" anchor="ctr"/>
-          <a:lstStyle/>
-          <a:p>
-            <a:pPr algn="ctr"/>
-            <a:r>
-              <a:rPr lang="es-ES" sz="900" dirty="0"/>
-              <a:t>Modelo 1</a:t>
-            </a:r>
-          </a:p>
-        </p:txBody>
-      </p:sp>
-      <p:sp>
-        <p:nvSpPr>
-          <p:cNvPr id="11" name="Rectángulo 10">
-            <a:extLst>
-              <a:ext uri="{FF2B5EF4-FFF2-40B4-BE49-F238E27FC236}">
-                <a16:creationId xmlns:a16="http://schemas.microsoft.com/office/drawing/2014/main" id="{D798B2FD-5BD7-4C65-8BA2-717074986295}"/>
-              </a:ext>
-            </a:extLst>
-          </p:cNvPr>
-          <p:cNvSpPr/>
-          <p:nvPr/>
-        </p:nvSpPr>
-        <p:spPr>
-          <a:xfrm>
-            <a:off x="4979633" y="5795693"/>
-            <a:ext cx="861134" cy="346229"/>
-          </a:xfrm>
-          <a:prstGeom prst="rect">
-            <a:avLst/>
-          </a:prstGeom>
-        </p:spPr>
-        <p:style>
-          <a:lnRef idx="2">
-            <a:schemeClr val="accent1">
-              <a:shade val="50000"/>
-            </a:schemeClr>
-          </a:lnRef>
-          <a:fillRef idx="1">
-            <a:schemeClr val="accent1"/>
-          </a:fillRef>
-          <a:effectRef idx="0">
-            <a:schemeClr val="accent1"/>
-          </a:effectRef>
-          <a:fontRef idx="minor">
-            <a:schemeClr val="lt1"/>
-          </a:fontRef>
-        </p:style>
-        <p:txBody>
-          <a:bodyPr rtlCol="0" anchor="ctr"/>
-          <a:lstStyle/>
-          <a:p>
-            <a:pPr algn="ctr"/>
-            <a:r>
-              <a:rPr lang="es-ES" sz="900" dirty="0"/>
-              <a:t>Modelo 2</a:t>
-            </a:r>
-          </a:p>
-        </p:txBody>
-      </p:sp>
-      <p:sp>
-        <p:nvSpPr>
-          <p:cNvPr id="12" name="Rectángulo 11">
-            <a:extLst>
-              <a:ext uri="{FF2B5EF4-FFF2-40B4-BE49-F238E27FC236}">
-                <a16:creationId xmlns:a16="http://schemas.microsoft.com/office/drawing/2014/main" id="{8D0638E6-5FB9-4588-8625-2FB283A41441}"/>
-              </a:ext>
-            </a:extLst>
-          </p:cNvPr>
-          <p:cNvSpPr/>
-          <p:nvPr/>
-        </p:nvSpPr>
-        <p:spPr>
-          <a:xfrm>
-            <a:off x="6701901" y="5795693"/>
-            <a:ext cx="861134" cy="346229"/>
-          </a:xfrm>
-          <a:prstGeom prst="rect">
-            <a:avLst/>
-          </a:prstGeom>
-        </p:spPr>
-        <p:style>
-          <a:lnRef idx="2">
-            <a:schemeClr val="accent1">
-              <a:shade val="50000"/>
-            </a:schemeClr>
-          </a:lnRef>
-          <a:fillRef idx="1">
-            <a:schemeClr val="accent1"/>
-          </a:fillRef>
-          <a:effectRef idx="0">
-            <a:schemeClr val="accent1"/>
-          </a:effectRef>
-          <a:fontRef idx="minor">
-            <a:schemeClr val="lt1"/>
-          </a:fontRef>
-        </p:style>
-        <p:txBody>
-          <a:bodyPr rtlCol="0" anchor="ctr"/>
-          <a:lstStyle/>
-          <a:p>
-            <a:pPr algn="ctr"/>
-            <a:r>
-              <a:rPr lang="es-ES" sz="900" dirty="0"/>
-              <a:t>Modelo 3</a:t>
-            </a:r>
-          </a:p>
-        </p:txBody>
-      </p:sp>
-      <p:sp>
-        <p:nvSpPr>
-          <p:cNvPr id="13" name="Rectángulo 12">
-            <a:extLst>
-              <a:ext uri="{FF2B5EF4-FFF2-40B4-BE49-F238E27FC236}">
-                <a16:creationId xmlns:a16="http://schemas.microsoft.com/office/drawing/2014/main" id="{3DBA9E00-3560-45A1-B0D8-AB85DC07BE12}"/>
-              </a:ext>
-            </a:extLst>
-          </p:cNvPr>
-          <p:cNvSpPr/>
-          <p:nvPr/>
-        </p:nvSpPr>
-        <p:spPr>
-          <a:xfrm>
-            <a:off x="8424169" y="5795693"/>
-            <a:ext cx="861134" cy="346229"/>
-          </a:xfrm>
-          <a:prstGeom prst="rect">
-            <a:avLst/>
-          </a:prstGeom>
-        </p:spPr>
-        <p:style>
-          <a:lnRef idx="2">
-            <a:schemeClr val="accent1">
-              <a:shade val="50000"/>
-            </a:schemeClr>
-          </a:lnRef>
-          <a:fillRef idx="1">
-            <a:schemeClr val="accent1"/>
-          </a:fillRef>
-          <a:effectRef idx="0">
-            <a:schemeClr val="accent1"/>
-          </a:effectRef>
-          <a:fontRef idx="minor">
-            <a:schemeClr val="lt1"/>
-          </a:fontRef>
-        </p:style>
-        <p:txBody>
-          <a:bodyPr rtlCol="0" anchor="ctr"/>
-          <a:lstStyle/>
-          <a:p>
-            <a:pPr algn="ctr"/>
-            <a:r>
-              <a:rPr lang="es-ES" sz="900" dirty="0"/>
-              <a:t>Modelo 4</a:t>
-            </a:r>
-          </a:p>
-        </p:txBody>
-      </p:sp>
-      <p:cxnSp>
-        <p:nvCxnSpPr>
-          <p:cNvPr id="4" name="Conector recto de flecha 3">
-            <a:extLst>
-              <a:ext uri="{FF2B5EF4-FFF2-40B4-BE49-F238E27FC236}">
-                <a16:creationId xmlns:a16="http://schemas.microsoft.com/office/drawing/2014/main" id="{C4BD8B82-AF4B-4785-8FF9-EA00A002132B}"/>
-              </a:ext>
-            </a:extLst>
-          </p:cNvPr>
-          <p:cNvCxnSpPr>
-            <a:stCxn id="2" idx="3"/>
-            <a:endCxn id="11" idx="1"/>
-          </p:cNvCxnSpPr>
-          <p:nvPr/>
-        </p:nvCxnSpPr>
-        <p:spPr>
-          <a:xfrm>
-            <a:off x="4118499" y="5968808"/>
-            <a:ext cx="861134" cy="0"/>
-          </a:xfrm>
-          <a:prstGeom prst="straightConnector1">
-            <a:avLst/>
-          </a:prstGeom>
-          <a:ln>
-            <a:tailEnd type="triangle"/>
-          </a:ln>
-        </p:spPr>
-        <p:style>
-          <a:lnRef idx="1">
-            <a:schemeClr val="accent1"/>
-          </a:lnRef>
-          <a:fillRef idx="0">
-            <a:schemeClr val="accent1"/>
-          </a:fillRef>
-          <a:effectRef idx="0">
-            <a:schemeClr val="accent1"/>
-          </a:effectRef>
-          <a:fontRef idx="minor">
-            <a:schemeClr val="tx1"/>
-          </a:fontRef>
-        </p:style>
-      </p:cxnSp>
-      <p:cxnSp>
-        <p:nvCxnSpPr>
-          <p:cNvPr id="6" name="Conector recto de flecha 5">
-            <a:extLst>
-              <a:ext uri="{FF2B5EF4-FFF2-40B4-BE49-F238E27FC236}">
-                <a16:creationId xmlns:a16="http://schemas.microsoft.com/office/drawing/2014/main" id="{77C8A59C-F210-4AC6-AB56-FE8BAB551614}"/>
-              </a:ext>
-            </a:extLst>
-          </p:cNvPr>
-          <p:cNvCxnSpPr>
-            <a:stCxn id="11" idx="3"/>
-            <a:endCxn id="12" idx="1"/>
-          </p:cNvCxnSpPr>
-          <p:nvPr/>
-        </p:nvCxnSpPr>
-        <p:spPr>
-          <a:xfrm>
-            <a:off x="5840767" y="5968808"/>
-            <a:ext cx="861134" cy="0"/>
-          </a:xfrm>
-          <a:prstGeom prst="straightConnector1">
-            <a:avLst/>
-          </a:prstGeom>
-          <a:ln>
-            <a:tailEnd type="triangle"/>
-          </a:ln>
-        </p:spPr>
-        <p:style>
-          <a:lnRef idx="1">
-            <a:schemeClr val="accent1"/>
-          </a:lnRef>
-          <a:fillRef idx="0">
-            <a:schemeClr val="accent1"/>
-          </a:fillRef>
-          <a:effectRef idx="0">
-            <a:schemeClr val="accent1"/>
-          </a:effectRef>
-          <a:fontRef idx="minor">
-            <a:schemeClr val="tx1"/>
-          </a:fontRef>
-        </p:style>
-      </p:cxnSp>
-      <p:cxnSp>
-        <p:nvCxnSpPr>
-          <p:cNvPr id="8" name="Conector recto de flecha 7">
-            <a:extLst>
-              <a:ext uri="{FF2B5EF4-FFF2-40B4-BE49-F238E27FC236}">
-                <a16:creationId xmlns:a16="http://schemas.microsoft.com/office/drawing/2014/main" id="{91B55F61-7F43-4360-B027-5951E3F0D0E9}"/>
-              </a:ext>
-            </a:extLst>
-          </p:cNvPr>
-          <p:cNvCxnSpPr>
-            <a:stCxn id="12" idx="3"/>
-            <a:endCxn id="13" idx="1"/>
-          </p:cNvCxnSpPr>
-          <p:nvPr/>
-        </p:nvCxnSpPr>
-        <p:spPr>
-          <a:xfrm>
-            <a:off x="7563035" y="5968808"/>
-            <a:ext cx="861134" cy="0"/>
-          </a:xfrm>
-          <a:prstGeom prst="straightConnector1">
-            <a:avLst/>
-          </a:prstGeom>
-          <a:ln>
-            <a:tailEnd type="triangle"/>
-          </a:ln>
-        </p:spPr>
-        <p:style>
-          <a:lnRef idx="1">
-            <a:schemeClr val="accent1"/>
-          </a:lnRef>
-          <a:fillRef idx="0">
-            <a:schemeClr val="accent1"/>
-          </a:fillRef>
-          <a:effectRef idx="0">
-            <a:schemeClr val="accent1"/>
-          </a:effectRef>
-          <a:fontRef idx="minor">
-            <a:schemeClr val="tx1"/>
-          </a:fontRef>
-        </p:style>
-      </p:cxnSp>
-      <p:cxnSp>
-        <p:nvCxnSpPr>
-          <p:cNvPr id="23" name="Conector recto de flecha 22">
-            <a:extLst>
-              <a:ext uri="{FF2B5EF4-FFF2-40B4-BE49-F238E27FC236}">
-                <a16:creationId xmlns:a16="http://schemas.microsoft.com/office/drawing/2014/main" id="{3EABBCFE-A4D4-484B-9651-FCE1CFB14545}"/>
-              </a:ext>
-            </a:extLst>
-          </p:cNvPr>
-          <p:cNvCxnSpPr>
-            <a:cxnSpLocks/>
-            <a:endCxn id="2" idx="1"/>
-          </p:cNvCxnSpPr>
-          <p:nvPr/>
-        </p:nvCxnSpPr>
-        <p:spPr>
-          <a:xfrm>
-            <a:off x="2396231" y="5968808"/>
-            <a:ext cx="861134" cy="0"/>
-          </a:xfrm>
-          <a:prstGeom prst="straightConnector1">
-            <a:avLst/>
-          </a:prstGeom>
-          <a:ln>
-            <a:tailEnd type="triangle"/>
-          </a:ln>
-        </p:spPr>
-        <p:style>
-          <a:lnRef idx="1">
-            <a:schemeClr val="accent1"/>
-          </a:lnRef>
-          <a:fillRef idx="0">
-            <a:schemeClr val="accent1"/>
-          </a:fillRef>
-          <a:effectRef idx="0">
-            <a:schemeClr val="accent1"/>
-          </a:effectRef>
-          <a:fontRef idx="minor">
-            <a:schemeClr val="tx1"/>
-          </a:fontRef>
-        </p:style>
-      </p:cxnSp>
-      <p:cxnSp>
-        <p:nvCxnSpPr>
-          <p:cNvPr id="24" name="Conector recto de flecha 23">
-            <a:extLst>
-              <a:ext uri="{FF2B5EF4-FFF2-40B4-BE49-F238E27FC236}">
-                <a16:creationId xmlns:a16="http://schemas.microsoft.com/office/drawing/2014/main" id="{4DF2340A-B768-4B2F-AE89-CBC729EA1675}"/>
-              </a:ext>
-            </a:extLst>
-          </p:cNvPr>
-          <p:cNvCxnSpPr>
-            <a:cxnSpLocks/>
-            <a:stCxn id="13" idx="3"/>
-          </p:cNvCxnSpPr>
-          <p:nvPr/>
-        </p:nvCxnSpPr>
-        <p:spPr>
-          <a:xfrm>
-            <a:off x="9285303" y="5968808"/>
-            <a:ext cx="861134" cy="0"/>
-          </a:xfrm>
-          <a:prstGeom prst="straightConnector1">
-            <a:avLst/>
-          </a:prstGeom>
-          <a:ln>
-            <a:tailEnd type="triangle"/>
-          </a:ln>
-        </p:spPr>
-        <p:style>
-          <a:lnRef idx="1">
-            <a:schemeClr val="accent1"/>
-          </a:lnRef>
-          <a:fillRef idx="0">
-            <a:schemeClr val="accent1"/>
-          </a:fillRef>
-          <a:effectRef idx="0">
-            <a:schemeClr val="accent1"/>
-          </a:effectRef>
-          <a:fontRef idx="minor">
-            <a:schemeClr val="tx1"/>
-          </a:fontRef>
-        </p:style>
-      </p:cxnSp>
-      <p:sp>
-        <p:nvSpPr>
-          <p:cNvPr id="19" name="CuadroTexto 18">
-            <a:extLst>
-              <a:ext uri="{FF2B5EF4-FFF2-40B4-BE49-F238E27FC236}">
-                <a16:creationId xmlns:a16="http://schemas.microsoft.com/office/drawing/2014/main" id="{E00C4D02-A0D4-4747-B1BB-E2690795F775}"/>
-              </a:ext>
-            </a:extLst>
-          </p:cNvPr>
-          <p:cNvSpPr txBox="1"/>
-          <p:nvPr/>
-        </p:nvSpPr>
-        <p:spPr>
-          <a:xfrm>
-            <a:off x="2946646" y="6388999"/>
-            <a:ext cx="6649375" cy="307777"/>
-          </a:xfrm>
-          <a:prstGeom prst="rect">
-            <a:avLst/>
-          </a:prstGeom>
-          <a:noFill/>
-        </p:spPr>
-        <p:txBody>
-          <a:bodyPr wrap="square" rtlCol="0">
-            <a:spAutoFit/>
-          </a:bodyPr>
-          <a:lstStyle/>
-          <a:p>
-            <a:pPr algn="ctr"/>
-            <a:r>
-              <a:rPr lang="es-ES" dirty="0">
-                <a:solidFill>
-                  <a:schemeClr val="bg1"/>
-                </a:solidFill>
-              </a:rPr>
-              <a:t>y = </a:t>
-            </a:r>
-            <a:r>
-              <a:rPr lang="el-GR" dirty="0">
-                <a:solidFill>
-                  <a:schemeClr val="accent5">
-                    <a:lumMod val="60000"/>
-                    <a:lumOff val="40000"/>
-                  </a:schemeClr>
-                </a:solidFill>
-              </a:rPr>
-              <a:t>α</a:t>
-            </a:r>
-            <a:r>
-              <a:rPr lang="es-ES" dirty="0">
-                <a:solidFill>
-                  <a:schemeClr val="accent5">
-                    <a:lumMod val="60000"/>
-                    <a:lumOff val="40000"/>
-                  </a:schemeClr>
-                </a:solidFill>
-              </a:rPr>
-              <a:t>1</a:t>
-            </a:r>
-            <a:r>
-              <a:rPr lang="es-ES" dirty="0">
-                <a:solidFill>
-                  <a:schemeClr val="bg1"/>
-                </a:solidFill>
-              </a:rPr>
-              <a:t>*(Modelo_1) + </a:t>
-            </a:r>
-            <a:r>
-              <a:rPr lang="el-GR" dirty="0">
-                <a:solidFill>
-                  <a:schemeClr val="accent5">
-                    <a:lumMod val="60000"/>
-                    <a:lumOff val="40000"/>
-                  </a:schemeClr>
-                </a:solidFill>
-              </a:rPr>
-              <a:t>α</a:t>
-            </a:r>
-            <a:r>
-              <a:rPr lang="es-ES" dirty="0">
-                <a:solidFill>
-                  <a:schemeClr val="accent5">
-                    <a:lumMod val="60000"/>
-                    <a:lumOff val="40000"/>
-                  </a:schemeClr>
-                </a:solidFill>
-              </a:rPr>
-              <a:t>2</a:t>
-            </a:r>
-            <a:r>
-              <a:rPr lang="es-ES" dirty="0">
-                <a:solidFill>
-                  <a:schemeClr val="bg1"/>
-                </a:solidFill>
-              </a:rPr>
-              <a:t>*(Modelo_2) + </a:t>
-            </a:r>
-            <a:r>
-              <a:rPr lang="el-GR" dirty="0">
-                <a:solidFill>
-                  <a:schemeClr val="accent5">
-                    <a:lumMod val="60000"/>
-                    <a:lumOff val="40000"/>
-                  </a:schemeClr>
-                </a:solidFill>
-              </a:rPr>
-              <a:t>α</a:t>
-            </a:r>
-            <a:r>
-              <a:rPr lang="es-ES" dirty="0">
-                <a:solidFill>
-                  <a:schemeClr val="accent5">
-                    <a:lumMod val="60000"/>
-                    <a:lumOff val="40000"/>
-                  </a:schemeClr>
-                </a:solidFill>
-              </a:rPr>
-              <a:t>3</a:t>
-            </a:r>
-            <a:r>
-              <a:rPr lang="es-ES" dirty="0">
-                <a:solidFill>
-                  <a:schemeClr val="bg1"/>
-                </a:solidFill>
-              </a:rPr>
-              <a:t>*(Modelo_3) + </a:t>
-            </a:r>
-            <a:r>
-              <a:rPr lang="el-GR" dirty="0">
-                <a:solidFill>
-                  <a:schemeClr val="accent5">
-                    <a:lumMod val="60000"/>
-                    <a:lumOff val="40000"/>
-                  </a:schemeClr>
-                </a:solidFill>
-              </a:rPr>
-              <a:t>α</a:t>
-            </a:r>
-            <a:r>
-              <a:rPr lang="es-ES" dirty="0">
-                <a:solidFill>
-                  <a:schemeClr val="accent5">
-                    <a:lumMod val="60000"/>
-                    <a:lumOff val="40000"/>
-                  </a:schemeClr>
-                </a:solidFill>
-              </a:rPr>
-              <a:t>4</a:t>
-            </a:r>
-            <a:r>
-              <a:rPr lang="es-ES" dirty="0">
-                <a:solidFill>
-                  <a:schemeClr val="bg1"/>
-                </a:solidFill>
-              </a:rPr>
-              <a:t>*(Modelo_4)</a:t>
-            </a:r>
-          </a:p>
-        </p:txBody>
-      </p:sp>
-      <p:sp>
-        <p:nvSpPr>
-          <p:cNvPr id="29" name="CuadroTexto 28">
-            <a:extLst>
-              <a:ext uri="{FF2B5EF4-FFF2-40B4-BE49-F238E27FC236}">
-                <a16:creationId xmlns:a16="http://schemas.microsoft.com/office/drawing/2014/main" id="{26D715EA-AF28-4488-B760-7492BAEA68BC}"/>
-              </a:ext>
-            </a:extLst>
-          </p:cNvPr>
-          <p:cNvSpPr txBox="1"/>
-          <p:nvPr/>
-        </p:nvSpPr>
-        <p:spPr>
-          <a:xfrm>
-            <a:off x="10079854" y="5492048"/>
-            <a:ext cx="688020" cy="400110"/>
-          </a:xfrm>
-          <a:prstGeom prst="rect">
-            <a:avLst/>
-          </a:prstGeom>
-          <a:noFill/>
-        </p:spPr>
-        <p:txBody>
-          <a:bodyPr wrap="square" rtlCol="0">
-            <a:spAutoFit/>
-          </a:bodyPr>
-          <a:lstStyle/>
-          <a:p>
-            <a:pPr algn="ctr"/>
-            <a:r>
-              <a:rPr lang="es-ES" sz="2000" dirty="0">
-                <a:solidFill>
-                  <a:schemeClr val="bg1"/>
-                </a:solidFill>
-              </a:rPr>
-              <a:t>y</a:t>
-            </a:r>
-          </a:p>
-        </p:txBody>
-      </p:sp>
-      <p:sp>
-        <p:nvSpPr>
-          <p:cNvPr id="30" name="CuadroTexto 29">
-            <a:extLst>
-              <a:ext uri="{FF2B5EF4-FFF2-40B4-BE49-F238E27FC236}">
-                <a16:creationId xmlns:a16="http://schemas.microsoft.com/office/drawing/2014/main" id="{741763BE-035B-41CB-B79E-30A8E1DFBF4F}"/>
-              </a:ext>
-            </a:extLst>
-          </p:cNvPr>
-          <p:cNvSpPr txBox="1"/>
-          <p:nvPr/>
-        </p:nvSpPr>
-        <p:spPr>
-          <a:xfrm>
-            <a:off x="1794768" y="5529058"/>
-            <a:ext cx="688020" cy="400110"/>
-          </a:xfrm>
-          <a:prstGeom prst="rect">
-            <a:avLst/>
-          </a:prstGeom>
-          <a:noFill/>
-        </p:spPr>
-        <p:txBody>
-          <a:bodyPr wrap="square" rtlCol="0">
-            <a:spAutoFit/>
-          </a:bodyPr>
-          <a:lstStyle/>
-          <a:p>
-            <a:pPr algn="ctr"/>
-            <a:r>
-              <a:rPr lang="es-ES" sz="2000" dirty="0">
-                <a:solidFill>
-                  <a:schemeClr val="bg1"/>
-                </a:solidFill>
-              </a:rPr>
-              <a:t>x</a:t>
-            </a:r>
-          </a:p>
-        </p:txBody>
-      </p:sp>
-      <p:sp>
-        <p:nvSpPr>
-          <p:cNvPr id="31" name="CuadroTexto 30">
-            <a:extLst>
-              <a:ext uri="{FF2B5EF4-FFF2-40B4-BE49-F238E27FC236}">
-                <a16:creationId xmlns:a16="http://schemas.microsoft.com/office/drawing/2014/main" id="{563BB900-5B9E-42F2-AC2B-381E353A93CF}"/>
-              </a:ext>
-            </a:extLst>
-          </p:cNvPr>
-          <p:cNvSpPr txBox="1"/>
-          <p:nvPr/>
-        </p:nvSpPr>
-        <p:spPr>
-          <a:xfrm>
-            <a:off x="2742460" y="5457139"/>
-            <a:ext cx="688020" cy="338554"/>
-          </a:xfrm>
-          <a:prstGeom prst="rect">
-            <a:avLst/>
-          </a:prstGeom>
-          <a:noFill/>
-        </p:spPr>
-        <p:txBody>
-          <a:bodyPr wrap="square" rtlCol="0">
-            <a:spAutoFit/>
-          </a:bodyPr>
-          <a:lstStyle/>
-          <a:p>
-            <a:pPr algn="ctr"/>
-            <a:r>
-              <a:rPr lang="el-GR" sz="1600" i="1" dirty="0">
-                <a:solidFill>
-                  <a:schemeClr val="accent5">
-                    <a:lumMod val="60000"/>
-                    <a:lumOff val="40000"/>
-                  </a:schemeClr>
-                </a:solidFill>
-              </a:rPr>
-              <a:t>α1</a:t>
-            </a:r>
-            <a:endParaRPr lang="es-ES" sz="1600" i="1" dirty="0">
-              <a:solidFill>
-                <a:schemeClr val="accent5">
-                  <a:lumMod val="60000"/>
-                  <a:lumOff val="40000"/>
-                </a:schemeClr>
-              </a:solidFill>
-            </a:endParaRPr>
-          </a:p>
-        </p:txBody>
-      </p:sp>
-      <p:sp>
-        <p:nvSpPr>
-          <p:cNvPr id="32" name="CuadroTexto 31">
-            <a:extLst>
-              <a:ext uri="{FF2B5EF4-FFF2-40B4-BE49-F238E27FC236}">
-                <a16:creationId xmlns:a16="http://schemas.microsoft.com/office/drawing/2014/main" id="{7B5DD4B7-6054-48DC-8D23-672FCDB18C2B}"/>
-              </a:ext>
-            </a:extLst>
-          </p:cNvPr>
-          <p:cNvSpPr txBox="1"/>
-          <p:nvPr/>
-        </p:nvSpPr>
-        <p:spPr>
-          <a:xfrm>
-            <a:off x="4415900" y="5493545"/>
-            <a:ext cx="688020" cy="338554"/>
-          </a:xfrm>
-          <a:prstGeom prst="rect">
-            <a:avLst/>
-          </a:prstGeom>
-          <a:noFill/>
-        </p:spPr>
-        <p:txBody>
-          <a:bodyPr wrap="square" rtlCol="0">
-            <a:spAutoFit/>
-          </a:bodyPr>
-          <a:lstStyle/>
-          <a:p>
-            <a:pPr algn="ctr"/>
-            <a:r>
-              <a:rPr lang="el-GR" sz="1600" i="1" dirty="0">
-                <a:solidFill>
-                  <a:schemeClr val="accent5">
-                    <a:lumMod val="60000"/>
-                    <a:lumOff val="40000"/>
-                  </a:schemeClr>
-                </a:solidFill>
-              </a:rPr>
-              <a:t>α</a:t>
-            </a:r>
-            <a:r>
-              <a:rPr lang="es-ES" sz="1600" i="1" dirty="0">
-                <a:solidFill>
-                  <a:schemeClr val="accent5">
-                    <a:lumMod val="60000"/>
-                    <a:lumOff val="40000"/>
-                  </a:schemeClr>
-                </a:solidFill>
-              </a:rPr>
-              <a:t>2</a:t>
-            </a:r>
-          </a:p>
-        </p:txBody>
-      </p:sp>
-      <p:sp>
-        <p:nvSpPr>
-          <p:cNvPr id="33" name="CuadroTexto 32">
-            <a:extLst>
-              <a:ext uri="{FF2B5EF4-FFF2-40B4-BE49-F238E27FC236}">
-                <a16:creationId xmlns:a16="http://schemas.microsoft.com/office/drawing/2014/main" id="{7723350B-BABC-494B-AE65-E425A062F300}"/>
-              </a:ext>
-            </a:extLst>
-          </p:cNvPr>
-          <p:cNvSpPr txBox="1"/>
-          <p:nvPr/>
-        </p:nvSpPr>
-        <p:spPr>
-          <a:xfrm>
-            <a:off x="6127072" y="5492048"/>
-            <a:ext cx="688020" cy="338554"/>
-          </a:xfrm>
-          <a:prstGeom prst="rect">
-            <a:avLst/>
-          </a:prstGeom>
-          <a:noFill/>
-        </p:spPr>
-        <p:txBody>
-          <a:bodyPr wrap="square" rtlCol="0">
-            <a:spAutoFit/>
-          </a:bodyPr>
-          <a:lstStyle/>
-          <a:p>
-            <a:pPr algn="ctr"/>
-            <a:r>
-              <a:rPr lang="el-GR" sz="1600" i="1" dirty="0">
-                <a:solidFill>
-                  <a:schemeClr val="accent5">
-                    <a:lumMod val="60000"/>
-                    <a:lumOff val="40000"/>
-                  </a:schemeClr>
-                </a:solidFill>
-              </a:rPr>
-              <a:t>α</a:t>
-            </a:r>
-            <a:r>
-              <a:rPr lang="es-ES" sz="1600" i="1" dirty="0">
-                <a:solidFill>
-                  <a:schemeClr val="accent5">
-                    <a:lumMod val="60000"/>
-                    <a:lumOff val="40000"/>
-                  </a:schemeClr>
-                </a:solidFill>
-              </a:rPr>
-              <a:t>3</a:t>
-            </a:r>
-          </a:p>
-        </p:txBody>
-      </p:sp>
-      <p:sp>
-        <p:nvSpPr>
-          <p:cNvPr id="34" name="CuadroTexto 33">
-            <a:extLst>
-              <a:ext uri="{FF2B5EF4-FFF2-40B4-BE49-F238E27FC236}">
-                <a16:creationId xmlns:a16="http://schemas.microsoft.com/office/drawing/2014/main" id="{EAB46A85-BF68-418B-B0C0-C7983A8C08DC}"/>
-              </a:ext>
-            </a:extLst>
-          </p:cNvPr>
-          <p:cNvSpPr txBox="1"/>
-          <p:nvPr/>
-        </p:nvSpPr>
-        <p:spPr>
-          <a:xfrm>
-            <a:off x="7849339" y="5492048"/>
-            <a:ext cx="688020" cy="338554"/>
-          </a:xfrm>
-          <a:prstGeom prst="rect">
-            <a:avLst/>
-          </a:prstGeom>
-          <a:noFill/>
-        </p:spPr>
-        <p:txBody>
-          <a:bodyPr wrap="square" rtlCol="0">
-            <a:spAutoFit/>
-          </a:bodyPr>
-          <a:lstStyle/>
-          <a:p>
-            <a:pPr algn="ctr"/>
-            <a:r>
-              <a:rPr lang="el-GR" sz="1600" i="1" dirty="0">
-                <a:solidFill>
-                  <a:schemeClr val="accent5">
-                    <a:lumMod val="60000"/>
-                    <a:lumOff val="40000"/>
-                  </a:schemeClr>
-                </a:solidFill>
-              </a:rPr>
-              <a:t>α</a:t>
-            </a:r>
-            <a:r>
-              <a:rPr lang="es-ES" sz="1600" i="1" dirty="0">
-                <a:solidFill>
-                  <a:schemeClr val="accent5">
-                    <a:lumMod val="60000"/>
-                    <a:lumOff val="40000"/>
-                  </a:schemeClr>
-                </a:solidFill>
-              </a:rPr>
-              <a:t>4</a:t>
-            </a:r>
-          </a:p>
-        </p:txBody>
-      </p:sp>
-      <p:sp>
-        <p:nvSpPr>
-          <p:cNvPr id="36" name="Rectángulo 35">
-            <a:extLst>
-              <a:ext uri="{FF2B5EF4-FFF2-40B4-BE49-F238E27FC236}">
-                <a16:creationId xmlns:a16="http://schemas.microsoft.com/office/drawing/2014/main" id="{BD419FA2-54C4-47C0-98D4-82B09C379EF0}"/>
-              </a:ext>
-            </a:extLst>
-          </p:cNvPr>
-          <p:cNvSpPr/>
-          <p:nvPr/>
-        </p:nvSpPr>
-        <p:spPr>
-          <a:xfrm>
-            <a:off x="1333129" y="1009768"/>
-            <a:ext cx="861134" cy="346229"/>
-          </a:xfrm>
-          <a:prstGeom prst="rect">
-            <a:avLst/>
-          </a:prstGeom>
-        </p:spPr>
-        <p:style>
-          <a:lnRef idx="2">
-            <a:schemeClr val="accent1">
-              <a:shade val="50000"/>
-            </a:schemeClr>
-          </a:lnRef>
-          <a:fillRef idx="1">
-            <a:schemeClr val="accent1"/>
-          </a:fillRef>
-          <a:effectRef idx="0">
-            <a:schemeClr val="accent1"/>
-          </a:effectRef>
-          <a:fontRef idx="minor">
-            <a:schemeClr val="lt1"/>
-          </a:fontRef>
-        </p:style>
-        <p:txBody>
-          <a:bodyPr rtlCol="0" anchor="ctr"/>
-          <a:lstStyle/>
-          <a:p>
-            <a:pPr algn="ctr"/>
-            <a:r>
-              <a:rPr lang="es-ES" sz="900" dirty="0"/>
-              <a:t>Modelo 1</a:t>
-            </a:r>
-          </a:p>
-        </p:txBody>
-      </p:sp>
-      <p:sp>
-        <p:nvSpPr>
-          <p:cNvPr id="21" name="Rectángulo 20">
-            <a:extLst>
-              <a:ext uri="{FF2B5EF4-FFF2-40B4-BE49-F238E27FC236}">
-                <a16:creationId xmlns:a16="http://schemas.microsoft.com/office/drawing/2014/main" id="{51B6C7F7-CE84-4259-A27C-B245D18E1E87}"/>
-              </a:ext>
-            </a:extLst>
-          </p:cNvPr>
-          <p:cNvSpPr/>
-          <p:nvPr/>
-        </p:nvSpPr>
-        <p:spPr>
-          <a:xfrm>
-            <a:off x="1104531" y="1658354"/>
-            <a:ext cx="1223034" cy="942196"/>
-          </a:xfrm>
-          <a:prstGeom prst="rect">
-            <a:avLst/>
-          </a:prstGeom>
-        </p:spPr>
-        <p:style>
-          <a:lnRef idx="2">
-            <a:schemeClr val="accent5">
-              <a:shade val="50000"/>
-            </a:schemeClr>
-          </a:lnRef>
-          <a:fillRef idx="1">
-            <a:schemeClr val="accent5"/>
-          </a:fillRef>
-          <a:effectRef idx="0">
-            <a:schemeClr val="accent5"/>
-          </a:effectRef>
-          <a:fontRef idx="minor">
-            <a:schemeClr val="lt1"/>
-          </a:fontRef>
-        </p:style>
-        <p:txBody>
-          <a:bodyPr rtlCol="0" anchor="ctr"/>
-          <a:lstStyle/>
-          <a:p>
-            <a:pPr algn="ctr"/>
-            <a:r>
-              <a:rPr lang="es-ES" sz="1200" dirty="0"/>
-              <a:t>Datos de entrenamiento</a:t>
-            </a:r>
-          </a:p>
-        </p:txBody>
-      </p:sp>
-      <p:sp>
-        <p:nvSpPr>
-          <p:cNvPr id="38" name="CuadroTexto 37">
-            <a:extLst>
-              <a:ext uri="{FF2B5EF4-FFF2-40B4-BE49-F238E27FC236}">
-                <a16:creationId xmlns:a16="http://schemas.microsoft.com/office/drawing/2014/main" id="{EFA5D817-AEBF-45C3-B18F-7311737EAB60}"/>
-              </a:ext>
-            </a:extLst>
-          </p:cNvPr>
-          <p:cNvSpPr txBox="1"/>
-          <p:nvPr/>
-        </p:nvSpPr>
-        <p:spPr>
-          <a:xfrm>
-            <a:off x="416510" y="1966193"/>
-            <a:ext cx="688020" cy="261610"/>
-          </a:xfrm>
-          <a:prstGeom prst="rect">
-            <a:avLst/>
-          </a:prstGeom>
-          <a:noFill/>
-        </p:spPr>
-        <p:txBody>
-          <a:bodyPr wrap="square" rtlCol="0">
-            <a:spAutoFit/>
-          </a:bodyPr>
-          <a:lstStyle/>
-          <a:p>
-            <a:pPr algn="ctr"/>
-            <a:r>
-              <a:rPr lang="es-ES" sz="1100" dirty="0">
-                <a:solidFill>
-                  <a:schemeClr val="bg1"/>
-                </a:solidFill>
-              </a:rPr>
-              <a:t>W(i)</a:t>
-            </a:r>
-          </a:p>
-        </p:txBody>
-      </p:sp>
-      <p:sp>
-        <p:nvSpPr>
-          <p:cNvPr id="39" name="CuadroTexto 38">
-            <a:extLst>
-              <a:ext uri="{FF2B5EF4-FFF2-40B4-BE49-F238E27FC236}">
-                <a16:creationId xmlns:a16="http://schemas.microsoft.com/office/drawing/2014/main" id="{3FDAAE88-D922-459C-862C-ED146FE3A6D7}"/>
-              </a:ext>
-            </a:extLst>
-          </p:cNvPr>
-          <p:cNvSpPr txBox="1"/>
-          <p:nvPr/>
-        </p:nvSpPr>
-        <p:spPr>
-          <a:xfrm>
-            <a:off x="323276" y="2781860"/>
-            <a:ext cx="2668362" cy="1477328"/>
-          </a:xfrm>
-          <a:prstGeom prst="rect">
-            <a:avLst/>
-          </a:prstGeom>
-          <a:noFill/>
-        </p:spPr>
-        <p:txBody>
-          <a:bodyPr wrap="square" rtlCol="0">
-            <a:spAutoFit/>
-          </a:bodyPr>
-          <a:lstStyle/>
-          <a:p>
-            <a:r>
-              <a:rPr lang="es-ES" sz="1000" dirty="0">
-                <a:solidFill>
-                  <a:schemeClr val="bg1"/>
-                </a:solidFill>
-              </a:rPr>
-              <a:t>1. Ponderamos todas las observaciones. Se irá actualizando con cada modelo. En este punto inicial, todas las observaciones valen por igual: 1/m, siendo m el número de observaciones.</a:t>
-            </a:r>
-          </a:p>
-          <a:p>
-            <a:pPr marL="228600" indent="-228600">
-              <a:buAutoNum type="arabicPeriod"/>
-            </a:pPr>
-            <a:endParaRPr lang="es-ES" sz="1000" dirty="0">
-              <a:solidFill>
-                <a:schemeClr val="bg1"/>
-              </a:solidFill>
-            </a:endParaRPr>
-          </a:p>
-          <a:p>
-            <a:r>
-              <a:rPr lang="es-ES" sz="1000" dirty="0">
-                <a:solidFill>
-                  <a:schemeClr val="bg1"/>
-                </a:solidFill>
-              </a:rPr>
-              <a:t>La ponderación de observaciones se usa en el entrenamiento:</a:t>
-            </a:r>
-          </a:p>
-          <a:p>
-            <a:r>
-              <a:rPr lang="es-ES" sz="1000" dirty="0">
-                <a:solidFill>
-                  <a:schemeClr val="bg1"/>
-                </a:solidFill>
-              </a:rPr>
-              <a:t>.</a:t>
-            </a:r>
-            <a:r>
-              <a:rPr lang="es-ES" sz="1000" dirty="0" err="1">
-                <a:solidFill>
-                  <a:schemeClr val="bg1"/>
-                </a:solidFill>
-              </a:rPr>
-              <a:t>fit</a:t>
-            </a:r>
-            <a:r>
-              <a:rPr lang="es-ES" sz="1000" dirty="0">
-                <a:solidFill>
-                  <a:schemeClr val="bg1"/>
-                </a:solidFill>
-              </a:rPr>
-              <a:t>(</a:t>
-            </a:r>
-            <a:r>
-              <a:rPr lang="es-ES" sz="1000" dirty="0" err="1">
-                <a:solidFill>
-                  <a:schemeClr val="bg1"/>
-                </a:solidFill>
-              </a:rPr>
-              <a:t>sample_weight</a:t>
-            </a:r>
-            <a:r>
-              <a:rPr lang="es-ES" sz="1000" dirty="0">
-                <a:solidFill>
-                  <a:schemeClr val="bg1"/>
-                </a:solidFill>
-              </a:rPr>
-              <a:t>)</a:t>
-            </a:r>
-          </a:p>
-        </p:txBody>
-      </p:sp>
-      <p:sp>
-        <p:nvSpPr>
-          <p:cNvPr id="25" name="Título 24">
-            <a:extLst>
-              <a:ext uri="{FF2B5EF4-FFF2-40B4-BE49-F238E27FC236}">
-                <a16:creationId xmlns:a16="http://schemas.microsoft.com/office/drawing/2014/main" id="{0AD6E2E7-BDA4-4C3B-8744-32C1441C2BE0}"/>
-              </a:ext>
-            </a:extLst>
-          </p:cNvPr>
-          <p:cNvSpPr>
-            <a:spLocks noGrp="1"/>
-          </p:cNvSpPr>
-          <p:nvPr>
-            <p:ph type="title"/>
-          </p:nvPr>
-        </p:nvSpPr>
-        <p:spPr>
-          <a:xfrm>
-            <a:off x="395056" y="205694"/>
-            <a:ext cx="10483788" cy="744843"/>
-          </a:xfrm>
-        </p:spPr>
-        <p:txBody>
-          <a:bodyPr>
-            <a:normAutofit/>
-          </a:bodyPr>
-          <a:lstStyle/>
-          <a:p>
-            <a:r>
-              <a:rPr lang="es-ES" sz="3200" dirty="0"/>
-              <a:t>Entrenamiento</a:t>
-            </a:r>
-          </a:p>
-        </p:txBody>
-      </p:sp>
-      <p:sp>
-        <p:nvSpPr>
-          <p:cNvPr id="42" name="Título 24">
-            <a:extLst>
-              <a:ext uri="{FF2B5EF4-FFF2-40B4-BE49-F238E27FC236}">
-                <a16:creationId xmlns:a16="http://schemas.microsoft.com/office/drawing/2014/main" id="{BAF5A70F-3309-406C-9DCA-9C625B585E13}"/>
-              </a:ext>
-            </a:extLst>
-          </p:cNvPr>
-          <p:cNvSpPr txBox="1">
-            <a:spLocks/>
-          </p:cNvSpPr>
-          <p:nvPr/>
-        </p:nvSpPr>
-        <p:spPr>
-          <a:xfrm>
-            <a:off x="416510" y="4848276"/>
-            <a:ext cx="10483788" cy="744843"/>
-          </a:xfrm>
-          <a:prstGeom prst="rect">
-            <a:avLst/>
-          </a:prstGeom>
-          <a:noFill/>
-          <a:ln>
-            <a:noFill/>
-          </a:ln>
-        </p:spPr>
-        <p:txBody>
-          <a:bodyPr spcFirstLastPara="1" wrap="square" lIns="91425" tIns="45700" rIns="91425" bIns="45700" anchor="ctr" anchorCtr="0">
-            <a:normAutofit/>
-          </a:bodyPr>
-          <a:lstStyle>
-            <a:defPPr marR="0" lvl="0" algn="l" rtl="0">
-              <a:lnSpc>
-                <a:spcPct val="100000"/>
-              </a:lnSpc>
-              <a:spcBef>
-                <a:spcPts val="0"/>
-              </a:spcBef>
-              <a:spcAft>
-                <a:spcPts val="0"/>
-              </a:spcAft>
-            </a:defPPr>
-            <a:lvl1pPr marR="0" lvl="0" algn="l" rtl="0">
-              <a:lnSpc>
-                <a:spcPct val="90000"/>
-              </a:lnSpc>
-              <a:spcBef>
-                <a:spcPts val="0"/>
-              </a:spcBef>
-              <a:spcAft>
-                <a:spcPts val="0"/>
-              </a:spcAft>
-              <a:buClr>
-                <a:schemeClr val="lt1"/>
-              </a:buClr>
-              <a:buSzPts val="1800"/>
-              <a:buFont typeface="Calibri"/>
-              <a:buNone/>
-              <a:defRPr sz="4400" b="0" i="0" u="none" strike="noStrike" cap="none">
-                <a:solidFill>
-                  <a:schemeClr val="lt1"/>
-                </a:solidFill>
-                <a:latin typeface="Calibri"/>
-                <a:ea typeface="Calibri"/>
-                <a:cs typeface="Calibri"/>
-                <a:sym typeface="Calibri"/>
-              </a:defRPr>
-            </a:lvl1pPr>
-            <a:lvl2pPr marR="0" lvl="1" algn="l" rtl="0">
-              <a:lnSpc>
-                <a:spcPct val="100000"/>
-              </a:lnSpc>
-              <a:spcBef>
-                <a:spcPts val="0"/>
-              </a:spcBef>
-              <a:spcAft>
-                <a:spcPts val="0"/>
-              </a:spcAft>
-              <a:buClr>
-                <a:srgbClr val="000000"/>
-              </a:buClr>
-              <a:buSzPts val="1400"/>
-              <a:buFont typeface="Arial"/>
-              <a:buNone/>
-              <a:defRPr sz="1800" b="0" i="0" u="none" strike="noStrike" cap="none">
-                <a:solidFill>
-                  <a:srgbClr val="000000"/>
-                </a:solidFill>
-                <a:latin typeface="Arial"/>
-                <a:ea typeface="Arial"/>
-                <a:cs typeface="Arial"/>
-                <a:sym typeface="Arial"/>
-              </a:defRPr>
-            </a:lvl2pPr>
-            <a:lvl3pPr marR="0" lvl="2" algn="l" rtl="0">
-              <a:lnSpc>
-                <a:spcPct val="100000"/>
-              </a:lnSpc>
-              <a:spcBef>
-                <a:spcPts val="0"/>
-              </a:spcBef>
-              <a:spcAft>
-                <a:spcPts val="0"/>
-              </a:spcAft>
-              <a:buClr>
-                <a:srgbClr val="000000"/>
-              </a:buClr>
-              <a:buSzPts val="1400"/>
-              <a:buFont typeface="Arial"/>
-              <a:buNone/>
-              <a:defRPr sz="1800" b="0" i="0" u="none" strike="noStrike" cap="none">
-                <a:solidFill>
-                  <a:srgbClr val="000000"/>
-                </a:solidFill>
-                <a:latin typeface="Arial"/>
-                <a:ea typeface="Arial"/>
-                <a:cs typeface="Arial"/>
-                <a:sym typeface="Arial"/>
-              </a:defRPr>
-            </a:lvl3pPr>
-            <a:lvl4pPr marR="0" lvl="3" algn="l" rtl="0">
-              <a:lnSpc>
-                <a:spcPct val="100000"/>
-              </a:lnSpc>
-              <a:spcBef>
-                <a:spcPts val="0"/>
-              </a:spcBef>
-              <a:spcAft>
-                <a:spcPts val="0"/>
-              </a:spcAft>
-              <a:buClr>
-                <a:srgbClr val="000000"/>
-              </a:buClr>
-              <a:buSzPts val="1400"/>
-              <a:buFont typeface="Arial"/>
-              <a:buNone/>
-              <a:defRPr sz="1800" b="0" i="0" u="none" strike="noStrike" cap="none">
-                <a:solidFill>
-                  <a:srgbClr val="000000"/>
-                </a:solidFill>
-                <a:latin typeface="Arial"/>
-                <a:ea typeface="Arial"/>
-                <a:cs typeface="Arial"/>
-                <a:sym typeface="Arial"/>
-              </a:defRPr>
-            </a:lvl4pPr>
-            <a:lvl5pPr marR="0" lvl="4" algn="l" rtl="0">
-              <a:lnSpc>
-                <a:spcPct val="100000"/>
-              </a:lnSpc>
-              <a:spcBef>
-                <a:spcPts val="0"/>
-              </a:spcBef>
-              <a:spcAft>
-                <a:spcPts val="0"/>
-              </a:spcAft>
-              <a:buClr>
-                <a:srgbClr val="000000"/>
-              </a:buClr>
-              <a:buSzPts val="1400"/>
-              <a:buFont typeface="Arial"/>
-              <a:buNone/>
-              <a:defRPr sz="1800" b="0" i="0" u="none" strike="noStrike" cap="none">
-                <a:solidFill>
-                  <a:srgbClr val="000000"/>
-                </a:solidFill>
-                <a:latin typeface="Arial"/>
-                <a:ea typeface="Arial"/>
-                <a:cs typeface="Arial"/>
-                <a:sym typeface="Arial"/>
-              </a:defRPr>
-            </a:lvl5pPr>
-            <a:lvl6pPr marR="0" lvl="5" algn="l" rtl="0">
-              <a:lnSpc>
-                <a:spcPct val="100000"/>
-              </a:lnSpc>
-              <a:spcBef>
-                <a:spcPts val="0"/>
-              </a:spcBef>
-              <a:spcAft>
-                <a:spcPts val="0"/>
-              </a:spcAft>
-              <a:buClr>
-                <a:srgbClr val="000000"/>
-              </a:buClr>
-              <a:buSzPts val="1400"/>
-              <a:buFont typeface="Arial"/>
-              <a:buNone/>
-              <a:defRPr sz="1800" b="0" i="0" u="none" strike="noStrike" cap="none">
-                <a:solidFill>
-                  <a:srgbClr val="000000"/>
-                </a:solidFill>
-                <a:latin typeface="Arial"/>
-                <a:ea typeface="Arial"/>
-                <a:cs typeface="Arial"/>
-                <a:sym typeface="Arial"/>
-              </a:defRPr>
-            </a:lvl6pPr>
-            <a:lvl7pPr marR="0" lvl="6" algn="l" rtl="0">
-              <a:lnSpc>
-                <a:spcPct val="100000"/>
-              </a:lnSpc>
-              <a:spcBef>
-                <a:spcPts val="0"/>
-              </a:spcBef>
-              <a:spcAft>
-                <a:spcPts val="0"/>
-              </a:spcAft>
-              <a:buClr>
-                <a:srgbClr val="000000"/>
-              </a:buClr>
-              <a:buSzPts val="1400"/>
-              <a:buFont typeface="Arial"/>
-              <a:buNone/>
-              <a:defRPr sz="1800" b="0" i="0" u="none" strike="noStrike" cap="none">
-                <a:solidFill>
-                  <a:srgbClr val="000000"/>
-                </a:solidFill>
-                <a:latin typeface="Arial"/>
-                <a:ea typeface="Arial"/>
-                <a:cs typeface="Arial"/>
-                <a:sym typeface="Arial"/>
-              </a:defRPr>
-            </a:lvl7pPr>
-            <a:lvl8pPr marR="0" lvl="7" algn="l" rtl="0">
-              <a:lnSpc>
-                <a:spcPct val="100000"/>
-              </a:lnSpc>
-              <a:spcBef>
-                <a:spcPts val="0"/>
-              </a:spcBef>
-              <a:spcAft>
-                <a:spcPts val="0"/>
-              </a:spcAft>
-              <a:buClr>
-                <a:srgbClr val="000000"/>
-              </a:buClr>
-              <a:buSzPts val="1400"/>
-              <a:buFont typeface="Arial"/>
-              <a:buNone/>
-              <a:defRPr sz="1800" b="0" i="0" u="none" strike="noStrike" cap="none">
-                <a:solidFill>
-                  <a:srgbClr val="000000"/>
-                </a:solidFill>
-                <a:latin typeface="Arial"/>
-                <a:ea typeface="Arial"/>
-                <a:cs typeface="Arial"/>
-                <a:sym typeface="Arial"/>
-              </a:defRPr>
-            </a:lvl8pPr>
-            <a:lvl9pPr marR="0" lvl="8" algn="l" rtl="0">
-              <a:lnSpc>
-                <a:spcPct val="100000"/>
-              </a:lnSpc>
-              <a:spcBef>
-                <a:spcPts val="0"/>
-              </a:spcBef>
-              <a:spcAft>
-                <a:spcPts val="0"/>
-              </a:spcAft>
-              <a:buClr>
-                <a:srgbClr val="000000"/>
-              </a:buClr>
-              <a:buSzPts val="1400"/>
-              <a:buFont typeface="Arial"/>
-              <a:buNone/>
-              <a:defRPr sz="1800" b="0" i="0" u="none" strike="noStrike" cap="none">
-                <a:solidFill>
-                  <a:srgbClr val="000000"/>
-                </a:solidFill>
-                <a:latin typeface="Arial"/>
-                <a:ea typeface="Arial"/>
-                <a:cs typeface="Arial"/>
-                <a:sym typeface="Arial"/>
-              </a:defRPr>
-            </a:lvl9pPr>
-          </a:lstStyle>
-          <a:p>
-            <a:r>
-              <a:rPr lang="es-ES" sz="3200" dirty="0"/>
-              <a:t>Predicción</a:t>
-            </a:r>
-          </a:p>
-        </p:txBody>
-      </p:sp>
-      <p:cxnSp>
-        <p:nvCxnSpPr>
-          <p:cNvPr id="27" name="Conector recto de flecha 26">
-            <a:extLst>
-              <a:ext uri="{FF2B5EF4-FFF2-40B4-BE49-F238E27FC236}">
-                <a16:creationId xmlns:a16="http://schemas.microsoft.com/office/drawing/2014/main" id="{9FA8B8E1-6B5A-47AE-8B17-B89DB6DAF343}"/>
-              </a:ext>
-            </a:extLst>
-          </p:cNvPr>
-          <p:cNvCxnSpPr>
-            <a:cxnSpLocks/>
-          </p:cNvCxnSpPr>
-          <p:nvPr/>
-        </p:nvCxnSpPr>
-        <p:spPr>
-          <a:xfrm>
-            <a:off x="959148" y="1658354"/>
-            <a:ext cx="0" cy="974011"/>
-          </a:xfrm>
-          <a:prstGeom prst="straightConnector1">
-            <a:avLst/>
-          </a:prstGeom>
-          <a:ln>
-            <a:headEnd type="triangle"/>
-            <a:tailEnd type="triangle"/>
-          </a:ln>
-        </p:spPr>
-        <p:style>
-          <a:lnRef idx="1">
-            <a:schemeClr val="accent5"/>
-          </a:lnRef>
-          <a:fillRef idx="0">
-            <a:schemeClr val="accent5"/>
-          </a:fillRef>
-          <a:effectRef idx="0">
-            <a:schemeClr val="accent5"/>
-          </a:effectRef>
-          <a:fontRef idx="minor">
-            <a:schemeClr val="tx1"/>
-          </a:fontRef>
-        </p:style>
-      </p:cxnSp>
-      <p:sp>
-        <p:nvSpPr>
-          <p:cNvPr id="45" name="Rectángulo 44">
-            <a:extLst>
-              <a:ext uri="{FF2B5EF4-FFF2-40B4-BE49-F238E27FC236}">
-                <a16:creationId xmlns:a16="http://schemas.microsoft.com/office/drawing/2014/main" id="{4273F323-562C-40C6-8E60-8572928F7D1B}"/>
-              </a:ext>
-            </a:extLst>
-          </p:cNvPr>
-          <p:cNvSpPr/>
-          <p:nvPr/>
-        </p:nvSpPr>
-        <p:spPr>
-          <a:xfrm>
-            <a:off x="1104531" y="1396745"/>
-            <a:ext cx="1223034" cy="209944"/>
-          </a:xfrm>
-          <a:prstGeom prst="rect">
-            <a:avLst/>
-          </a:prstGeom>
-          <a:solidFill>
-            <a:schemeClr val="accent5">
-              <a:lumMod val="50000"/>
-            </a:schemeClr>
-          </a:solidFill>
-        </p:spPr>
-        <p:style>
-          <a:lnRef idx="2">
-            <a:schemeClr val="accent5">
-              <a:shade val="50000"/>
-            </a:schemeClr>
-          </a:lnRef>
-          <a:fillRef idx="1">
-            <a:schemeClr val="accent5"/>
-          </a:fillRef>
-          <a:effectRef idx="0">
-            <a:schemeClr val="accent5"/>
-          </a:effectRef>
-          <a:fontRef idx="minor">
-            <a:schemeClr val="lt1"/>
-          </a:fontRef>
-        </p:style>
-        <p:txBody>
-          <a:bodyPr rtlCol="0" anchor="ctr"/>
-          <a:lstStyle/>
-          <a:p>
-            <a:pPr algn="ctr"/>
-            <a:r>
-              <a:rPr lang="es-ES" sz="1100" dirty="0" err="1"/>
-              <a:t>Features</a:t>
-            </a:r>
-            <a:endParaRPr lang="es-ES" sz="1100" dirty="0"/>
-          </a:p>
-        </p:txBody>
-      </p:sp>
-      <p:sp>
-        <p:nvSpPr>
-          <p:cNvPr id="28" name="Flecha: a la derecha 27">
-            <a:extLst>
-              <a:ext uri="{FF2B5EF4-FFF2-40B4-BE49-F238E27FC236}">
-                <a16:creationId xmlns:a16="http://schemas.microsoft.com/office/drawing/2014/main" id="{D1FDB842-5970-4546-AB05-A4DBFA6B3E3D}"/>
-              </a:ext>
-            </a:extLst>
-          </p:cNvPr>
-          <p:cNvSpPr/>
-          <p:nvPr/>
-        </p:nvSpPr>
-        <p:spPr>
-          <a:xfrm>
-            <a:off x="2751339" y="1294345"/>
-            <a:ext cx="1367161" cy="261610"/>
-          </a:xfrm>
-          <a:prstGeom prst="rightArrow">
-            <a:avLst/>
-          </a:prstGeom>
-        </p:spPr>
-        <p:style>
-          <a:lnRef idx="2">
-            <a:schemeClr val="accent5">
-              <a:shade val="50000"/>
-            </a:schemeClr>
-          </a:lnRef>
-          <a:fillRef idx="1">
-            <a:schemeClr val="accent5"/>
-          </a:fillRef>
-          <a:effectRef idx="0">
-            <a:schemeClr val="accent5"/>
-          </a:effectRef>
-          <a:fontRef idx="minor">
-            <a:schemeClr val="lt1"/>
-          </a:fontRef>
-        </p:style>
-        <p:txBody>
-          <a:bodyPr rtlCol="0" anchor="ctr"/>
-          <a:lstStyle/>
-          <a:p>
-            <a:pPr algn="ctr"/>
-            <a:endParaRPr lang="es-ES"/>
-          </a:p>
-        </p:txBody>
-      </p:sp>
-      <p:pic>
-        <p:nvPicPr>
-          <p:cNvPr id="47" name="Google Shape;278;g9c522aaa2e_0_108">
-            <a:extLst>
-              <a:ext uri="{FF2B5EF4-FFF2-40B4-BE49-F238E27FC236}">
-                <a16:creationId xmlns:a16="http://schemas.microsoft.com/office/drawing/2014/main" id="{5F779096-DED8-4670-B6EF-D080135A17FF}"/>
-              </a:ext>
-            </a:extLst>
-          </p:cNvPr>
-          <p:cNvPicPr preferRelativeResize="0"/>
-          <p:nvPr/>
-        </p:nvPicPr>
-        <p:blipFill>
-          <a:blip r:embed="rId4">
-            <a:alphaModFix/>
-          </a:blip>
-          <a:stretch>
-            <a:fillRect/>
-          </a:stretch>
-        </p:blipFill>
-        <p:spPr>
-          <a:xfrm>
-            <a:off x="4260442" y="1030550"/>
-            <a:ext cx="4163727" cy="806088"/>
-          </a:xfrm>
-          <a:prstGeom prst="rect">
-            <a:avLst/>
-          </a:prstGeom>
-          <a:noFill/>
-          <a:ln>
-            <a:noFill/>
-          </a:ln>
-        </p:spPr>
-      </p:pic>
-      <p:sp>
-        <p:nvSpPr>
-          <p:cNvPr id="48" name="CuadroTexto 47">
-            <a:extLst>
-              <a:ext uri="{FF2B5EF4-FFF2-40B4-BE49-F238E27FC236}">
-                <a16:creationId xmlns:a16="http://schemas.microsoft.com/office/drawing/2014/main" id="{5A3C63B0-8D9A-4948-85F7-E0EAB44BC218}"/>
-              </a:ext>
-            </a:extLst>
-          </p:cNvPr>
-          <p:cNvSpPr txBox="1"/>
-          <p:nvPr/>
-        </p:nvSpPr>
-        <p:spPr>
-          <a:xfrm>
-            <a:off x="4723289" y="2056225"/>
-            <a:ext cx="3096090" cy="1169551"/>
-          </a:xfrm>
-          <a:prstGeom prst="rect">
-            <a:avLst/>
-          </a:prstGeom>
-          <a:noFill/>
-        </p:spPr>
-        <p:txBody>
-          <a:bodyPr wrap="square" rtlCol="0">
-            <a:spAutoFit/>
-          </a:bodyPr>
-          <a:lstStyle/>
-          <a:p>
-            <a:r>
-              <a:rPr lang="es-ES" sz="1000" dirty="0">
-                <a:solidFill>
-                  <a:schemeClr val="bg1"/>
-                </a:solidFill>
-              </a:rPr>
-              <a:t>2. Calculamos los errores</a:t>
-            </a:r>
-          </a:p>
-          <a:p>
-            <a:r>
-              <a:rPr lang="es-ES" sz="1000" dirty="0">
-                <a:solidFill>
-                  <a:schemeClr val="bg1"/>
-                </a:solidFill>
-              </a:rPr>
-              <a:t>3. Calculamos r </a:t>
-            </a:r>
-            <a:r>
-              <a:rPr lang="es-ES" sz="1000" i="1" dirty="0">
-                <a:solidFill>
-                  <a:schemeClr val="bg1"/>
-                </a:solidFill>
-              </a:rPr>
-              <a:t>(</a:t>
-            </a:r>
-            <a:r>
-              <a:rPr lang="es-ES" sz="1000" i="1" dirty="0" err="1">
-                <a:solidFill>
-                  <a:schemeClr val="bg1"/>
-                </a:solidFill>
-              </a:rPr>
-              <a:t>weighted</a:t>
-            </a:r>
-            <a:r>
-              <a:rPr lang="es-ES" sz="1000" i="1" dirty="0">
-                <a:solidFill>
-                  <a:schemeClr val="bg1"/>
-                </a:solidFill>
-              </a:rPr>
-              <a:t> error </a:t>
-            </a:r>
-            <a:r>
-              <a:rPr lang="es-ES" sz="1000" i="1" dirty="0" err="1">
-                <a:solidFill>
-                  <a:schemeClr val="bg1"/>
-                </a:solidFill>
-              </a:rPr>
-              <a:t>rate</a:t>
-            </a:r>
-            <a:r>
-              <a:rPr lang="es-ES" sz="1000" i="1" dirty="0">
-                <a:solidFill>
-                  <a:schemeClr val="bg1"/>
-                </a:solidFill>
-              </a:rPr>
-              <a:t>).</a:t>
-            </a:r>
-          </a:p>
-          <a:p>
-            <a:endParaRPr lang="es-ES" sz="1000" i="1" dirty="0">
-              <a:solidFill>
-                <a:schemeClr val="bg1"/>
-              </a:solidFill>
-            </a:endParaRPr>
-          </a:p>
-          <a:p>
-            <a:r>
-              <a:rPr lang="es-ES" sz="1000" i="1" dirty="0">
-                <a:solidFill>
-                  <a:schemeClr val="bg1"/>
-                </a:solidFill>
-              </a:rPr>
-              <a:t>Pesos de fallos/pesos</a:t>
-            </a:r>
-          </a:p>
-          <a:p>
-            <a:endParaRPr lang="es-ES" sz="1000" i="1" dirty="0">
-              <a:solidFill>
-                <a:schemeClr val="bg1"/>
-              </a:solidFill>
-            </a:endParaRPr>
-          </a:p>
-          <a:p>
-            <a:r>
-              <a:rPr lang="es-ES" sz="1000" i="1" dirty="0">
-                <a:solidFill>
-                  <a:schemeClr val="bg1"/>
-                </a:solidFill>
-              </a:rPr>
-              <a:t>Cuanto más cercano a 0, mejor será. Cercano a 1, peores los errores.</a:t>
-            </a:r>
-          </a:p>
-        </p:txBody>
-      </p:sp>
-      <p:pic>
-        <p:nvPicPr>
-          <p:cNvPr id="50" name="Google Shape;279;g9c522aaa2e_0_108">
-            <a:extLst>
-              <a:ext uri="{FF2B5EF4-FFF2-40B4-BE49-F238E27FC236}">
-                <a16:creationId xmlns:a16="http://schemas.microsoft.com/office/drawing/2014/main" id="{3A2180DC-0489-4E0E-8D36-EBF2D876B5F3}"/>
-              </a:ext>
-            </a:extLst>
-          </p:cNvPr>
-          <p:cNvPicPr preferRelativeResize="0"/>
-          <p:nvPr/>
-        </p:nvPicPr>
-        <p:blipFill>
-          <a:blip r:embed="rId5">
-            <a:alphaModFix/>
-          </a:blip>
-          <a:stretch>
-            <a:fillRect/>
-          </a:stretch>
-        </p:blipFill>
-        <p:spPr>
-          <a:xfrm>
-            <a:off x="9334467" y="1127916"/>
-            <a:ext cx="1686148" cy="634704"/>
-          </a:xfrm>
-          <a:prstGeom prst="rect">
-            <a:avLst/>
-          </a:prstGeom>
-          <a:noFill/>
-          <a:ln>
-            <a:noFill/>
-          </a:ln>
-        </p:spPr>
-      </p:pic>
-      <p:sp>
-        <p:nvSpPr>
-          <p:cNvPr id="51" name="CuadroTexto 50">
-            <a:extLst>
-              <a:ext uri="{FF2B5EF4-FFF2-40B4-BE49-F238E27FC236}">
-                <a16:creationId xmlns:a16="http://schemas.microsoft.com/office/drawing/2014/main" id="{8A380815-3F89-4DE8-B6AB-53F5E3569DFC}"/>
-              </a:ext>
-            </a:extLst>
-          </p:cNvPr>
-          <p:cNvSpPr txBox="1"/>
-          <p:nvPr/>
-        </p:nvSpPr>
-        <p:spPr>
-          <a:xfrm>
-            <a:off x="8841734" y="1861886"/>
-            <a:ext cx="3350266" cy="1631216"/>
-          </a:xfrm>
-          <a:prstGeom prst="rect">
-            <a:avLst/>
-          </a:prstGeom>
-          <a:noFill/>
-        </p:spPr>
-        <p:txBody>
-          <a:bodyPr wrap="square" rtlCol="0">
-            <a:spAutoFit/>
-          </a:bodyPr>
-          <a:lstStyle/>
-          <a:p>
-            <a:r>
-              <a:rPr lang="es-ES" sz="1000" dirty="0">
-                <a:solidFill>
-                  <a:schemeClr val="bg1"/>
-                </a:solidFill>
-              </a:rPr>
-              <a:t>4. Calculamos </a:t>
-            </a:r>
-            <a:r>
-              <a:rPr lang="el-GR" sz="1000" dirty="0">
-                <a:solidFill>
-                  <a:schemeClr val="bg1"/>
-                </a:solidFill>
-              </a:rPr>
-              <a:t>α</a:t>
-            </a:r>
-            <a:r>
-              <a:rPr lang="es-ES" sz="1000" dirty="0">
-                <a:solidFill>
-                  <a:schemeClr val="bg1"/>
-                </a:solidFill>
-              </a:rPr>
-              <a:t>1</a:t>
-            </a:r>
-          </a:p>
-          <a:p>
-            <a:pPr marL="171450" indent="-171450">
-              <a:buFontTx/>
-              <a:buChar char="-"/>
-            </a:pPr>
-            <a:r>
-              <a:rPr lang="es-ES" sz="1000" dirty="0">
-                <a:solidFill>
-                  <a:schemeClr val="bg1"/>
-                </a:solidFill>
-              </a:rPr>
-              <a:t>r=0,5 (</a:t>
-            </a:r>
-            <a:r>
-              <a:rPr lang="es-ES" sz="1000" dirty="0" err="1">
-                <a:solidFill>
-                  <a:schemeClr val="bg1"/>
-                </a:solidFill>
-              </a:rPr>
-              <a:t>random</a:t>
-            </a:r>
-            <a:r>
-              <a:rPr lang="es-ES" sz="1000" dirty="0">
-                <a:solidFill>
-                  <a:schemeClr val="bg1"/>
-                </a:solidFill>
-              </a:rPr>
-              <a:t>) </a:t>
-            </a:r>
-            <a:r>
-              <a:rPr lang="es-ES" sz="1000" dirty="0">
-                <a:solidFill>
-                  <a:schemeClr val="bg1"/>
-                </a:solidFill>
-                <a:sym typeface="Wingdings" panose="05000000000000000000" pitchFamily="2" charset="2"/>
-              </a:rPr>
-              <a:t> </a:t>
-            </a:r>
-            <a:r>
-              <a:rPr lang="el-GR" sz="1000" dirty="0">
-                <a:solidFill>
-                  <a:schemeClr val="bg1"/>
-                </a:solidFill>
-                <a:sym typeface="Wingdings" panose="05000000000000000000" pitchFamily="2" charset="2"/>
-              </a:rPr>
-              <a:t>α</a:t>
-            </a:r>
-            <a:r>
-              <a:rPr lang="es-ES" sz="1000" dirty="0">
-                <a:solidFill>
-                  <a:schemeClr val="bg1"/>
-                </a:solidFill>
-                <a:sym typeface="Wingdings" panose="05000000000000000000" pitchFamily="2" charset="2"/>
-              </a:rPr>
-              <a:t> =0</a:t>
-            </a:r>
-            <a:r>
-              <a:rPr lang="es-ES" sz="1000" dirty="0">
-                <a:solidFill>
-                  <a:schemeClr val="bg1"/>
-                </a:solidFill>
-              </a:rPr>
-              <a:t> </a:t>
-            </a:r>
-          </a:p>
-          <a:p>
-            <a:pPr marL="171450" indent="-171450">
-              <a:buFontTx/>
-              <a:buChar char="-"/>
-            </a:pPr>
-            <a:r>
-              <a:rPr lang="es-ES" sz="1000" dirty="0">
-                <a:solidFill>
-                  <a:schemeClr val="bg1"/>
-                </a:solidFill>
-              </a:rPr>
-              <a:t>r=0,9 (mal </a:t>
-            </a:r>
-            <a:r>
-              <a:rPr lang="es-ES" sz="1000" dirty="0" err="1">
-                <a:solidFill>
-                  <a:schemeClr val="bg1"/>
-                </a:solidFill>
-              </a:rPr>
-              <a:t>estim</a:t>
-            </a:r>
-            <a:r>
-              <a:rPr lang="es-ES" sz="1000" dirty="0">
-                <a:solidFill>
-                  <a:schemeClr val="bg1"/>
-                </a:solidFill>
-              </a:rPr>
-              <a:t>)  </a:t>
-            </a:r>
-            <a:r>
-              <a:rPr lang="es-ES" sz="1000" dirty="0">
-                <a:solidFill>
-                  <a:schemeClr val="bg1"/>
-                </a:solidFill>
-                <a:sym typeface="Wingdings" panose="05000000000000000000" pitchFamily="2" charset="2"/>
-              </a:rPr>
-              <a:t> </a:t>
-            </a:r>
-            <a:r>
-              <a:rPr lang="el-GR" sz="1000" dirty="0">
-                <a:solidFill>
-                  <a:schemeClr val="bg1"/>
-                </a:solidFill>
-                <a:sym typeface="Wingdings" panose="05000000000000000000" pitchFamily="2" charset="2"/>
-              </a:rPr>
-              <a:t>α</a:t>
-            </a:r>
-            <a:r>
-              <a:rPr lang="es-ES" sz="1000" dirty="0">
-                <a:solidFill>
-                  <a:schemeClr val="bg1"/>
-                </a:solidFill>
-                <a:sym typeface="Wingdings" panose="05000000000000000000" pitchFamily="2" charset="2"/>
-              </a:rPr>
-              <a:t> =</a:t>
-            </a:r>
-            <a:r>
-              <a:rPr lang="el-GR" sz="1000" dirty="0">
-                <a:solidFill>
-                  <a:schemeClr val="bg1"/>
-                </a:solidFill>
-                <a:sym typeface="Wingdings" panose="05000000000000000000" pitchFamily="2" charset="2"/>
-              </a:rPr>
-              <a:t>η</a:t>
-            </a:r>
-            <a:r>
-              <a:rPr lang="es-ES" sz="1000" dirty="0">
-                <a:solidFill>
-                  <a:schemeClr val="bg1"/>
-                </a:solidFill>
-                <a:sym typeface="Wingdings" panose="05000000000000000000" pitchFamily="2" charset="2"/>
-              </a:rPr>
-              <a:t> * (-0.95)</a:t>
-            </a:r>
-            <a:r>
-              <a:rPr lang="es-ES" sz="1000" dirty="0">
-                <a:solidFill>
-                  <a:schemeClr val="bg1"/>
-                </a:solidFill>
-              </a:rPr>
-              <a:t> </a:t>
-            </a:r>
-            <a:endParaRPr lang="es-ES" sz="1000" i="1" dirty="0">
-              <a:solidFill>
-                <a:schemeClr val="bg1"/>
-              </a:solidFill>
-            </a:endParaRPr>
-          </a:p>
-          <a:p>
-            <a:pPr marL="171450" indent="-171450">
-              <a:buFontTx/>
-              <a:buChar char="-"/>
-            </a:pPr>
-            <a:r>
-              <a:rPr lang="es-ES" sz="1000" dirty="0">
-                <a:solidFill>
-                  <a:schemeClr val="bg1"/>
-                </a:solidFill>
-              </a:rPr>
-              <a:t>r=0,1 (buen </a:t>
-            </a:r>
-            <a:r>
-              <a:rPr lang="es-ES" sz="1000" dirty="0" err="1">
-                <a:solidFill>
-                  <a:schemeClr val="bg1"/>
-                </a:solidFill>
-              </a:rPr>
-              <a:t>estim</a:t>
-            </a:r>
-            <a:r>
-              <a:rPr lang="es-ES" sz="1000" dirty="0">
-                <a:solidFill>
-                  <a:schemeClr val="bg1"/>
-                </a:solidFill>
-              </a:rPr>
-              <a:t>)  </a:t>
-            </a:r>
-            <a:r>
-              <a:rPr lang="es-ES" sz="1000" dirty="0">
-                <a:solidFill>
-                  <a:schemeClr val="bg1"/>
-                </a:solidFill>
-                <a:sym typeface="Wingdings" panose="05000000000000000000" pitchFamily="2" charset="2"/>
-              </a:rPr>
-              <a:t> </a:t>
-            </a:r>
-            <a:r>
-              <a:rPr lang="el-GR" sz="1000" dirty="0">
-                <a:solidFill>
-                  <a:schemeClr val="bg1"/>
-                </a:solidFill>
-                <a:sym typeface="Wingdings" panose="05000000000000000000" pitchFamily="2" charset="2"/>
-              </a:rPr>
-              <a:t>α</a:t>
-            </a:r>
-            <a:r>
-              <a:rPr lang="es-ES" sz="1000" dirty="0">
-                <a:solidFill>
-                  <a:schemeClr val="bg1"/>
-                </a:solidFill>
-                <a:sym typeface="Wingdings" panose="05000000000000000000" pitchFamily="2" charset="2"/>
-              </a:rPr>
-              <a:t> =</a:t>
-            </a:r>
-            <a:r>
-              <a:rPr lang="el-GR" sz="1000" dirty="0">
-                <a:solidFill>
-                  <a:schemeClr val="bg1"/>
-                </a:solidFill>
-                <a:sym typeface="Wingdings" panose="05000000000000000000" pitchFamily="2" charset="2"/>
-              </a:rPr>
-              <a:t>η</a:t>
-            </a:r>
-            <a:r>
-              <a:rPr lang="es-ES" sz="1000" dirty="0">
-                <a:solidFill>
-                  <a:schemeClr val="bg1"/>
-                </a:solidFill>
-                <a:sym typeface="Wingdings" panose="05000000000000000000" pitchFamily="2" charset="2"/>
-              </a:rPr>
-              <a:t> * 0.95</a:t>
-            </a:r>
-          </a:p>
-          <a:p>
-            <a:endParaRPr lang="es-ES" sz="1000" i="1" dirty="0">
-              <a:solidFill>
-                <a:schemeClr val="bg1"/>
-              </a:solidFill>
-              <a:sym typeface="Wingdings" panose="05000000000000000000" pitchFamily="2" charset="2"/>
-            </a:endParaRPr>
-          </a:p>
-          <a:p>
-            <a:r>
-              <a:rPr lang="el-GR" sz="1000" dirty="0">
-                <a:solidFill>
-                  <a:schemeClr val="bg1"/>
-                </a:solidFill>
-              </a:rPr>
-              <a:t>α</a:t>
-            </a:r>
-            <a:r>
-              <a:rPr lang="es-ES" sz="1000" dirty="0">
-                <a:solidFill>
-                  <a:schemeClr val="bg1"/>
-                </a:solidFill>
-              </a:rPr>
-              <a:t> es el peso que tendrá este estimador. Cuanto más preciso, mayor será su peso en la decisión final.</a:t>
-            </a:r>
-          </a:p>
-          <a:p>
-            <a:endParaRPr lang="es-ES" sz="1000" i="1" dirty="0">
-              <a:solidFill>
-                <a:schemeClr val="bg1"/>
-              </a:solidFill>
-            </a:endParaRPr>
-          </a:p>
-          <a:p>
-            <a:r>
-              <a:rPr lang="el-GR" sz="1000" dirty="0">
-                <a:solidFill>
-                  <a:schemeClr val="bg1"/>
-                </a:solidFill>
-                <a:sym typeface="Wingdings" panose="05000000000000000000" pitchFamily="2" charset="2"/>
-              </a:rPr>
-              <a:t>η </a:t>
-            </a:r>
-            <a:r>
-              <a:rPr lang="es-ES" sz="1000" dirty="0">
-                <a:solidFill>
-                  <a:schemeClr val="bg1"/>
-                </a:solidFill>
-                <a:sym typeface="Wingdings" panose="05000000000000000000" pitchFamily="2" charset="2"/>
-              </a:rPr>
-              <a:t>es un </a:t>
-            </a:r>
-            <a:r>
-              <a:rPr lang="es-ES" sz="1000" dirty="0" err="1">
-                <a:solidFill>
-                  <a:schemeClr val="bg1"/>
-                </a:solidFill>
-                <a:sym typeface="Wingdings" panose="05000000000000000000" pitchFamily="2" charset="2"/>
-              </a:rPr>
-              <a:t>hiperparámetro</a:t>
-            </a:r>
-            <a:r>
-              <a:rPr lang="es-ES" sz="1000" dirty="0">
-                <a:solidFill>
-                  <a:schemeClr val="bg1"/>
-                </a:solidFill>
-                <a:sym typeface="Wingdings" panose="05000000000000000000" pitchFamily="2" charset="2"/>
-              </a:rPr>
-              <a:t> (</a:t>
-            </a:r>
-            <a:r>
-              <a:rPr lang="es-ES" sz="1000" dirty="0" err="1">
-                <a:solidFill>
-                  <a:schemeClr val="bg1"/>
-                </a:solidFill>
-                <a:sym typeface="Wingdings" panose="05000000000000000000" pitchFamily="2" charset="2"/>
-              </a:rPr>
-              <a:t>learning</a:t>
-            </a:r>
-            <a:r>
-              <a:rPr lang="es-ES" sz="1000" dirty="0">
-                <a:solidFill>
-                  <a:schemeClr val="bg1"/>
-                </a:solidFill>
-                <a:sym typeface="Wingdings" panose="05000000000000000000" pitchFamily="2" charset="2"/>
-              </a:rPr>
-              <a:t> </a:t>
-            </a:r>
-            <a:r>
-              <a:rPr lang="es-ES" sz="1000" dirty="0" err="1">
-                <a:solidFill>
-                  <a:schemeClr val="bg1"/>
-                </a:solidFill>
-                <a:sym typeface="Wingdings" panose="05000000000000000000" pitchFamily="2" charset="2"/>
-              </a:rPr>
-              <a:t>rate</a:t>
-            </a:r>
-            <a:r>
-              <a:rPr lang="es-ES" sz="1000" dirty="0">
-                <a:solidFill>
-                  <a:schemeClr val="bg1"/>
-                </a:solidFill>
-                <a:sym typeface="Wingdings" panose="05000000000000000000" pitchFamily="2" charset="2"/>
-              </a:rPr>
-              <a:t>). Lo que aporta cada árbol.</a:t>
-            </a:r>
-            <a:endParaRPr lang="es-ES" sz="1000" dirty="0">
-              <a:solidFill>
-                <a:schemeClr val="bg1"/>
-              </a:solidFill>
-            </a:endParaRPr>
-          </a:p>
-        </p:txBody>
-      </p:sp>
-      <p:sp>
-        <p:nvSpPr>
-          <p:cNvPr id="54" name="Flecha: a la derecha 53">
-            <a:extLst>
-              <a:ext uri="{FF2B5EF4-FFF2-40B4-BE49-F238E27FC236}">
-                <a16:creationId xmlns:a16="http://schemas.microsoft.com/office/drawing/2014/main" id="{F36100AF-FD5E-4D97-B15A-EEF61960C02C}"/>
-              </a:ext>
-            </a:extLst>
-          </p:cNvPr>
-          <p:cNvSpPr/>
-          <p:nvPr/>
-        </p:nvSpPr>
-        <p:spPr>
-          <a:xfrm>
-            <a:off x="8544567" y="1289952"/>
-            <a:ext cx="740737" cy="261610"/>
-          </a:xfrm>
-          <a:prstGeom prst="rightArrow">
-            <a:avLst/>
-          </a:prstGeom>
-        </p:spPr>
-        <p:style>
-          <a:lnRef idx="2">
-            <a:schemeClr val="accent5">
-              <a:shade val="50000"/>
-            </a:schemeClr>
-          </a:lnRef>
-          <a:fillRef idx="1">
-            <a:schemeClr val="accent5"/>
-          </a:fillRef>
-          <a:effectRef idx="0">
-            <a:schemeClr val="accent5"/>
-          </a:effectRef>
-          <a:fontRef idx="minor">
-            <a:schemeClr val="lt1"/>
-          </a:fontRef>
-        </p:style>
-        <p:txBody>
-          <a:bodyPr rtlCol="0" anchor="ctr"/>
-          <a:lstStyle/>
-          <a:p>
-            <a:pPr algn="ctr"/>
-            <a:endParaRPr lang="es-ES"/>
-          </a:p>
-        </p:txBody>
-      </p:sp>
-      <p:sp>
-        <p:nvSpPr>
-          <p:cNvPr id="258" name="Flecha: doblada 257">
-            <a:extLst>
-              <a:ext uri="{FF2B5EF4-FFF2-40B4-BE49-F238E27FC236}">
-                <a16:creationId xmlns:a16="http://schemas.microsoft.com/office/drawing/2014/main" id="{252575F4-69C7-41B1-9A62-C0A1C807B357}"/>
-              </a:ext>
-            </a:extLst>
-          </p:cNvPr>
-          <p:cNvSpPr/>
-          <p:nvPr/>
-        </p:nvSpPr>
-        <p:spPr>
-          <a:xfrm rot="10800000">
-            <a:off x="9132262" y="3641376"/>
-            <a:ext cx="1373461" cy="688548"/>
-          </a:xfrm>
-          <a:prstGeom prst="bentArrow">
-            <a:avLst/>
-          </a:prstGeom>
-        </p:spPr>
-        <p:style>
-          <a:lnRef idx="2">
-            <a:schemeClr val="accent5">
-              <a:shade val="50000"/>
-            </a:schemeClr>
-          </a:lnRef>
-          <a:fillRef idx="1">
-            <a:schemeClr val="accent5"/>
-          </a:fillRef>
-          <a:effectRef idx="0">
-            <a:schemeClr val="accent5"/>
-          </a:effectRef>
-          <a:fontRef idx="minor">
-            <a:schemeClr val="lt1"/>
-          </a:fontRef>
-        </p:style>
-        <p:txBody>
-          <a:bodyPr rtlCol="0" anchor="ctr"/>
-          <a:lstStyle/>
-          <a:p>
-            <a:pPr algn="ctr"/>
-            <a:endParaRPr lang="es-ES">
-              <a:solidFill>
-                <a:schemeClr val="tx1"/>
-              </a:solidFill>
-            </a:endParaRPr>
-          </a:p>
-        </p:txBody>
-      </p:sp>
-      <p:pic>
-        <p:nvPicPr>
-          <p:cNvPr id="57" name="Google Shape;280;g9c522aaa2e_0_108">
-            <a:extLst>
-              <a:ext uri="{FF2B5EF4-FFF2-40B4-BE49-F238E27FC236}">
-                <a16:creationId xmlns:a16="http://schemas.microsoft.com/office/drawing/2014/main" id="{6473984D-C673-4B5A-95E9-A7D6CBB856DC}"/>
-              </a:ext>
-            </a:extLst>
-          </p:cNvPr>
-          <p:cNvPicPr preferRelativeResize="0"/>
-          <p:nvPr/>
-        </p:nvPicPr>
-        <p:blipFill>
-          <a:blip r:embed="rId6">
-            <a:alphaModFix/>
-          </a:blip>
-          <a:stretch>
-            <a:fillRect/>
-          </a:stretch>
-        </p:blipFill>
-        <p:spPr>
-          <a:xfrm>
-            <a:off x="6622509" y="3710791"/>
-            <a:ext cx="2393740" cy="904893"/>
-          </a:xfrm>
-          <a:prstGeom prst="rect">
-            <a:avLst/>
-          </a:prstGeom>
-          <a:noFill/>
-          <a:ln>
-            <a:noFill/>
-          </a:ln>
-        </p:spPr>
-      </p:pic>
-      <p:sp>
-        <p:nvSpPr>
-          <p:cNvPr id="58" name="CuadroTexto 57">
-            <a:extLst>
-              <a:ext uri="{FF2B5EF4-FFF2-40B4-BE49-F238E27FC236}">
-                <a16:creationId xmlns:a16="http://schemas.microsoft.com/office/drawing/2014/main" id="{CBFDB937-8448-4E7A-947F-C8E64E02D199}"/>
-              </a:ext>
-            </a:extLst>
-          </p:cNvPr>
-          <p:cNvSpPr txBox="1"/>
-          <p:nvPr/>
-        </p:nvSpPr>
-        <p:spPr>
-          <a:xfrm>
-            <a:off x="6342305" y="4693897"/>
-            <a:ext cx="3350266" cy="707886"/>
-          </a:xfrm>
-          <a:prstGeom prst="rect">
-            <a:avLst/>
-          </a:prstGeom>
-          <a:noFill/>
-        </p:spPr>
-        <p:txBody>
-          <a:bodyPr wrap="square" rtlCol="0">
-            <a:spAutoFit/>
-          </a:bodyPr>
-          <a:lstStyle/>
-          <a:p>
-            <a:r>
-              <a:rPr lang="es-ES" sz="1000" dirty="0">
-                <a:solidFill>
-                  <a:schemeClr val="bg1"/>
-                </a:solidFill>
-              </a:rPr>
-              <a:t>5. Se actualizan los pesos de cada observación, si fueron error.</a:t>
-            </a:r>
-          </a:p>
-          <a:p>
-            <a:r>
-              <a:rPr lang="es-ES" sz="1000" dirty="0">
-                <a:solidFill>
-                  <a:schemeClr val="bg1"/>
-                </a:solidFill>
-              </a:rPr>
-              <a:t>6. Normalizamos el vector de ponderaciones para que su suma sea 1</a:t>
-            </a:r>
-          </a:p>
-        </p:txBody>
-      </p:sp>
-      <p:sp>
-        <p:nvSpPr>
-          <p:cNvPr id="59" name="Flecha: a la derecha 58">
-            <a:extLst>
-              <a:ext uri="{FF2B5EF4-FFF2-40B4-BE49-F238E27FC236}">
-                <a16:creationId xmlns:a16="http://schemas.microsoft.com/office/drawing/2014/main" id="{6015F20B-6AD1-4622-A5C9-28FCADFDB561}"/>
-              </a:ext>
-            </a:extLst>
-          </p:cNvPr>
-          <p:cNvSpPr/>
-          <p:nvPr/>
-        </p:nvSpPr>
-        <p:spPr>
-          <a:xfrm rot="10800000">
-            <a:off x="5248686" y="4079788"/>
-            <a:ext cx="1209671" cy="261610"/>
-          </a:xfrm>
-          <a:prstGeom prst="rightArrow">
-            <a:avLst/>
-          </a:prstGeom>
-        </p:spPr>
-        <p:style>
-          <a:lnRef idx="2">
-            <a:schemeClr val="accent5">
-              <a:shade val="50000"/>
-            </a:schemeClr>
-          </a:lnRef>
-          <a:fillRef idx="1">
-            <a:schemeClr val="accent5"/>
-          </a:fillRef>
-          <a:effectRef idx="0">
-            <a:schemeClr val="accent5"/>
-          </a:effectRef>
-          <a:fontRef idx="minor">
-            <a:schemeClr val="lt1"/>
-          </a:fontRef>
-        </p:style>
-        <p:txBody>
-          <a:bodyPr rtlCol="0" anchor="ctr"/>
-          <a:lstStyle/>
-          <a:p>
-            <a:pPr algn="ctr"/>
-            <a:endParaRPr lang="es-ES"/>
-          </a:p>
-        </p:txBody>
-      </p:sp>
-      <p:sp>
-        <p:nvSpPr>
-          <p:cNvPr id="60" name="Rectángulo 59">
-            <a:extLst>
-              <a:ext uri="{FF2B5EF4-FFF2-40B4-BE49-F238E27FC236}">
-                <a16:creationId xmlns:a16="http://schemas.microsoft.com/office/drawing/2014/main" id="{E185AC8B-F413-467B-A450-3F70DCBA1DE6}"/>
-              </a:ext>
-            </a:extLst>
-          </p:cNvPr>
-          <p:cNvSpPr/>
-          <p:nvPr/>
-        </p:nvSpPr>
-        <p:spPr>
-          <a:xfrm>
-            <a:off x="3985333" y="4081857"/>
-            <a:ext cx="861134" cy="346229"/>
-          </a:xfrm>
-          <a:prstGeom prst="rect">
-            <a:avLst/>
-          </a:prstGeom>
-        </p:spPr>
-        <p:style>
-          <a:lnRef idx="2">
-            <a:schemeClr val="accent1">
-              <a:shade val="50000"/>
-            </a:schemeClr>
-          </a:lnRef>
-          <a:fillRef idx="1">
-            <a:schemeClr val="accent1"/>
-          </a:fillRef>
-          <a:effectRef idx="0">
-            <a:schemeClr val="accent1"/>
-          </a:effectRef>
-          <a:fontRef idx="minor">
-            <a:schemeClr val="lt1"/>
-          </a:fontRef>
-        </p:style>
-        <p:txBody>
-          <a:bodyPr rtlCol="0" anchor="ctr"/>
-          <a:lstStyle/>
-          <a:p>
-            <a:pPr algn="ctr"/>
-            <a:r>
-              <a:rPr lang="es-ES" sz="900" dirty="0"/>
-              <a:t>Modelo 2</a:t>
-            </a:r>
-          </a:p>
-        </p:txBody>
-      </p:sp>
-      <p:sp>
-        <p:nvSpPr>
-          <p:cNvPr id="61" name="CuadroTexto 60">
-            <a:extLst>
-              <a:ext uri="{FF2B5EF4-FFF2-40B4-BE49-F238E27FC236}">
-                <a16:creationId xmlns:a16="http://schemas.microsoft.com/office/drawing/2014/main" id="{AC69F925-77FD-484C-819C-16A45CDF24DA}"/>
-              </a:ext>
-            </a:extLst>
-          </p:cNvPr>
-          <p:cNvSpPr txBox="1"/>
-          <p:nvPr/>
-        </p:nvSpPr>
-        <p:spPr>
-          <a:xfrm>
-            <a:off x="3453220" y="4543972"/>
-            <a:ext cx="2148284" cy="400110"/>
-          </a:xfrm>
-          <a:prstGeom prst="rect">
-            <a:avLst/>
-          </a:prstGeom>
-          <a:noFill/>
-        </p:spPr>
-        <p:txBody>
-          <a:bodyPr wrap="square" rtlCol="0">
-            <a:spAutoFit/>
-          </a:bodyPr>
-          <a:lstStyle/>
-          <a:p>
-            <a:r>
-              <a:rPr lang="es-ES" sz="1000" dirty="0">
-                <a:solidFill>
-                  <a:schemeClr val="bg1"/>
-                </a:solidFill>
-              </a:rPr>
-              <a:t>7. Mismo procedimiento para el segundo estimador</a:t>
-            </a:r>
-          </a:p>
-        </p:txBody>
-      </p:sp>
-      <p:sp>
-        <p:nvSpPr>
-          <p:cNvPr id="62" name="CuadroTexto 61">
-            <a:extLst>
-              <a:ext uri="{FF2B5EF4-FFF2-40B4-BE49-F238E27FC236}">
-                <a16:creationId xmlns:a16="http://schemas.microsoft.com/office/drawing/2014/main" id="{09C04C0E-4438-491F-964C-4F2FE4F8711C}"/>
-              </a:ext>
-            </a:extLst>
-          </p:cNvPr>
-          <p:cNvSpPr txBox="1"/>
-          <p:nvPr/>
-        </p:nvSpPr>
-        <p:spPr>
-          <a:xfrm>
-            <a:off x="314530" y="6009399"/>
-            <a:ext cx="2656530" cy="707886"/>
-          </a:xfrm>
-          <a:prstGeom prst="rect">
-            <a:avLst/>
-          </a:prstGeom>
-          <a:noFill/>
-        </p:spPr>
-        <p:txBody>
-          <a:bodyPr wrap="square" rtlCol="0">
-            <a:spAutoFit/>
-          </a:bodyPr>
-          <a:lstStyle/>
-          <a:p>
-            <a:r>
-              <a:rPr lang="es-ES" sz="1000" b="1" dirty="0" err="1">
-                <a:solidFill>
-                  <a:schemeClr val="bg1"/>
-                </a:solidFill>
-              </a:rPr>
-              <a:t>Class</a:t>
-            </a:r>
-            <a:r>
-              <a:rPr lang="es-ES" sz="1000" dirty="0">
-                <a:solidFill>
-                  <a:schemeClr val="bg1"/>
-                </a:solidFill>
-              </a:rPr>
-              <a:t>: suma de (clasificación * su peso). Clase que esté más cerca de ese valor</a:t>
-            </a:r>
-          </a:p>
-          <a:p>
-            <a:r>
-              <a:rPr lang="es-ES" sz="1000" b="1" dirty="0" err="1">
-                <a:solidFill>
-                  <a:schemeClr val="bg1"/>
-                </a:solidFill>
-              </a:rPr>
-              <a:t>Regr</a:t>
-            </a:r>
-            <a:r>
-              <a:rPr lang="es-ES" sz="1000" dirty="0">
-                <a:solidFill>
-                  <a:schemeClr val="bg1"/>
-                </a:solidFill>
-              </a:rPr>
-              <a:t>: output total.</a:t>
-            </a:r>
-          </a:p>
-          <a:p>
-            <a:endParaRPr lang="es-ES" sz="1000" dirty="0">
-              <a:solidFill>
-                <a:schemeClr val="bg1"/>
-              </a:solidFill>
-            </a:endParaRPr>
-          </a:p>
-        </p:txBody>
-      </p:sp>
-    </p:spTree>
-  </p:cSld>
-  <p:clrMapOvr>
-    <a:masterClrMapping/>
-  </p:clrMapOvr>
-  <p:timing>
-    <p:tnLst>
-      <p:par>
-        <p:cTn id="1" dur="indefinite" restart="never" nodeType="tmRoot">
-          <p:childTnLst>
-            <p:seq concurrent="1" nextAc="seek">
-              <p:cTn id="2" dur="indefinite" nodeType="mainSeq">
-                <p:childTnLst>
-                  <p:par>
-                    <p:cTn id="3" fill="hold">
-                      <p:stCondLst>
-                        <p:cond delay="indefinite"/>
-                      </p:stCondLst>
-                      <p:childTnLst>
-                        <p:par>
-                          <p:cTn id="4" fill="hold">
-                            <p:stCondLst>
-                              <p:cond delay="0"/>
-                            </p:stCondLst>
-                            <p:childTnLst>
-                              <p:par>
-                                <p:cTn id="5" presetID="1" presetClass="entr" presetSubtype="0" fill="hold" grpId="0" nodeType="clickEffect">
-                                  <p:stCondLst>
-                                    <p:cond delay="0"/>
-                                  </p:stCondLst>
-                                  <p:childTnLst>
-                                    <p:set>
-                                      <p:cBhvr>
-                                        <p:cTn id="6" dur="1" fill="hold">
-                                          <p:stCondLst>
-                                            <p:cond delay="0"/>
-                                          </p:stCondLst>
-                                        </p:cTn>
-                                        <p:tgtEl>
-                                          <p:spTgt spid="28"/>
-                                        </p:tgtEl>
-                                        <p:attrNameLst>
-                                          <p:attrName>style.visibility</p:attrName>
-                                        </p:attrNameLst>
-                                      </p:cBhvr>
-                                      <p:to>
-                                        <p:strVal val="visible"/>
-                                      </p:to>
-                                    </p:set>
-                                  </p:childTnLst>
-                                </p:cTn>
-                              </p:par>
-                              <p:par>
-                                <p:cTn id="7" presetID="1" presetClass="entr" presetSubtype="0" fill="hold" nodeType="withEffect">
-                                  <p:stCondLst>
-                                    <p:cond delay="0"/>
-                                  </p:stCondLst>
-                                  <p:childTnLst>
-                                    <p:set>
-                                      <p:cBhvr>
-                                        <p:cTn id="8" dur="1" fill="hold">
-                                          <p:stCondLst>
-                                            <p:cond delay="0"/>
-                                          </p:stCondLst>
-                                        </p:cTn>
-                                        <p:tgtEl>
-                                          <p:spTgt spid="47"/>
-                                        </p:tgtEl>
-                                        <p:attrNameLst>
-                                          <p:attrName>style.visibility</p:attrName>
-                                        </p:attrNameLst>
-                                      </p:cBhvr>
-                                      <p:to>
-                                        <p:strVal val="visible"/>
-                                      </p:to>
-                                    </p:set>
-                                  </p:childTnLst>
-                                </p:cTn>
-                              </p:par>
-                              <p:par>
-                                <p:cTn id="9" presetID="1" presetClass="entr" presetSubtype="0" fill="hold" grpId="0" nodeType="withEffect">
-                                  <p:stCondLst>
-                                    <p:cond delay="0"/>
-                                  </p:stCondLst>
-                                  <p:childTnLst>
-                                    <p:set>
-                                      <p:cBhvr>
-                                        <p:cTn id="10" dur="1" fill="hold">
-                                          <p:stCondLst>
-                                            <p:cond delay="0"/>
-                                          </p:stCondLst>
-                                        </p:cTn>
-                                        <p:tgtEl>
-                                          <p:spTgt spid="48"/>
-                                        </p:tgtEl>
-                                        <p:attrNameLst>
-                                          <p:attrName>style.visibility</p:attrName>
-                                        </p:attrNameLst>
-                                      </p:cBhvr>
-                                      <p:to>
-                                        <p:strVal val="visible"/>
-                                      </p:to>
-                                    </p:set>
-                                  </p:childTnLst>
-                                </p:cTn>
-                              </p:par>
-                            </p:childTnLst>
-                          </p:cTn>
-                        </p:par>
-                      </p:childTnLst>
-                    </p:cTn>
-                  </p:par>
-                  <p:par>
-                    <p:cTn id="11" fill="hold">
-                      <p:stCondLst>
-                        <p:cond delay="indefinite"/>
-                      </p:stCondLst>
-                      <p:childTnLst>
-                        <p:par>
-                          <p:cTn id="12" fill="hold">
-                            <p:stCondLst>
-                              <p:cond delay="0"/>
-                            </p:stCondLst>
-                            <p:childTnLst>
-                              <p:par>
-                                <p:cTn id="13" presetID="1" presetClass="entr" presetSubtype="0" fill="hold" nodeType="clickEffect">
-                                  <p:stCondLst>
-                                    <p:cond delay="0"/>
-                                  </p:stCondLst>
-                                  <p:childTnLst>
-                                    <p:set>
-                                      <p:cBhvr>
-                                        <p:cTn id="14" dur="1" fill="hold">
-                                          <p:stCondLst>
-                                            <p:cond delay="0"/>
-                                          </p:stCondLst>
-                                        </p:cTn>
-                                        <p:tgtEl>
-                                          <p:spTgt spid="50"/>
-                                        </p:tgtEl>
-                                        <p:attrNameLst>
-                                          <p:attrName>style.visibility</p:attrName>
-                                        </p:attrNameLst>
-                                      </p:cBhvr>
-                                      <p:to>
-                                        <p:strVal val="visible"/>
-                                      </p:to>
-                                    </p:set>
-                                  </p:childTnLst>
-                                </p:cTn>
-                              </p:par>
-                              <p:par>
-                                <p:cTn id="15" presetID="1" presetClass="entr" presetSubtype="0" fill="hold" grpId="0" nodeType="withEffect">
-                                  <p:stCondLst>
-                                    <p:cond delay="0"/>
-                                  </p:stCondLst>
-                                  <p:childTnLst>
-                                    <p:set>
-                                      <p:cBhvr>
-                                        <p:cTn id="16" dur="1" fill="hold">
-                                          <p:stCondLst>
-                                            <p:cond delay="0"/>
-                                          </p:stCondLst>
-                                        </p:cTn>
-                                        <p:tgtEl>
-                                          <p:spTgt spid="51"/>
-                                        </p:tgtEl>
-                                        <p:attrNameLst>
-                                          <p:attrName>style.visibility</p:attrName>
-                                        </p:attrNameLst>
-                                      </p:cBhvr>
-                                      <p:to>
-                                        <p:strVal val="visible"/>
-                                      </p:to>
-                                    </p:set>
-                                  </p:childTnLst>
-                                </p:cTn>
-                              </p:par>
-                              <p:par>
-                                <p:cTn id="17" presetID="1" presetClass="entr" presetSubtype="0" fill="hold" grpId="0" nodeType="withEffect">
-                                  <p:stCondLst>
-                                    <p:cond delay="0"/>
-                                  </p:stCondLst>
-                                  <p:childTnLst>
-                                    <p:set>
-                                      <p:cBhvr>
-                                        <p:cTn id="18" dur="1" fill="hold">
-                                          <p:stCondLst>
-                                            <p:cond delay="0"/>
-                                          </p:stCondLst>
-                                        </p:cTn>
-                                        <p:tgtEl>
-                                          <p:spTgt spid="54"/>
-                                        </p:tgtEl>
-                                        <p:attrNameLst>
-                                          <p:attrName>style.visibility</p:attrName>
-                                        </p:attrNameLst>
-                                      </p:cBhvr>
-                                      <p:to>
-                                        <p:strVal val="visible"/>
-                                      </p:to>
-                                    </p:set>
-                                  </p:childTnLst>
-                                </p:cTn>
-                              </p:par>
-                              <p:par>
-                                <p:cTn id="19" presetID="1" presetClass="entr" presetSubtype="0" fill="hold" nodeType="withEffect">
-                                  <p:stCondLst>
-                                    <p:cond delay="0"/>
-                                  </p:stCondLst>
-                                  <p:childTnLst>
-                                    <p:set>
-                                      <p:cBhvr>
-                                        <p:cTn id="20" dur="1" fill="hold">
-                                          <p:stCondLst>
-                                            <p:cond delay="0"/>
-                                          </p:stCondLst>
-                                        </p:cTn>
-                                        <p:tgtEl>
-                                          <p:spTgt spid="3074"/>
-                                        </p:tgtEl>
-                                        <p:attrNameLst>
-                                          <p:attrName>style.visibility</p:attrName>
-                                        </p:attrNameLst>
-                                      </p:cBhvr>
-                                      <p:to>
-                                        <p:strVal val="visible"/>
-                                      </p:to>
-                                    </p:set>
-                                  </p:childTnLst>
-                                </p:cTn>
-                              </p:par>
-                            </p:childTnLst>
-                          </p:cTn>
-                        </p:par>
-                      </p:childTnLst>
-                    </p:cTn>
-                  </p:par>
-                  <p:par>
-                    <p:cTn id="21" fill="hold">
-                      <p:stCondLst>
-                        <p:cond delay="indefinite"/>
-                      </p:stCondLst>
-                      <p:childTnLst>
-                        <p:par>
-                          <p:cTn id="22" fill="hold">
-                            <p:stCondLst>
-                              <p:cond delay="0"/>
-                            </p:stCondLst>
-                            <p:childTnLst>
-                              <p:par>
-                                <p:cTn id="23" presetID="1" presetClass="entr" presetSubtype="0" fill="hold" grpId="0" nodeType="clickEffect">
-                                  <p:stCondLst>
-                                    <p:cond delay="0"/>
-                                  </p:stCondLst>
-                                  <p:childTnLst>
-                                    <p:set>
-                                      <p:cBhvr>
-                                        <p:cTn id="24" dur="1" fill="hold">
-                                          <p:stCondLst>
-                                            <p:cond delay="0"/>
-                                          </p:stCondLst>
-                                        </p:cTn>
-                                        <p:tgtEl>
-                                          <p:spTgt spid="258"/>
-                                        </p:tgtEl>
-                                        <p:attrNameLst>
-                                          <p:attrName>style.visibility</p:attrName>
-                                        </p:attrNameLst>
-                                      </p:cBhvr>
-                                      <p:to>
-                                        <p:strVal val="visible"/>
-                                      </p:to>
-                                    </p:set>
-                                  </p:childTnLst>
-                                </p:cTn>
-                              </p:par>
-                              <p:par>
-                                <p:cTn id="25" presetID="1" presetClass="entr" presetSubtype="0" fill="hold" nodeType="withEffect">
-                                  <p:stCondLst>
-                                    <p:cond delay="0"/>
-                                  </p:stCondLst>
-                                  <p:childTnLst>
-                                    <p:set>
-                                      <p:cBhvr>
-                                        <p:cTn id="26" dur="1" fill="hold">
-                                          <p:stCondLst>
-                                            <p:cond delay="0"/>
-                                          </p:stCondLst>
-                                        </p:cTn>
-                                        <p:tgtEl>
-                                          <p:spTgt spid="57"/>
-                                        </p:tgtEl>
-                                        <p:attrNameLst>
-                                          <p:attrName>style.visibility</p:attrName>
-                                        </p:attrNameLst>
-                                      </p:cBhvr>
-                                      <p:to>
-                                        <p:strVal val="visible"/>
-                                      </p:to>
-                                    </p:set>
-                                  </p:childTnLst>
-                                </p:cTn>
-                              </p:par>
-                              <p:par>
-                                <p:cTn id="27" presetID="1" presetClass="entr" presetSubtype="0" fill="hold" grpId="0" nodeType="withEffect">
-                                  <p:stCondLst>
-                                    <p:cond delay="0"/>
-                                  </p:stCondLst>
-                                  <p:childTnLst>
-                                    <p:set>
-                                      <p:cBhvr>
-                                        <p:cTn id="28" dur="1" fill="hold">
-                                          <p:stCondLst>
-                                            <p:cond delay="0"/>
-                                          </p:stCondLst>
-                                        </p:cTn>
-                                        <p:tgtEl>
-                                          <p:spTgt spid="58"/>
-                                        </p:tgtEl>
-                                        <p:attrNameLst>
-                                          <p:attrName>style.visibility</p:attrName>
-                                        </p:attrNameLst>
-                                      </p:cBhvr>
-                                      <p:to>
-                                        <p:strVal val="visible"/>
-                                      </p:to>
-                                    </p:set>
-                                  </p:childTnLst>
-                                </p:cTn>
-                              </p:par>
-                            </p:childTnLst>
-                          </p:cTn>
-                        </p:par>
-                      </p:childTnLst>
-                    </p:cTn>
-                  </p:par>
-                  <p:par>
-                    <p:cTn id="29" fill="hold">
-                      <p:stCondLst>
-                        <p:cond delay="indefinite"/>
-                      </p:stCondLst>
-                      <p:childTnLst>
-                        <p:par>
-                          <p:cTn id="30" fill="hold">
-                            <p:stCondLst>
-                              <p:cond delay="0"/>
-                            </p:stCondLst>
-                            <p:childTnLst>
-                              <p:par>
-                                <p:cTn id="31" presetID="1" presetClass="entr" presetSubtype="0" fill="hold" grpId="0" nodeType="clickEffect">
-                                  <p:stCondLst>
-                                    <p:cond delay="0"/>
-                                  </p:stCondLst>
-                                  <p:childTnLst>
-                                    <p:set>
-                                      <p:cBhvr>
-                                        <p:cTn id="32" dur="1" fill="hold">
-                                          <p:stCondLst>
-                                            <p:cond delay="0"/>
-                                          </p:stCondLst>
-                                        </p:cTn>
-                                        <p:tgtEl>
-                                          <p:spTgt spid="59"/>
-                                        </p:tgtEl>
-                                        <p:attrNameLst>
-                                          <p:attrName>style.visibility</p:attrName>
-                                        </p:attrNameLst>
-                                      </p:cBhvr>
-                                      <p:to>
-                                        <p:strVal val="visible"/>
-                                      </p:to>
-                                    </p:set>
-                                  </p:childTnLst>
-                                </p:cTn>
-                              </p:par>
-                              <p:par>
-                                <p:cTn id="33" presetID="1" presetClass="entr" presetSubtype="0" fill="hold" grpId="0" nodeType="withEffect">
-                                  <p:stCondLst>
-                                    <p:cond delay="0"/>
-                                  </p:stCondLst>
-                                  <p:childTnLst>
-                                    <p:set>
-                                      <p:cBhvr>
-                                        <p:cTn id="34" dur="1" fill="hold">
-                                          <p:stCondLst>
-                                            <p:cond delay="0"/>
-                                          </p:stCondLst>
-                                        </p:cTn>
-                                        <p:tgtEl>
-                                          <p:spTgt spid="60"/>
-                                        </p:tgtEl>
-                                        <p:attrNameLst>
-                                          <p:attrName>style.visibility</p:attrName>
-                                        </p:attrNameLst>
-                                      </p:cBhvr>
-                                      <p:to>
-                                        <p:strVal val="visible"/>
-                                      </p:to>
-                                    </p:set>
-                                  </p:childTnLst>
-                                </p:cTn>
-                              </p:par>
-                              <p:par>
-                                <p:cTn id="35" presetID="1" presetClass="entr" presetSubtype="0" fill="hold" grpId="0" nodeType="withEffect">
-                                  <p:stCondLst>
-                                    <p:cond delay="0"/>
-                                  </p:stCondLst>
-                                  <p:childTnLst>
-                                    <p:set>
-                                      <p:cBhvr>
-                                        <p:cTn id="36" dur="1" fill="hold">
-                                          <p:stCondLst>
-                                            <p:cond delay="0"/>
-                                          </p:stCondLst>
-                                        </p:cTn>
-                                        <p:tgtEl>
-                                          <p:spTgt spid="61"/>
-                                        </p:tgtEl>
-                                        <p:attrNameLst>
-                                          <p:attrName>style.visibility</p:attrName>
-                                        </p:attrNameLst>
-                                      </p:cBhvr>
-                                      <p:to>
-                                        <p:strVal val="visible"/>
-                                      </p:to>
-                                    </p:set>
-                                  </p:childTnLst>
-                                </p:cTn>
-                              </p:par>
-                            </p:childTnLst>
-                          </p:cTn>
-                        </p:par>
-                      </p:childTnLst>
-                    </p:cTn>
-                  </p:par>
-                  <p:par>
-                    <p:cTn id="37" fill="hold">
-                      <p:stCondLst>
-                        <p:cond delay="indefinite"/>
-                      </p:stCondLst>
-                      <p:childTnLst>
-                        <p:par>
-                          <p:cTn id="38" fill="hold">
-                            <p:stCondLst>
-                              <p:cond delay="0"/>
-                            </p:stCondLst>
-                            <p:childTnLst>
-                              <p:par>
-                                <p:cTn id="39" presetID="1" presetClass="entr" presetSubtype="0" fill="hold" grpId="0" nodeType="clickEffect">
-                                  <p:stCondLst>
-                                    <p:cond delay="0"/>
-                                  </p:stCondLst>
-                                  <p:childTnLst>
-                                    <p:set>
-                                      <p:cBhvr>
-                                        <p:cTn id="40" dur="1" fill="hold">
-                                          <p:stCondLst>
-                                            <p:cond delay="0"/>
-                                          </p:stCondLst>
-                                        </p:cTn>
-                                        <p:tgtEl>
-                                          <p:spTgt spid="2"/>
-                                        </p:tgtEl>
-                                        <p:attrNameLst>
-                                          <p:attrName>style.visibility</p:attrName>
-                                        </p:attrNameLst>
-                                      </p:cBhvr>
-                                      <p:to>
-                                        <p:strVal val="visible"/>
-                                      </p:to>
-                                    </p:set>
-                                  </p:childTnLst>
-                                </p:cTn>
-                              </p:par>
-                              <p:par>
-                                <p:cTn id="41" presetID="1" presetClass="entr" presetSubtype="0" fill="hold" grpId="0" nodeType="withEffect">
-                                  <p:stCondLst>
-                                    <p:cond delay="0"/>
-                                  </p:stCondLst>
-                                  <p:childTnLst>
-                                    <p:set>
-                                      <p:cBhvr>
-                                        <p:cTn id="42" dur="1" fill="hold">
-                                          <p:stCondLst>
-                                            <p:cond delay="0"/>
-                                          </p:stCondLst>
-                                        </p:cTn>
-                                        <p:tgtEl>
-                                          <p:spTgt spid="11"/>
-                                        </p:tgtEl>
-                                        <p:attrNameLst>
-                                          <p:attrName>style.visibility</p:attrName>
-                                        </p:attrNameLst>
-                                      </p:cBhvr>
-                                      <p:to>
-                                        <p:strVal val="visible"/>
-                                      </p:to>
-                                    </p:set>
-                                  </p:childTnLst>
-                                </p:cTn>
-                              </p:par>
-                              <p:par>
-                                <p:cTn id="43" presetID="1" presetClass="entr" presetSubtype="0" fill="hold" grpId="0" nodeType="withEffect">
-                                  <p:stCondLst>
-                                    <p:cond delay="0"/>
-                                  </p:stCondLst>
-                                  <p:childTnLst>
-                                    <p:set>
-                                      <p:cBhvr>
-                                        <p:cTn id="44" dur="1" fill="hold">
-                                          <p:stCondLst>
-                                            <p:cond delay="0"/>
-                                          </p:stCondLst>
-                                        </p:cTn>
-                                        <p:tgtEl>
-                                          <p:spTgt spid="12"/>
-                                        </p:tgtEl>
-                                        <p:attrNameLst>
-                                          <p:attrName>style.visibility</p:attrName>
-                                        </p:attrNameLst>
-                                      </p:cBhvr>
-                                      <p:to>
-                                        <p:strVal val="visible"/>
-                                      </p:to>
-                                    </p:set>
-                                  </p:childTnLst>
-                                </p:cTn>
-                              </p:par>
-                              <p:par>
-                                <p:cTn id="45" presetID="1" presetClass="entr" presetSubtype="0" fill="hold" grpId="0" nodeType="withEffect">
-                                  <p:stCondLst>
-                                    <p:cond delay="0"/>
-                                  </p:stCondLst>
-                                  <p:childTnLst>
-                                    <p:set>
-                                      <p:cBhvr>
-                                        <p:cTn id="46" dur="1" fill="hold">
-                                          <p:stCondLst>
-                                            <p:cond delay="0"/>
-                                          </p:stCondLst>
-                                        </p:cTn>
-                                        <p:tgtEl>
-                                          <p:spTgt spid="13"/>
-                                        </p:tgtEl>
-                                        <p:attrNameLst>
-                                          <p:attrName>style.visibility</p:attrName>
-                                        </p:attrNameLst>
-                                      </p:cBhvr>
-                                      <p:to>
-                                        <p:strVal val="visible"/>
-                                      </p:to>
-                                    </p:set>
-                                  </p:childTnLst>
-                                </p:cTn>
-                              </p:par>
-                              <p:par>
-                                <p:cTn id="47" presetID="1" presetClass="entr" presetSubtype="0" fill="hold" nodeType="withEffect">
-                                  <p:stCondLst>
-                                    <p:cond delay="0"/>
-                                  </p:stCondLst>
-                                  <p:childTnLst>
-                                    <p:set>
-                                      <p:cBhvr>
-                                        <p:cTn id="48" dur="1" fill="hold">
-                                          <p:stCondLst>
-                                            <p:cond delay="0"/>
-                                          </p:stCondLst>
-                                        </p:cTn>
-                                        <p:tgtEl>
-                                          <p:spTgt spid="4"/>
-                                        </p:tgtEl>
-                                        <p:attrNameLst>
-                                          <p:attrName>style.visibility</p:attrName>
-                                        </p:attrNameLst>
-                                      </p:cBhvr>
-                                      <p:to>
-                                        <p:strVal val="visible"/>
-                                      </p:to>
-                                    </p:set>
-                                  </p:childTnLst>
-                                </p:cTn>
-                              </p:par>
-                              <p:par>
-                                <p:cTn id="49" presetID="1" presetClass="entr" presetSubtype="0" fill="hold" nodeType="withEffect">
-                                  <p:stCondLst>
-                                    <p:cond delay="0"/>
-                                  </p:stCondLst>
-                                  <p:childTnLst>
-                                    <p:set>
-                                      <p:cBhvr>
-                                        <p:cTn id="50" dur="1" fill="hold">
-                                          <p:stCondLst>
-                                            <p:cond delay="0"/>
-                                          </p:stCondLst>
-                                        </p:cTn>
-                                        <p:tgtEl>
-                                          <p:spTgt spid="6"/>
-                                        </p:tgtEl>
-                                        <p:attrNameLst>
-                                          <p:attrName>style.visibility</p:attrName>
-                                        </p:attrNameLst>
-                                      </p:cBhvr>
-                                      <p:to>
-                                        <p:strVal val="visible"/>
-                                      </p:to>
-                                    </p:set>
-                                  </p:childTnLst>
-                                </p:cTn>
-                              </p:par>
-                              <p:par>
-                                <p:cTn id="51" presetID="1" presetClass="entr" presetSubtype="0" fill="hold" nodeType="withEffect">
-                                  <p:stCondLst>
-                                    <p:cond delay="0"/>
-                                  </p:stCondLst>
-                                  <p:childTnLst>
-                                    <p:set>
-                                      <p:cBhvr>
-                                        <p:cTn id="52" dur="1" fill="hold">
-                                          <p:stCondLst>
-                                            <p:cond delay="0"/>
-                                          </p:stCondLst>
-                                        </p:cTn>
-                                        <p:tgtEl>
-                                          <p:spTgt spid="8"/>
-                                        </p:tgtEl>
-                                        <p:attrNameLst>
-                                          <p:attrName>style.visibility</p:attrName>
-                                        </p:attrNameLst>
-                                      </p:cBhvr>
-                                      <p:to>
-                                        <p:strVal val="visible"/>
-                                      </p:to>
-                                    </p:set>
-                                  </p:childTnLst>
-                                </p:cTn>
-                              </p:par>
-                              <p:par>
-                                <p:cTn id="53" presetID="1" presetClass="entr" presetSubtype="0" fill="hold" nodeType="withEffect">
-                                  <p:stCondLst>
-                                    <p:cond delay="0"/>
-                                  </p:stCondLst>
-                                  <p:childTnLst>
-                                    <p:set>
-                                      <p:cBhvr>
-                                        <p:cTn id="54" dur="1" fill="hold">
-                                          <p:stCondLst>
-                                            <p:cond delay="0"/>
-                                          </p:stCondLst>
-                                        </p:cTn>
-                                        <p:tgtEl>
-                                          <p:spTgt spid="23"/>
-                                        </p:tgtEl>
-                                        <p:attrNameLst>
-                                          <p:attrName>style.visibility</p:attrName>
-                                        </p:attrNameLst>
-                                      </p:cBhvr>
-                                      <p:to>
-                                        <p:strVal val="visible"/>
-                                      </p:to>
-                                    </p:set>
-                                  </p:childTnLst>
-                                </p:cTn>
-                              </p:par>
-                              <p:par>
-                                <p:cTn id="55" presetID="1" presetClass="entr" presetSubtype="0" fill="hold" nodeType="withEffect">
-                                  <p:stCondLst>
-                                    <p:cond delay="0"/>
-                                  </p:stCondLst>
-                                  <p:childTnLst>
-                                    <p:set>
-                                      <p:cBhvr>
-                                        <p:cTn id="56" dur="1" fill="hold">
-                                          <p:stCondLst>
-                                            <p:cond delay="0"/>
-                                          </p:stCondLst>
-                                        </p:cTn>
-                                        <p:tgtEl>
-                                          <p:spTgt spid="24"/>
-                                        </p:tgtEl>
-                                        <p:attrNameLst>
-                                          <p:attrName>style.visibility</p:attrName>
-                                        </p:attrNameLst>
-                                      </p:cBhvr>
-                                      <p:to>
-                                        <p:strVal val="visible"/>
-                                      </p:to>
-                                    </p:set>
-                                  </p:childTnLst>
-                                </p:cTn>
-                              </p:par>
-                              <p:par>
-                                <p:cTn id="57" presetID="1" presetClass="entr" presetSubtype="0" fill="hold" grpId="0" nodeType="withEffect">
-                                  <p:stCondLst>
-                                    <p:cond delay="0"/>
-                                  </p:stCondLst>
-                                  <p:childTnLst>
-                                    <p:set>
-                                      <p:cBhvr>
-                                        <p:cTn id="58" dur="1" fill="hold">
-                                          <p:stCondLst>
-                                            <p:cond delay="0"/>
-                                          </p:stCondLst>
-                                        </p:cTn>
-                                        <p:tgtEl>
-                                          <p:spTgt spid="19"/>
-                                        </p:tgtEl>
-                                        <p:attrNameLst>
-                                          <p:attrName>style.visibility</p:attrName>
-                                        </p:attrNameLst>
-                                      </p:cBhvr>
-                                      <p:to>
-                                        <p:strVal val="visible"/>
-                                      </p:to>
-                                    </p:set>
-                                  </p:childTnLst>
-                                </p:cTn>
-                              </p:par>
-                              <p:par>
-                                <p:cTn id="59" presetID="1" presetClass="entr" presetSubtype="0" fill="hold" grpId="0" nodeType="withEffect">
-                                  <p:stCondLst>
-                                    <p:cond delay="0"/>
-                                  </p:stCondLst>
-                                  <p:childTnLst>
-                                    <p:set>
-                                      <p:cBhvr>
-                                        <p:cTn id="60" dur="1" fill="hold">
-                                          <p:stCondLst>
-                                            <p:cond delay="0"/>
-                                          </p:stCondLst>
-                                        </p:cTn>
-                                        <p:tgtEl>
-                                          <p:spTgt spid="29"/>
-                                        </p:tgtEl>
-                                        <p:attrNameLst>
-                                          <p:attrName>style.visibility</p:attrName>
-                                        </p:attrNameLst>
-                                      </p:cBhvr>
-                                      <p:to>
-                                        <p:strVal val="visible"/>
-                                      </p:to>
-                                    </p:set>
-                                  </p:childTnLst>
-                                </p:cTn>
-                              </p:par>
-                              <p:par>
-                                <p:cTn id="61" presetID="1" presetClass="entr" presetSubtype="0" fill="hold" grpId="0" nodeType="withEffect">
-                                  <p:stCondLst>
-                                    <p:cond delay="0"/>
-                                  </p:stCondLst>
-                                  <p:childTnLst>
-                                    <p:set>
-                                      <p:cBhvr>
-                                        <p:cTn id="62" dur="1" fill="hold">
-                                          <p:stCondLst>
-                                            <p:cond delay="0"/>
-                                          </p:stCondLst>
-                                        </p:cTn>
-                                        <p:tgtEl>
-                                          <p:spTgt spid="30"/>
-                                        </p:tgtEl>
-                                        <p:attrNameLst>
-                                          <p:attrName>style.visibility</p:attrName>
-                                        </p:attrNameLst>
-                                      </p:cBhvr>
-                                      <p:to>
-                                        <p:strVal val="visible"/>
-                                      </p:to>
-                                    </p:set>
-                                  </p:childTnLst>
-                                </p:cTn>
-                              </p:par>
-                              <p:par>
-                                <p:cTn id="63" presetID="1" presetClass="entr" presetSubtype="0" fill="hold" grpId="0" nodeType="withEffect">
-                                  <p:stCondLst>
-                                    <p:cond delay="0"/>
-                                  </p:stCondLst>
-                                  <p:childTnLst>
-                                    <p:set>
-                                      <p:cBhvr>
-                                        <p:cTn id="64" dur="1" fill="hold">
-                                          <p:stCondLst>
-                                            <p:cond delay="0"/>
-                                          </p:stCondLst>
-                                        </p:cTn>
-                                        <p:tgtEl>
-                                          <p:spTgt spid="31"/>
-                                        </p:tgtEl>
-                                        <p:attrNameLst>
-                                          <p:attrName>style.visibility</p:attrName>
-                                        </p:attrNameLst>
-                                      </p:cBhvr>
-                                      <p:to>
-                                        <p:strVal val="visible"/>
-                                      </p:to>
-                                    </p:set>
-                                  </p:childTnLst>
-                                </p:cTn>
-                              </p:par>
-                              <p:par>
-                                <p:cTn id="65" presetID="1" presetClass="entr" presetSubtype="0" fill="hold" grpId="0" nodeType="withEffect">
-                                  <p:stCondLst>
-                                    <p:cond delay="0"/>
-                                  </p:stCondLst>
-                                  <p:childTnLst>
-                                    <p:set>
-                                      <p:cBhvr>
-                                        <p:cTn id="66" dur="1" fill="hold">
-                                          <p:stCondLst>
-                                            <p:cond delay="0"/>
-                                          </p:stCondLst>
-                                        </p:cTn>
-                                        <p:tgtEl>
-                                          <p:spTgt spid="32"/>
-                                        </p:tgtEl>
-                                        <p:attrNameLst>
-                                          <p:attrName>style.visibility</p:attrName>
-                                        </p:attrNameLst>
-                                      </p:cBhvr>
-                                      <p:to>
-                                        <p:strVal val="visible"/>
-                                      </p:to>
-                                    </p:set>
-                                  </p:childTnLst>
-                                </p:cTn>
-                              </p:par>
-                              <p:par>
-                                <p:cTn id="67" presetID="1" presetClass="entr" presetSubtype="0" fill="hold" grpId="0" nodeType="withEffect">
-                                  <p:stCondLst>
-                                    <p:cond delay="0"/>
-                                  </p:stCondLst>
-                                  <p:childTnLst>
-                                    <p:set>
-                                      <p:cBhvr>
-                                        <p:cTn id="68" dur="1" fill="hold">
-                                          <p:stCondLst>
-                                            <p:cond delay="0"/>
-                                          </p:stCondLst>
-                                        </p:cTn>
-                                        <p:tgtEl>
-                                          <p:spTgt spid="33"/>
-                                        </p:tgtEl>
-                                        <p:attrNameLst>
-                                          <p:attrName>style.visibility</p:attrName>
-                                        </p:attrNameLst>
-                                      </p:cBhvr>
-                                      <p:to>
-                                        <p:strVal val="visible"/>
-                                      </p:to>
-                                    </p:set>
-                                  </p:childTnLst>
-                                </p:cTn>
-                              </p:par>
-                              <p:par>
-                                <p:cTn id="69" presetID="1" presetClass="entr" presetSubtype="0" fill="hold" grpId="0" nodeType="withEffect">
-                                  <p:stCondLst>
-                                    <p:cond delay="0"/>
-                                  </p:stCondLst>
-                                  <p:childTnLst>
-                                    <p:set>
-                                      <p:cBhvr>
-                                        <p:cTn id="70" dur="1" fill="hold">
-                                          <p:stCondLst>
-                                            <p:cond delay="0"/>
-                                          </p:stCondLst>
-                                        </p:cTn>
-                                        <p:tgtEl>
-                                          <p:spTgt spid="34"/>
-                                        </p:tgtEl>
-                                        <p:attrNameLst>
-                                          <p:attrName>style.visibility</p:attrName>
-                                        </p:attrNameLst>
-                                      </p:cBhvr>
-                                      <p:to>
-                                        <p:strVal val="visible"/>
-                                      </p:to>
-                                    </p:set>
-                                  </p:childTnLst>
-                                </p:cTn>
-                              </p:par>
-                              <p:par>
-                                <p:cTn id="71" presetID="1" presetClass="entr" presetSubtype="0" fill="hold" grpId="0" nodeType="withEffect">
-                                  <p:stCondLst>
-                                    <p:cond delay="0"/>
-                                  </p:stCondLst>
-                                  <p:childTnLst>
-                                    <p:set>
-                                      <p:cBhvr>
-                                        <p:cTn id="72" dur="1" fill="hold">
-                                          <p:stCondLst>
-                                            <p:cond delay="0"/>
-                                          </p:stCondLst>
-                                        </p:cTn>
-                                        <p:tgtEl>
-                                          <p:spTgt spid="62"/>
-                                        </p:tgtEl>
-                                        <p:attrNameLst>
-                                          <p:attrName>style.visibility</p:attrName>
-                                        </p:attrNameLst>
-                                      </p:cBhvr>
-                                      <p:to>
-                                        <p:strVal val="visible"/>
-                                      </p:to>
-                                    </p:set>
-                                  </p:childTnLst>
-                                </p:cTn>
-                              </p:par>
-                              <p:par>
-                                <p:cTn id="73" presetID="1" presetClass="entr" presetSubtype="0" fill="hold" grpId="0" nodeType="withEffect">
-                                  <p:stCondLst>
-                                    <p:cond delay="0"/>
-                                  </p:stCondLst>
-                                  <p:childTnLst>
-                                    <p:set>
-                                      <p:cBhvr>
-                                        <p:cTn id="74" dur="1" fill="hold">
-                                          <p:stCondLst>
-                                            <p:cond delay="0"/>
-                                          </p:stCondLst>
-                                        </p:cTn>
-                                        <p:tgtEl>
-                                          <p:spTgt spid="42"/>
-                                        </p:tgtEl>
-                                        <p:attrNameLst>
-                                          <p:attrName>style.visibility</p:attrName>
-                                        </p:attrNameLst>
-                                      </p:cBhvr>
-                                      <p:to>
-                                        <p:strVal val="visible"/>
-                                      </p:to>
-                                    </p:set>
-                                  </p:childTnLst>
-                                </p:cTn>
-                              </p:par>
-                            </p:childTnLst>
-                          </p:cTn>
-                        </p:par>
-                      </p:childTnLst>
-                    </p:cTn>
-                  </p:par>
-                </p:childTnLst>
-              </p:cTn>
-              <p:prevCondLst>
-                <p:cond evt="onPrev" delay="0">
-                  <p:tgtEl>
-                    <p:sldTgt/>
-                  </p:tgtEl>
-                </p:cond>
-              </p:prevCondLst>
-              <p:nextCondLst>
-                <p:cond evt="onNext" delay="0">
-                  <p:tgtEl>
-                    <p:sldTgt/>
-                  </p:tgtEl>
-                </p:cond>
-              </p:nextCondLst>
-            </p:seq>
-          </p:childTnLst>
-        </p:cTn>
-      </p:par>
-    </p:tnLst>
-    <p:bldLst>
-      <p:bldP spid="2" grpId="0" animBg="1"/>
-      <p:bldP spid="11" grpId="0" animBg="1"/>
-      <p:bldP spid="12" grpId="0" animBg="1"/>
-      <p:bldP spid="13" grpId="0" animBg="1"/>
-      <p:bldP spid="19" grpId="0"/>
-      <p:bldP spid="29" grpId="0"/>
-      <p:bldP spid="30" grpId="0"/>
-      <p:bldP spid="31" grpId="0"/>
-      <p:bldP spid="32" grpId="0"/>
-      <p:bldP spid="33" grpId="0"/>
-      <p:bldP spid="34" grpId="0"/>
-      <p:bldP spid="42" grpId="0"/>
-      <p:bldP spid="28" grpId="0" animBg="1"/>
-      <p:bldP spid="48" grpId="0"/>
-      <p:bldP spid="51" grpId="0"/>
-      <p:bldP spid="54" grpId="0" animBg="1"/>
-      <p:bldP spid="258" grpId="0" animBg="1"/>
-      <p:bldP spid="58" grpId="0"/>
-      <p:bldP spid="59" grpId="0" animBg="1"/>
-      <p:bldP spid="60" grpId="0" animBg="1"/>
-      <p:bldP spid="61" grpId="0"/>
-      <p:bldP spid="62" grpId="0"/>
-    </p:bldLst>
-  </p:timing>
-</p:sld>
-</file>
-
 <file path=ppt/slides/slide18.xml><?xml version="1.0" encoding="utf-8"?>
 <p:sld xmlns:a="http://schemas.openxmlformats.org/drawingml/2006/main" xmlns:r="http://schemas.openxmlformats.org/officeDocument/2006/relationships" xmlns:p="http://schemas.openxmlformats.org/presentationml/2006/main">
   <p:cSld>
@@ -28281,836 +25064,6 @@
           <a:chExt cx="0" cy="0"/>
         </a:xfrm>
       </p:grpSpPr>
-      <p:sp>
-        <p:nvSpPr>
-          <p:cNvPr id="288" name="Google Shape;288;g9c522aaa2e_0_123"/>
-          <p:cNvSpPr txBox="1"/>
-          <p:nvPr/>
-        </p:nvSpPr>
-        <p:spPr>
-          <a:xfrm>
-            <a:off x="684500" y="1653350"/>
-            <a:ext cx="10235100" cy="1857300"/>
-          </a:xfrm>
-          <a:prstGeom prst="rect">
-            <a:avLst/>
-          </a:prstGeom>
-          <a:noFill/>
-          <a:ln>
-            <a:noFill/>
-          </a:ln>
-        </p:spPr>
-        <p:txBody>
-          <a:bodyPr spcFirstLastPara="1" wrap="square" lIns="91425" tIns="91425" rIns="91425" bIns="91425" anchor="t" anchorCtr="0">
-            <a:noAutofit/>
-          </a:bodyPr>
-          <a:lstStyle/>
-          <a:p>
-            <a:pPr marL="0" lvl="0" indent="0" algn="l" rtl="0">
-              <a:spcBef>
-                <a:spcPts val="0"/>
-              </a:spcBef>
-              <a:spcAft>
-                <a:spcPts val="0"/>
-              </a:spcAft>
-              <a:buNone/>
-            </a:pPr>
-            <a:r>
-              <a:rPr lang="en-GB" sz="1500" dirty="0">
-                <a:solidFill>
-                  <a:schemeClr val="lt1"/>
-                </a:solidFill>
-                <a:latin typeface="Calibri"/>
-                <a:ea typeface="Calibri"/>
-                <a:cs typeface="Calibri"/>
-                <a:sym typeface="Calibri"/>
-              </a:rPr>
-              <a:t>Al </a:t>
-            </a:r>
-            <a:r>
-              <a:rPr lang="en-GB" sz="1500" dirty="0" err="1">
-                <a:solidFill>
-                  <a:schemeClr val="lt1"/>
-                </a:solidFill>
-                <a:latin typeface="Calibri"/>
-                <a:ea typeface="Calibri"/>
-                <a:cs typeface="Calibri"/>
-                <a:sym typeface="Calibri"/>
-              </a:rPr>
-              <a:t>igual</a:t>
-            </a:r>
-            <a:r>
-              <a:rPr lang="en-GB" sz="1500" dirty="0">
-                <a:solidFill>
-                  <a:schemeClr val="lt1"/>
-                </a:solidFill>
-                <a:latin typeface="Calibri"/>
-                <a:ea typeface="Calibri"/>
-                <a:cs typeface="Calibri"/>
-                <a:sym typeface="Calibri"/>
-              </a:rPr>
-              <a:t> que el AdaBoost, el </a:t>
-            </a:r>
-            <a:r>
-              <a:rPr lang="en-GB" sz="1500" dirty="0" err="1">
-                <a:solidFill>
-                  <a:schemeClr val="lt1"/>
-                </a:solidFill>
-                <a:latin typeface="Calibri"/>
-                <a:ea typeface="Calibri"/>
-                <a:cs typeface="Calibri"/>
-                <a:sym typeface="Calibri"/>
-              </a:rPr>
-              <a:t>GradientBoost</a:t>
-            </a:r>
-            <a:r>
-              <a:rPr lang="en-GB" sz="1500" dirty="0">
-                <a:solidFill>
-                  <a:schemeClr val="lt1"/>
-                </a:solidFill>
-                <a:latin typeface="Calibri"/>
-                <a:ea typeface="Calibri"/>
-                <a:cs typeface="Calibri"/>
-                <a:sym typeface="Calibri"/>
-              </a:rPr>
-              <a:t> </a:t>
-            </a:r>
-            <a:r>
-              <a:rPr lang="en-GB" sz="1500" dirty="0" err="1">
-                <a:solidFill>
-                  <a:schemeClr val="lt1"/>
-                </a:solidFill>
-                <a:latin typeface="Calibri"/>
-                <a:ea typeface="Calibri"/>
-                <a:cs typeface="Calibri"/>
-                <a:sym typeface="Calibri"/>
-              </a:rPr>
-              <a:t>trabaja</a:t>
-            </a:r>
-            <a:r>
-              <a:rPr lang="en-GB" sz="1500" dirty="0">
-                <a:solidFill>
-                  <a:schemeClr val="lt1"/>
-                </a:solidFill>
-                <a:latin typeface="Calibri"/>
-                <a:ea typeface="Calibri"/>
-                <a:cs typeface="Calibri"/>
-                <a:sym typeface="Calibri"/>
-              </a:rPr>
-              <a:t> </a:t>
-            </a:r>
-            <a:r>
-              <a:rPr lang="en-GB" sz="1500" dirty="0" err="1">
-                <a:solidFill>
-                  <a:schemeClr val="lt1"/>
-                </a:solidFill>
-                <a:latin typeface="Calibri"/>
-                <a:ea typeface="Calibri"/>
-                <a:cs typeface="Calibri"/>
-                <a:sym typeface="Calibri"/>
-              </a:rPr>
-              <a:t>sobre</a:t>
-            </a:r>
-            <a:r>
-              <a:rPr lang="en-GB" sz="1500" dirty="0">
-                <a:solidFill>
-                  <a:schemeClr val="lt1"/>
-                </a:solidFill>
-                <a:latin typeface="Calibri"/>
-                <a:ea typeface="Calibri"/>
-                <a:cs typeface="Calibri"/>
-                <a:sym typeface="Calibri"/>
-              </a:rPr>
-              <a:t> un conjunto </a:t>
-            </a:r>
-            <a:r>
-              <a:rPr lang="en-GB" sz="1500" dirty="0" err="1">
-                <a:solidFill>
-                  <a:schemeClr val="lt1"/>
-                </a:solidFill>
-                <a:latin typeface="Calibri"/>
-                <a:ea typeface="Calibri"/>
-                <a:cs typeface="Calibri"/>
-                <a:sym typeface="Calibri"/>
-              </a:rPr>
-              <a:t>secuencial</a:t>
-            </a:r>
-            <a:r>
-              <a:rPr lang="en-GB" sz="1500" dirty="0">
-                <a:solidFill>
-                  <a:schemeClr val="lt1"/>
-                </a:solidFill>
-                <a:latin typeface="Calibri"/>
-                <a:ea typeface="Calibri"/>
-                <a:cs typeface="Calibri"/>
-                <a:sym typeface="Calibri"/>
-              </a:rPr>
-              <a:t> de </a:t>
-            </a:r>
-            <a:r>
-              <a:rPr lang="en-GB" sz="1500" dirty="0" err="1">
-                <a:solidFill>
-                  <a:schemeClr val="lt1"/>
-                </a:solidFill>
-                <a:latin typeface="Calibri"/>
-                <a:ea typeface="Calibri"/>
-                <a:cs typeface="Calibri"/>
-                <a:sym typeface="Calibri"/>
-              </a:rPr>
-              <a:t>modelos</a:t>
-            </a:r>
-            <a:r>
-              <a:rPr lang="en-GB" sz="1500" dirty="0">
-                <a:solidFill>
-                  <a:schemeClr val="lt1"/>
-                </a:solidFill>
-                <a:latin typeface="Calibri"/>
-                <a:ea typeface="Calibri"/>
-                <a:cs typeface="Calibri"/>
-                <a:sym typeface="Calibri"/>
-              </a:rPr>
-              <a:t> (</a:t>
-            </a:r>
-            <a:r>
-              <a:rPr lang="en-GB" sz="1500" dirty="0" err="1">
-                <a:solidFill>
-                  <a:schemeClr val="lt1"/>
-                </a:solidFill>
-                <a:latin typeface="Calibri"/>
-                <a:ea typeface="Calibri"/>
-                <a:cs typeface="Calibri"/>
-                <a:sym typeface="Calibri"/>
-              </a:rPr>
-              <a:t>árboles</a:t>
-            </a:r>
-            <a:r>
-              <a:rPr lang="en-GB" sz="1500" dirty="0">
-                <a:solidFill>
-                  <a:schemeClr val="lt1"/>
-                </a:solidFill>
-                <a:latin typeface="Calibri"/>
-                <a:ea typeface="Calibri"/>
-                <a:cs typeface="Calibri"/>
-                <a:sym typeface="Calibri"/>
-              </a:rPr>
-              <a:t> de </a:t>
-            </a:r>
-            <a:r>
-              <a:rPr lang="en-GB" sz="1500" dirty="0" err="1">
-                <a:solidFill>
-                  <a:schemeClr val="lt1"/>
-                </a:solidFill>
-                <a:latin typeface="Calibri"/>
-                <a:ea typeface="Calibri"/>
-                <a:cs typeface="Calibri"/>
-                <a:sym typeface="Calibri"/>
-              </a:rPr>
-              <a:t>decisión</a:t>
-            </a:r>
-            <a:r>
-              <a:rPr lang="en-GB" sz="1500" dirty="0">
-                <a:solidFill>
-                  <a:schemeClr val="lt1"/>
-                </a:solidFill>
-                <a:latin typeface="Calibri"/>
-                <a:ea typeface="Calibri"/>
-                <a:cs typeface="Calibri"/>
-                <a:sym typeface="Calibri"/>
-              </a:rPr>
-              <a:t>), </a:t>
-            </a:r>
-            <a:r>
-              <a:rPr lang="en-GB" sz="1500" dirty="0" err="1">
-                <a:solidFill>
-                  <a:schemeClr val="lt1"/>
-                </a:solidFill>
-                <a:latin typeface="Calibri"/>
-                <a:ea typeface="Calibri"/>
-                <a:cs typeface="Calibri"/>
-                <a:sym typeface="Calibri"/>
-              </a:rPr>
-              <a:t>tratando</a:t>
-            </a:r>
-            <a:r>
-              <a:rPr lang="en-GB" sz="1500" dirty="0">
-                <a:solidFill>
-                  <a:schemeClr val="lt1"/>
-                </a:solidFill>
-                <a:latin typeface="Calibri"/>
-                <a:ea typeface="Calibri"/>
-                <a:cs typeface="Calibri"/>
-                <a:sym typeface="Calibri"/>
-              </a:rPr>
-              <a:t> de </a:t>
-            </a:r>
-            <a:r>
-              <a:rPr lang="en-GB" sz="1500" dirty="0" err="1">
-                <a:solidFill>
-                  <a:schemeClr val="lt1"/>
-                </a:solidFill>
-                <a:latin typeface="Calibri"/>
-                <a:ea typeface="Calibri"/>
-                <a:cs typeface="Calibri"/>
-                <a:sym typeface="Calibri"/>
-              </a:rPr>
-              <a:t>corregir</a:t>
-            </a:r>
-            <a:r>
-              <a:rPr lang="en-GB" sz="1500" dirty="0">
-                <a:solidFill>
-                  <a:schemeClr val="lt1"/>
-                </a:solidFill>
-                <a:latin typeface="Calibri"/>
-                <a:ea typeface="Calibri"/>
-                <a:cs typeface="Calibri"/>
-                <a:sym typeface="Calibri"/>
-              </a:rPr>
-              <a:t> a </a:t>
-            </a:r>
-            <a:r>
-              <a:rPr lang="en-GB" sz="1500" dirty="0" err="1">
-                <a:solidFill>
-                  <a:schemeClr val="lt1"/>
-                </a:solidFill>
-                <a:latin typeface="Calibri"/>
-                <a:ea typeface="Calibri"/>
-                <a:cs typeface="Calibri"/>
-                <a:sym typeface="Calibri"/>
-              </a:rPr>
-              <a:t>su</a:t>
-            </a:r>
-            <a:r>
-              <a:rPr lang="en-GB" sz="1500" dirty="0">
-                <a:solidFill>
-                  <a:schemeClr val="lt1"/>
-                </a:solidFill>
-                <a:latin typeface="Calibri"/>
-                <a:ea typeface="Calibri"/>
-                <a:cs typeface="Calibri"/>
-                <a:sym typeface="Calibri"/>
-              </a:rPr>
-              <a:t> </a:t>
-            </a:r>
-            <a:r>
-              <a:rPr lang="en-GB" sz="1500" dirty="0" err="1">
-                <a:solidFill>
-                  <a:schemeClr val="lt1"/>
-                </a:solidFill>
-                <a:latin typeface="Calibri"/>
-                <a:ea typeface="Calibri"/>
-                <a:cs typeface="Calibri"/>
-                <a:sym typeface="Calibri"/>
-              </a:rPr>
-              <a:t>predecesor</a:t>
-            </a:r>
-            <a:r>
-              <a:rPr lang="en-GB" sz="1500" dirty="0">
-                <a:solidFill>
-                  <a:schemeClr val="lt1"/>
-                </a:solidFill>
-                <a:latin typeface="Calibri"/>
-                <a:ea typeface="Calibri"/>
-                <a:cs typeface="Calibri"/>
-                <a:sym typeface="Calibri"/>
-              </a:rPr>
-              <a:t>. Sin embargo, </a:t>
-            </a:r>
-            <a:r>
-              <a:rPr lang="en-GB" sz="1500" dirty="0" err="1">
-                <a:solidFill>
-                  <a:schemeClr val="lt1"/>
-                </a:solidFill>
-                <a:latin typeface="Calibri"/>
-                <a:ea typeface="Calibri"/>
-                <a:cs typeface="Calibri"/>
-                <a:sym typeface="Calibri"/>
-              </a:rPr>
-              <a:t>cuando</a:t>
-            </a:r>
-            <a:r>
-              <a:rPr lang="en-GB" sz="1500" dirty="0">
-                <a:solidFill>
-                  <a:schemeClr val="lt1"/>
-                </a:solidFill>
-                <a:latin typeface="Calibri"/>
-                <a:ea typeface="Calibri"/>
-                <a:cs typeface="Calibri"/>
-                <a:sym typeface="Calibri"/>
-              </a:rPr>
-              <a:t> el AdaBoost </a:t>
-            </a:r>
-            <a:r>
-              <a:rPr lang="en-GB" sz="1500" dirty="0" err="1">
-                <a:solidFill>
-                  <a:schemeClr val="lt1"/>
-                </a:solidFill>
-                <a:latin typeface="Calibri"/>
-                <a:ea typeface="Calibri"/>
-                <a:cs typeface="Calibri"/>
-                <a:sym typeface="Calibri"/>
-              </a:rPr>
-              <a:t>iba</a:t>
-            </a:r>
-            <a:r>
-              <a:rPr lang="en-GB" sz="1500" dirty="0">
-                <a:solidFill>
-                  <a:schemeClr val="lt1"/>
-                </a:solidFill>
-                <a:latin typeface="Calibri"/>
-                <a:ea typeface="Calibri"/>
-                <a:cs typeface="Calibri"/>
-                <a:sym typeface="Calibri"/>
-              </a:rPr>
-              <a:t> </a:t>
-            </a:r>
-            <a:r>
-              <a:rPr lang="en-GB" sz="1500" dirty="0" err="1">
-                <a:solidFill>
-                  <a:schemeClr val="lt1"/>
-                </a:solidFill>
-                <a:latin typeface="Calibri"/>
-                <a:ea typeface="Calibri"/>
-                <a:cs typeface="Calibri"/>
-                <a:sym typeface="Calibri"/>
-              </a:rPr>
-              <a:t>actualizando</a:t>
-            </a:r>
-            <a:r>
-              <a:rPr lang="en-GB" sz="1500" dirty="0">
-                <a:solidFill>
-                  <a:schemeClr val="lt1"/>
-                </a:solidFill>
-                <a:latin typeface="Calibri"/>
-                <a:ea typeface="Calibri"/>
-                <a:cs typeface="Calibri"/>
-                <a:sym typeface="Calibri"/>
-              </a:rPr>
-              <a:t> los pesos de </a:t>
-            </a:r>
-            <a:r>
-              <a:rPr lang="en-GB" sz="1500" dirty="0" err="1">
-                <a:solidFill>
-                  <a:schemeClr val="lt1"/>
-                </a:solidFill>
-                <a:latin typeface="Calibri"/>
-                <a:ea typeface="Calibri"/>
-                <a:cs typeface="Calibri"/>
-                <a:sym typeface="Calibri"/>
-              </a:rPr>
-              <a:t>cada</a:t>
-            </a:r>
-            <a:r>
-              <a:rPr lang="en-GB" sz="1500" dirty="0">
-                <a:solidFill>
-                  <a:schemeClr val="lt1"/>
-                </a:solidFill>
-                <a:latin typeface="Calibri"/>
-                <a:ea typeface="Calibri"/>
-                <a:cs typeface="Calibri"/>
-                <a:sym typeface="Calibri"/>
-              </a:rPr>
-              <a:t> </a:t>
-            </a:r>
-            <a:r>
-              <a:rPr lang="en-GB" sz="1500" dirty="0" err="1">
-                <a:solidFill>
-                  <a:schemeClr val="lt1"/>
-                </a:solidFill>
-                <a:latin typeface="Calibri"/>
-                <a:ea typeface="Calibri"/>
-                <a:cs typeface="Calibri"/>
-                <a:sym typeface="Calibri"/>
-              </a:rPr>
-              <a:t>observación</a:t>
-            </a:r>
-            <a:r>
-              <a:rPr lang="en-GB" sz="1500" dirty="0">
-                <a:solidFill>
-                  <a:schemeClr val="lt1"/>
-                </a:solidFill>
-                <a:latin typeface="Calibri"/>
-                <a:ea typeface="Calibri"/>
-                <a:cs typeface="Calibri"/>
-                <a:sym typeface="Calibri"/>
-              </a:rPr>
-              <a:t>, el </a:t>
-            </a:r>
-            <a:r>
-              <a:rPr lang="en-GB" sz="1500" dirty="0" err="1">
-                <a:solidFill>
-                  <a:schemeClr val="lt1"/>
-                </a:solidFill>
-                <a:latin typeface="Calibri"/>
-                <a:ea typeface="Calibri"/>
-                <a:cs typeface="Calibri"/>
-                <a:sym typeface="Calibri"/>
-              </a:rPr>
-              <a:t>GradientBoosting</a:t>
-            </a:r>
-            <a:r>
-              <a:rPr lang="en-GB" sz="1500" dirty="0">
-                <a:solidFill>
-                  <a:schemeClr val="lt1"/>
-                </a:solidFill>
-                <a:latin typeface="Calibri"/>
-                <a:ea typeface="Calibri"/>
-                <a:cs typeface="Calibri"/>
-                <a:sym typeface="Calibri"/>
-              </a:rPr>
-              <a:t> </a:t>
-            </a:r>
-            <a:r>
-              <a:rPr lang="en-GB" sz="1500" dirty="0" err="1">
-                <a:solidFill>
-                  <a:schemeClr val="lt1"/>
-                </a:solidFill>
-                <a:latin typeface="Calibri"/>
-                <a:ea typeface="Calibri"/>
-                <a:cs typeface="Calibri"/>
-                <a:sym typeface="Calibri"/>
-              </a:rPr>
-              <a:t>intenta</a:t>
-            </a:r>
-            <a:r>
-              <a:rPr lang="en-GB" sz="1500" dirty="0">
-                <a:solidFill>
-                  <a:schemeClr val="lt1"/>
-                </a:solidFill>
-                <a:latin typeface="Calibri"/>
-                <a:ea typeface="Calibri"/>
-                <a:cs typeface="Calibri"/>
-                <a:sym typeface="Calibri"/>
-              </a:rPr>
-              <a:t> </a:t>
-            </a:r>
-            <a:r>
-              <a:rPr lang="en-GB" sz="1500" dirty="0" err="1">
-                <a:solidFill>
-                  <a:schemeClr val="lt1"/>
-                </a:solidFill>
-                <a:latin typeface="Calibri"/>
-                <a:ea typeface="Calibri"/>
-                <a:cs typeface="Calibri"/>
-                <a:sym typeface="Calibri"/>
-              </a:rPr>
-              <a:t>ajustar</a:t>
-            </a:r>
-            <a:r>
-              <a:rPr lang="en-GB" sz="1500" dirty="0">
-                <a:solidFill>
-                  <a:schemeClr val="lt1"/>
-                </a:solidFill>
-                <a:latin typeface="Calibri"/>
-                <a:ea typeface="Calibri"/>
-                <a:cs typeface="Calibri"/>
-                <a:sym typeface="Calibri"/>
-              </a:rPr>
-              <a:t>, </a:t>
-            </a:r>
-            <a:r>
-              <a:rPr lang="en-GB" sz="1500" dirty="0" err="1">
-                <a:solidFill>
-                  <a:schemeClr val="lt1"/>
-                </a:solidFill>
-                <a:latin typeface="Calibri"/>
-                <a:ea typeface="Calibri"/>
-                <a:cs typeface="Calibri"/>
-                <a:sym typeface="Calibri"/>
-              </a:rPr>
-              <a:t>minimizar</a:t>
-            </a:r>
-            <a:r>
-              <a:rPr lang="en-GB" sz="1500" dirty="0">
-                <a:solidFill>
-                  <a:schemeClr val="lt1"/>
-                </a:solidFill>
-                <a:latin typeface="Calibri"/>
-                <a:ea typeface="Calibri"/>
-                <a:cs typeface="Calibri"/>
-                <a:sym typeface="Calibri"/>
-              </a:rPr>
-              <a:t> los </a:t>
-            </a:r>
-            <a:r>
-              <a:rPr lang="en-GB" sz="1500" dirty="0" err="1">
-                <a:solidFill>
-                  <a:schemeClr val="lt1"/>
-                </a:solidFill>
-                <a:latin typeface="Calibri"/>
-                <a:ea typeface="Calibri"/>
-                <a:cs typeface="Calibri"/>
-                <a:sym typeface="Calibri"/>
-              </a:rPr>
-              <a:t>errores</a:t>
-            </a:r>
-            <a:r>
-              <a:rPr lang="en-GB" sz="1500" dirty="0">
-                <a:solidFill>
-                  <a:schemeClr val="lt1"/>
-                </a:solidFill>
-                <a:latin typeface="Calibri"/>
-                <a:ea typeface="Calibri"/>
-                <a:cs typeface="Calibri"/>
-                <a:sym typeface="Calibri"/>
-              </a:rPr>
-              <a:t> (</a:t>
-            </a:r>
-            <a:r>
-              <a:rPr lang="en-GB" sz="1500" dirty="0" err="1">
-                <a:solidFill>
-                  <a:schemeClr val="lt1"/>
-                </a:solidFill>
-                <a:latin typeface="Calibri"/>
-                <a:ea typeface="Calibri"/>
-                <a:cs typeface="Calibri"/>
-                <a:sym typeface="Calibri"/>
-              </a:rPr>
-              <a:t>residuos</a:t>
-            </a:r>
-            <a:r>
-              <a:rPr lang="en-GB" sz="1500" dirty="0">
-                <a:solidFill>
-                  <a:schemeClr val="lt1"/>
-                </a:solidFill>
-                <a:latin typeface="Calibri"/>
-                <a:ea typeface="Calibri"/>
-                <a:cs typeface="Calibri"/>
-                <a:sym typeface="Calibri"/>
-              </a:rPr>
-              <a:t>) del </a:t>
-            </a:r>
-            <a:r>
-              <a:rPr lang="en-GB" sz="1500" dirty="0" err="1">
-                <a:solidFill>
-                  <a:schemeClr val="lt1"/>
-                </a:solidFill>
-                <a:latin typeface="Calibri"/>
-                <a:ea typeface="Calibri"/>
-                <a:cs typeface="Calibri"/>
-                <a:sym typeface="Calibri"/>
-              </a:rPr>
-              <a:t>modelo</a:t>
-            </a:r>
-            <a:r>
-              <a:rPr lang="en-GB" sz="1500" dirty="0">
-                <a:solidFill>
-                  <a:schemeClr val="lt1"/>
-                </a:solidFill>
-                <a:latin typeface="Calibri"/>
-                <a:ea typeface="Calibri"/>
-                <a:cs typeface="Calibri"/>
-                <a:sym typeface="Calibri"/>
-              </a:rPr>
-              <a:t> </a:t>
-            </a:r>
-            <a:r>
-              <a:rPr lang="en-GB" sz="1500" dirty="0" err="1">
-                <a:solidFill>
-                  <a:schemeClr val="lt1"/>
-                </a:solidFill>
-                <a:latin typeface="Calibri"/>
-                <a:ea typeface="Calibri"/>
-                <a:cs typeface="Calibri"/>
-                <a:sym typeface="Calibri"/>
-              </a:rPr>
-              <a:t>predecesor</a:t>
-            </a:r>
-            <a:r>
-              <a:rPr lang="en-GB" sz="1500" dirty="0">
-                <a:solidFill>
-                  <a:schemeClr val="lt1"/>
-                </a:solidFill>
-                <a:latin typeface="Calibri"/>
-                <a:ea typeface="Calibri"/>
-                <a:cs typeface="Calibri"/>
-                <a:sym typeface="Calibri"/>
-              </a:rPr>
-              <a:t>.</a:t>
-            </a:r>
-            <a:endParaRPr sz="1500" dirty="0">
-              <a:solidFill>
-                <a:schemeClr val="lt1"/>
-              </a:solidFill>
-              <a:latin typeface="Calibri"/>
-              <a:ea typeface="Calibri"/>
-              <a:cs typeface="Calibri"/>
-              <a:sym typeface="Calibri"/>
-            </a:endParaRPr>
-          </a:p>
-          <a:p>
-            <a:pPr marL="0" lvl="0" indent="0" algn="l" rtl="0">
-              <a:spcBef>
-                <a:spcPts val="0"/>
-              </a:spcBef>
-              <a:spcAft>
-                <a:spcPts val="0"/>
-              </a:spcAft>
-              <a:buNone/>
-            </a:pPr>
-            <a:endParaRPr sz="1500" dirty="0">
-              <a:solidFill>
-                <a:schemeClr val="lt1"/>
-              </a:solidFill>
-              <a:latin typeface="Calibri"/>
-              <a:ea typeface="Calibri"/>
-              <a:cs typeface="Calibri"/>
-              <a:sym typeface="Calibri"/>
-            </a:endParaRPr>
-          </a:p>
-          <a:p>
-            <a:pPr marL="0" lvl="0" indent="0" algn="l" rtl="0">
-              <a:spcBef>
-                <a:spcPts val="0"/>
-              </a:spcBef>
-              <a:spcAft>
-                <a:spcPts val="0"/>
-              </a:spcAft>
-              <a:buNone/>
-            </a:pPr>
-            <a:r>
-              <a:rPr lang="en-GB" sz="1500" dirty="0">
-                <a:solidFill>
-                  <a:schemeClr val="lt1"/>
-                </a:solidFill>
-                <a:latin typeface="Calibri"/>
-                <a:ea typeface="Calibri"/>
-                <a:cs typeface="Calibri"/>
-                <a:sym typeface="Calibri"/>
-              </a:rPr>
-              <a:t>El </a:t>
-            </a:r>
-            <a:r>
-              <a:rPr lang="en-GB" sz="1500" dirty="0" err="1">
-                <a:solidFill>
-                  <a:schemeClr val="lt1"/>
-                </a:solidFill>
-                <a:latin typeface="Calibri"/>
-                <a:ea typeface="Calibri"/>
-                <a:cs typeface="Calibri"/>
-                <a:sym typeface="Calibri"/>
-              </a:rPr>
-              <a:t>modelo</a:t>
-            </a:r>
-            <a:r>
-              <a:rPr lang="en-GB" sz="1500" dirty="0">
-                <a:solidFill>
-                  <a:schemeClr val="lt1"/>
-                </a:solidFill>
-                <a:latin typeface="Calibri"/>
-                <a:ea typeface="Calibri"/>
-                <a:cs typeface="Calibri"/>
-                <a:sym typeface="Calibri"/>
-              </a:rPr>
-              <a:t> final </a:t>
-            </a:r>
-            <a:r>
-              <a:rPr lang="en-GB" sz="1500" dirty="0" err="1">
-                <a:solidFill>
-                  <a:schemeClr val="lt1"/>
-                </a:solidFill>
-                <a:latin typeface="Calibri"/>
-                <a:ea typeface="Calibri"/>
-                <a:cs typeface="Calibri"/>
-                <a:sym typeface="Calibri"/>
-              </a:rPr>
-              <a:t>será</a:t>
-            </a:r>
-            <a:r>
-              <a:rPr lang="en-GB" sz="1500" dirty="0">
-                <a:solidFill>
-                  <a:schemeClr val="lt1"/>
-                </a:solidFill>
-                <a:latin typeface="Calibri"/>
-                <a:ea typeface="Calibri"/>
-                <a:cs typeface="Calibri"/>
-                <a:sym typeface="Calibri"/>
-              </a:rPr>
-              <a:t> una </a:t>
-            </a:r>
-            <a:r>
-              <a:rPr lang="en-GB" sz="1500" dirty="0" err="1">
-                <a:solidFill>
-                  <a:schemeClr val="lt1"/>
-                </a:solidFill>
-                <a:latin typeface="Calibri"/>
-                <a:ea typeface="Calibri"/>
-                <a:cs typeface="Calibri"/>
-                <a:sym typeface="Calibri"/>
-              </a:rPr>
-              <a:t>combinación</a:t>
-            </a:r>
-            <a:r>
-              <a:rPr lang="en-GB" sz="1500" dirty="0">
-                <a:solidFill>
-                  <a:schemeClr val="lt1"/>
-                </a:solidFill>
-                <a:latin typeface="Calibri"/>
-                <a:ea typeface="Calibri"/>
-                <a:cs typeface="Calibri"/>
-                <a:sym typeface="Calibri"/>
-              </a:rPr>
-              <a:t> lineal de </a:t>
-            </a:r>
-            <a:r>
-              <a:rPr lang="en-GB" sz="1500" dirty="0" err="1">
-                <a:solidFill>
-                  <a:schemeClr val="lt1"/>
-                </a:solidFill>
-                <a:latin typeface="Calibri"/>
-                <a:ea typeface="Calibri"/>
-                <a:cs typeface="Calibri"/>
-                <a:sym typeface="Calibri"/>
-              </a:rPr>
-              <a:t>todos</a:t>
-            </a:r>
-            <a:r>
-              <a:rPr lang="en-GB" sz="1500" dirty="0">
-                <a:solidFill>
-                  <a:schemeClr val="lt1"/>
-                </a:solidFill>
-                <a:latin typeface="Calibri"/>
-                <a:ea typeface="Calibri"/>
-                <a:cs typeface="Calibri"/>
-                <a:sym typeface="Calibri"/>
-              </a:rPr>
-              <a:t> los </a:t>
-            </a:r>
-            <a:r>
-              <a:rPr lang="en-GB" sz="1500" dirty="0" err="1">
-                <a:solidFill>
-                  <a:schemeClr val="lt1"/>
-                </a:solidFill>
-                <a:latin typeface="Calibri"/>
-                <a:ea typeface="Calibri"/>
-                <a:cs typeface="Calibri"/>
-                <a:sym typeface="Calibri"/>
-              </a:rPr>
-              <a:t>estimadores</a:t>
-            </a:r>
-            <a:r>
-              <a:rPr lang="en-GB" sz="1500" dirty="0">
-                <a:solidFill>
-                  <a:schemeClr val="lt1"/>
-                </a:solidFill>
-                <a:latin typeface="Calibri"/>
-                <a:ea typeface="Calibri"/>
-                <a:cs typeface="Calibri"/>
-                <a:sym typeface="Calibri"/>
-              </a:rPr>
-              <a:t>.</a:t>
-            </a:r>
-            <a:endParaRPr sz="1500" dirty="0">
-              <a:solidFill>
-                <a:schemeClr val="lt1"/>
-              </a:solidFill>
-              <a:latin typeface="Calibri"/>
-              <a:ea typeface="Calibri"/>
-              <a:cs typeface="Calibri"/>
-              <a:sym typeface="Calibri"/>
-            </a:endParaRPr>
-          </a:p>
-        </p:txBody>
-      </p:sp>
       <p:sp>
         <p:nvSpPr>
           <p:cNvPr id="289" name="Google Shape;289;g9c522aaa2e_0_123"/>
@@ -29175,143 +25128,34 @@
       </p:sp>
       <p:pic>
         <p:nvPicPr>
-          <p:cNvPr id="290" name="Google Shape;290;g9c522aaa2e_0_123"/>
-          <p:cNvPicPr preferRelativeResize="0"/>
+          <p:cNvPr id="3" name="Picture 2">
+            <a:extLst>
+              <a:ext uri="{FF2B5EF4-FFF2-40B4-BE49-F238E27FC236}">
+                <a16:creationId xmlns:a16="http://schemas.microsoft.com/office/drawing/2014/main" id="{E355FA47-6980-4D5B-0910-F680A795BF98}"/>
+              </a:ext>
+            </a:extLst>
+          </p:cNvPr>
+          <p:cNvPicPr>
+            <a:picLocks noChangeAspect="1"/>
+          </p:cNvPicPr>
           <p:nvPr/>
         </p:nvPicPr>
         <p:blipFill>
-          <a:blip r:embed="rId3">
-            <a:alphaModFix/>
-          </a:blip>
+          <a:blip r:embed="rId3"/>
           <a:stretch>
             <a:fillRect/>
           </a:stretch>
         </p:blipFill>
         <p:spPr>
           <a:xfrm>
-            <a:off x="793775" y="3209150"/>
-            <a:ext cx="5570484" cy="3042550"/>
+            <a:off x="895149" y="1653349"/>
+            <a:ext cx="10058400" cy="4742923"/>
           </a:xfrm>
           <a:prstGeom prst="rect">
             <a:avLst/>
           </a:prstGeom>
-          <a:noFill/>
-          <a:ln>
-            <a:noFill/>
-          </a:ln>
         </p:spPr>
       </p:pic>
-      <p:sp>
-        <p:nvSpPr>
-          <p:cNvPr id="291" name="Google Shape;291;g9c522aaa2e_0_123"/>
-          <p:cNvSpPr txBox="1"/>
-          <p:nvPr/>
-        </p:nvSpPr>
-        <p:spPr>
-          <a:xfrm>
-            <a:off x="7341525" y="3581950"/>
-            <a:ext cx="3443700" cy="1588800"/>
-          </a:xfrm>
-          <a:prstGeom prst="rect">
-            <a:avLst/>
-          </a:prstGeom>
-          <a:noFill/>
-          <a:ln>
-            <a:noFill/>
-          </a:ln>
-        </p:spPr>
-        <p:txBody>
-          <a:bodyPr spcFirstLastPara="1" wrap="square" lIns="91425" tIns="91425" rIns="91425" bIns="91425" anchor="t" anchorCtr="0">
-            <a:noAutofit/>
-          </a:bodyPr>
-          <a:lstStyle/>
-          <a:p>
-            <a:pPr marL="0" lvl="0" indent="0" algn="l" rtl="0">
-              <a:spcBef>
-                <a:spcPts val="0"/>
-              </a:spcBef>
-              <a:spcAft>
-                <a:spcPts val="0"/>
-              </a:spcAft>
-              <a:buNone/>
-            </a:pPr>
-            <a:r>
-              <a:rPr lang="en-GB" sz="1600">
-                <a:solidFill>
-                  <a:schemeClr val="lt1"/>
-                </a:solidFill>
-                <a:latin typeface="Calibri"/>
-                <a:ea typeface="Calibri"/>
-                <a:cs typeface="Calibri"/>
-                <a:sym typeface="Calibri"/>
-              </a:rPr>
-              <a:t>Veamos cómo funciona este algoritmo en:</a:t>
-            </a:r>
-            <a:endParaRPr sz="1600">
-              <a:solidFill>
-                <a:schemeClr val="lt1"/>
-              </a:solidFill>
-              <a:latin typeface="Calibri"/>
-              <a:ea typeface="Calibri"/>
-              <a:cs typeface="Calibri"/>
-              <a:sym typeface="Calibri"/>
-            </a:endParaRPr>
-          </a:p>
-          <a:p>
-            <a:pPr marL="0" lvl="0" indent="0" algn="l" rtl="0">
-              <a:spcBef>
-                <a:spcPts val="0"/>
-              </a:spcBef>
-              <a:spcAft>
-                <a:spcPts val="0"/>
-              </a:spcAft>
-              <a:buNone/>
-            </a:pPr>
-            <a:r>
-              <a:rPr lang="en-GB" sz="1600" i="1" u="sng">
-                <a:solidFill>
-                  <a:schemeClr val="hlink"/>
-                </a:solidFill>
-                <a:latin typeface="Calibri"/>
-                <a:ea typeface="Calibri"/>
-                <a:cs typeface="Calibri"/>
-                <a:sym typeface="Calibri"/>
-                <a:hlinkClick r:id="rId4"/>
-              </a:rPr>
-              <a:t>Hands On Machine Learning</a:t>
-            </a:r>
-            <a:endParaRPr sz="1600">
-              <a:solidFill>
-                <a:schemeClr val="lt1"/>
-              </a:solidFill>
-              <a:latin typeface="Calibri"/>
-              <a:ea typeface="Calibri"/>
-              <a:cs typeface="Calibri"/>
-              <a:sym typeface="Calibri"/>
-            </a:endParaRPr>
-          </a:p>
-          <a:p>
-            <a:pPr marL="0" lvl="0" indent="0" algn="l" rtl="0">
-              <a:spcBef>
-                <a:spcPts val="0"/>
-              </a:spcBef>
-              <a:spcAft>
-                <a:spcPts val="0"/>
-              </a:spcAft>
-              <a:buNone/>
-            </a:pPr>
-            <a:endParaRPr sz="1600">
-              <a:solidFill>
-                <a:schemeClr val="lt1"/>
-              </a:solidFill>
-              <a:latin typeface="Calibri"/>
-              <a:ea typeface="Calibri"/>
-              <a:cs typeface="Calibri"/>
-              <a:sym typeface="Calibri"/>
-            </a:endParaRPr>
-          </a:p>
-        </p:txBody>
-      </p:sp>
     </p:spTree>
   </p:cSld>
   <p:clrMapOvr>
@@ -29325,7 +25169,13 @@
   <p:cSld>
     <p:spTree>
       <p:nvGrpSpPr>
-        <p:cNvPr id="1" name="Shape 287"/>
+        <p:cNvPr id="1" name="Shape 287">
+          <a:extLst>
+            <a:ext uri="{FF2B5EF4-FFF2-40B4-BE49-F238E27FC236}">
+              <a16:creationId xmlns:a16="http://schemas.microsoft.com/office/drawing/2014/main" id="{90BF2F2E-6CE5-2087-A182-871B6FA0C58F}"/>
+            </a:ext>
+          </a:extLst>
+        </p:cNvPr>
         <p:cNvGrpSpPr/>
         <p:nvPr/>
       </p:nvGrpSpPr>
@@ -29339,7 +25189,13 @@
       </p:grpSpPr>
       <p:sp>
         <p:nvSpPr>
-          <p:cNvPr id="288" name="Google Shape;288;g9c522aaa2e_0_123"/>
+          <p:cNvPr id="288" name="Google Shape;288;g9c522aaa2e_0_123">
+            <a:extLst>
+              <a:ext uri="{FF2B5EF4-FFF2-40B4-BE49-F238E27FC236}">
+                <a16:creationId xmlns:a16="http://schemas.microsoft.com/office/drawing/2014/main" id="{7DEE66B1-4E62-05FF-510E-FEFC2E376814}"/>
+              </a:ext>
+            </a:extLst>
+          </p:cNvPr>
           <p:cNvSpPr txBox="1"/>
           <p:nvPr/>
         </p:nvSpPr>
@@ -29372,19 +25228,55 @@
               <a:buNone/>
             </a:pPr>
             <a:r>
-              <a:rPr lang="es-ES" sz="1500" dirty="0" err="1">
-                <a:solidFill>
-                  <a:schemeClr val="lt1"/>
-                </a:solidFill>
-                <a:latin typeface="Calibri"/>
-                <a:ea typeface="Calibri"/>
-                <a:cs typeface="Calibri"/>
-                <a:sym typeface="Calibri"/>
-              </a:rPr>
-              <a:t>Hands</a:t>
-            </a:r>
-            <a:r>
-              <a:rPr lang="es-ES" sz="1500" dirty="0">
+              <a:rPr lang="en-GB" sz="1500" dirty="0">
+                <a:solidFill>
+                  <a:schemeClr val="lt1"/>
+                </a:solidFill>
+                <a:latin typeface="Calibri"/>
+                <a:ea typeface="Calibri"/>
+                <a:cs typeface="Calibri"/>
+                <a:sym typeface="Calibri"/>
+              </a:rPr>
+              <a:t>Al </a:t>
+            </a:r>
+            <a:r>
+              <a:rPr lang="en-GB" sz="1500" dirty="0" err="1">
+                <a:solidFill>
+                  <a:schemeClr val="lt1"/>
+                </a:solidFill>
+                <a:latin typeface="Calibri"/>
+                <a:ea typeface="Calibri"/>
+                <a:cs typeface="Calibri"/>
+                <a:sym typeface="Calibri"/>
+              </a:rPr>
+              <a:t>igual</a:t>
+            </a:r>
+            <a:r>
+              <a:rPr lang="en-GB" sz="1500" dirty="0">
+                <a:solidFill>
+                  <a:schemeClr val="lt1"/>
+                </a:solidFill>
+                <a:latin typeface="Calibri"/>
+                <a:ea typeface="Calibri"/>
+                <a:cs typeface="Calibri"/>
+                <a:sym typeface="Calibri"/>
+              </a:rPr>
+              <a:t> que el AdaBoost, el </a:t>
+            </a:r>
+            <a:r>
+              <a:rPr lang="en-GB" sz="1500" dirty="0" err="1">
+                <a:solidFill>
+                  <a:schemeClr val="lt1"/>
+                </a:solidFill>
+                <a:latin typeface="Calibri"/>
+                <a:ea typeface="Calibri"/>
+                <a:cs typeface="Calibri"/>
+                <a:sym typeface="Calibri"/>
+              </a:rPr>
+              <a:t>GradientBoost</a:t>
+            </a:r>
+            <a:r>
+              <a:rPr lang="en-GB" sz="1500" dirty="0">
                 <a:solidFill>
                   <a:schemeClr val="lt1"/>
                 </a:solidFill>
@@ -29396,42 +25288,558 @@
               <a:t> </a:t>
             </a:r>
             <a:r>
-              <a:rPr lang="es-ES" sz="1500" dirty="0" err="1">
-                <a:solidFill>
-                  <a:schemeClr val="lt1"/>
-                </a:solidFill>
-                <a:latin typeface="Calibri"/>
-                <a:ea typeface="Calibri"/>
-                <a:cs typeface="Calibri"/>
-                <a:sym typeface="Calibri"/>
-              </a:rPr>
-              <a:t>on</a:t>
-            </a:r>
-            <a:r>
-              <a:rPr lang="es-ES" sz="1500" dirty="0">
-                <a:solidFill>
-                  <a:schemeClr val="lt1"/>
-                </a:solidFill>
-                <a:latin typeface="Calibri"/>
-                <a:ea typeface="Calibri"/>
-                <a:cs typeface="Calibri"/>
-                <a:sym typeface="Calibri"/>
-              </a:rPr>
-              <a:t> Machine </a:t>
-            </a:r>
-            <a:r>
-              <a:rPr lang="es-ES" sz="1500" dirty="0" err="1">
-                <a:solidFill>
-                  <a:schemeClr val="lt1"/>
-                </a:solidFill>
-                <a:latin typeface="Calibri"/>
-                <a:ea typeface="Calibri"/>
-                <a:cs typeface="Calibri"/>
-                <a:sym typeface="Calibri"/>
-              </a:rPr>
-              <a:t>Learning</a:t>
-            </a:r>
-            <a:endParaRPr lang="es-ES" sz="1500" dirty="0">
+              <a:rPr lang="en-GB" sz="1500" dirty="0" err="1">
+                <a:solidFill>
+                  <a:schemeClr val="lt1"/>
+                </a:solidFill>
+                <a:latin typeface="Calibri"/>
+                <a:ea typeface="Calibri"/>
+                <a:cs typeface="Calibri"/>
+                <a:sym typeface="Calibri"/>
+              </a:rPr>
+              <a:t>trabaja</a:t>
+            </a:r>
+            <a:r>
+              <a:rPr lang="en-GB" sz="1500" dirty="0">
+                <a:solidFill>
+                  <a:schemeClr val="lt1"/>
+                </a:solidFill>
+                <a:latin typeface="Calibri"/>
+                <a:ea typeface="Calibri"/>
+                <a:cs typeface="Calibri"/>
+                <a:sym typeface="Calibri"/>
+              </a:rPr>
+              <a:t> </a:t>
+            </a:r>
+            <a:r>
+              <a:rPr lang="en-GB" sz="1500" dirty="0" err="1">
+                <a:solidFill>
+                  <a:schemeClr val="lt1"/>
+                </a:solidFill>
+                <a:latin typeface="Calibri"/>
+                <a:ea typeface="Calibri"/>
+                <a:cs typeface="Calibri"/>
+                <a:sym typeface="Calibri"/>
+              </a:rPr>
+              <a:t>sobre</a:t>
+            </a:r>
+            <a:r>
+              <a:rPr lang="en-GB" sz="1500" dirty="0">
+                <a:solidFill>
+                  <a:schemeClr val="lt1"/>
+                </a:solidFill>
+                <a:latin typeface="Calibri"/>
+                <a:ea typeface="Calibri"/>
+                <a:cs typeface="Calibri"/>
+                <a:sym typeface="Calibri"/>
+              </a:rPr>
+              <a:t> un conjunto </a:t>
+            </a:r>
+            <a:r>
+              <a:rPr lang="en-GB" sz="1500" dirty="0" err="1">
+                <a:solidFill>
+                  <a:schemeClr val="lt1"/>
+                </a:solidFill>
+                <a:latin typeface="Calibri"/>
+                <a:ea typeface="Calibri"/>
+                <a:cs typeface="Calibri"/>
+                <a:sym typeface="Calibri"/>
+              </a:rPr>
+              <a:t>secuencial</a:t>
+            </a:r>
+            <a:r>
+              <a:rPr lang="en-GB" sz="1500" dirty="0">
+                <a:solidFill>
+                  <a:schemeClr val="lt1"/>
+                </a:solidFill>
+                <a:latin typeface="Calibri"/>
+                <a:ea typeface="Calibri"/>
+                <a:cs typeface="Calibri"/>
+                <a:sym typeface="Calibri"/>
+              </a:rPr>
+              <a:t> de </a:t>
+            </a:r>
+            <a:r>
+              <a:rPr lang="en-GB" sz="1500" dirty="0" err="1">
+                <a:solidFill>
+                  <a:schemeClr val="lt1"/>
+                </a:solidFill>
+                <a:latin typeface="Calibri"/>
+                <a:ea typeface="Calibri"/>
+                <a:cs typeface="Calibri"/>
+                <a:sym typeface="Calibri"/>
+              </a:rPr>
+              <a:t>modelos</a:t>
+            </a:r>
+            <a:r>
+              <a:rPr lang="en-GB" sz="1500" dirty="0">
+                <a:solidFill>
+                  <a:schemeClr val="lt1"/>
+                </a:solidFill>
+                <a:latin typeface="Calibri"/>
+                <a:ea typeface="Calibri"/>
+                <a:cs typeface="Calibri"/>
+                <a:sym typeface="Calibri"/>
+              </a:rPr>
+              <a:t> (</a:t>
+            </a:r>
+            <a:r>
+              <a:rPr lang="en-GB" sz="1500" dirty="0" err="1">
+                <a:solidFill>
+                  <a:schemeClr val="lt1"/>
+                </a:solidFill>
+                <a:latin typeface="Calibri"/>
+                <a:ea typeface="Calibri"/>
+                <a:cs typeface="Calibri"/>
+                <a:sym typeface="Calibri"/>
+              </a:rPr>
+              <a:t>árboles</a:t>
+            </a:r>
+            <a:r>
+              <a:rPr lang="en-GB" sz="1500" dirty="0">
+                <a:solidFill>
+                  <a:schemeClr val="lt1"/>
+                </a:solidFill>
+                <a:latin typeface="Calibri"/>
+                <a:ea typeface="Calibri"/>
+                <a:cs typeface="Calibri"/>
+                <a:sym typeface="Calibri"/>
+              </a:rPr>
+              <a:t> de </a:t>
+            </a:r>
+            <a:r>
+              <a:rPr lang="en-GB" sz="1500" dirty="0" err="1">
+                <a:solidFill>
+                  <a:schemeClr val="lt1"/>
+                </a:solidFill>
+                <a:latin typeface="Calibri"/>
+                <a:ea typeface="Calibri"/>
+                <a:cs typeface="Calibri"/>
+                <a:sym typeface="Calibri"/>
+              </a:rPr>
+              <a:t>decisión</a:t>
+            </a:r>
+            <a:r>
+              <a:rPr lang="en-GB" sz="1500" dirty="0">
+                <a:solidFill>
+                  <a:schemeClr val="lt1"/>
+                </a:solidFill>
+                <a:latin typeface="Calibri"/>
+                <a:ea typeface="Calibri"/>
+                <a:cs typeface="Calibri"/>
+                <a:sym typeface="Calibri"/>
+              </a:rPr>
+              <a:t>), </a:t>
+            </a:r>
+            <a:r>
+              <a:rPr lang="en-GB" sz="1500" dirty="0" err="1">
+                <a:solidFill>
+                  <a:schemeClr val="lt1"/>
+                </a:solidFill>
+                <a:latin typeface="Calibri"/>
+                <a:ea typeface="Calibri"/>
+                <a:cs typeface="Calibri"/>
+                <a:sym typeface="Calibri"/>
+              </a:rPr>
+              <a:t>tratando</a:t>
+            </a:r>
+            <a:r>
+              <a:rPr lang="en-GB" sz="1500" dirty="0">
+                <a:solidFill>
+                  <a:schemeClr val="lt1"/>
+                </a:solidFill>
+                <a:latin typeface="Calibri"/>
+                <a:ea typeface="Calibri"/>
+                <a:cs typeface="Calibri"/>
+                <a:sym typeface="Calibri"/>
+              </a:rPr>
+              <a:t> de </a:t>
+            </a:r>
+            <a:r>
+              <a:rPr lang="en-GB" sz="1500" dirty="0" err="1">
+                <a:solidFill>
+                  <a:schemeClr val="lt1"/>
+                </a:solidFill>
+                <a:latin typeface="Calibri"/>
+                <a:ea typeface="Calibri"/>
+                <a:cs typeface="Calibri"/>
+                <a:sym typeface="Calibri"/>
+              </a:rPr>
+              <a:t>corregir</a:t>
+            </a:r>
+            <a:r>
+              <a:rPr lang="en-GB" sz="1500" dirty="0">
+                <a:solidFill>
+                  <a:schemeClr val="lt1"/>
+                </a:solidFill>
+                <a:latin typeface="Calibri"/>
+                <a:ea typeface="Calibri"/>
+                <a:cs typeface="Calibri"/>
+                <a:sym typeface="Calibri"/>
+              </a:rPr>
+              <a:t> a </a:t>
+            </a:r>
+            <a:r>
+              <a:rPr lang="en-GB" sz="1500" dirty="0" err="1">
+                <a:solidFill>
+                  <a:schemeClr val="lt1"/>
+                </a:solidFill>
+                <a:latin typeface="Calibri"/>
+                <a:ea typeface="Calibri"/>
+                <a:cs typeface="Calibri"/>
+                <a:sym typeface="Calibri"/>
+              </a:rPr>
+              <a:t>su</a:t>
+            </a:r>
+            <a:r>
+              <a:rPr lang="en-GB" sz="1500" dirty="0">
+                <a:solidFill>
+                  <a:schemeClr val="lt1"/>
+                </a:solidFill>
+                <a:latin typeface="Calibri"/>
+                <a:ea typeface="Calibri"/>
+                <a:cs typeface="Calibri"/>
+                <a:sym typeface="Calibri"/>
+              </a:rPr>
+              <a:t> </a:t>
+            </a:r>
+            <a:r>
+              <a:rPr lang="en-GB" sz="1500" dirty="0" err="1">
+                <a:solidFill>
+                  <a:schemeClr val="lt1"/>
+                </a:solidFill>
+                <a:latin typeface="Calibri"/>
+                <a:ea typeface="Calibri"/>
+                <a:cs typeface="Calibri"/>
+                <a:sym typeface="Calibri"/>
+              </a:rPr>
+              <a:t>predecesor</a:t>
+            </a:r>
+            <a:r>
+              <a:rPr lang="en-GB" sz="1500" dirty="0">
+                <a:solidFill>
+                  <a:schemeClr val="lt1"/>
+                </a:solidFill>
+                <a:latin typeface="Calibri"/>
+                <a:ea typeface="Calibri"/>
+                <a:cs typeface="Calibri"/>
+                <a:sym typeface="Calibri"/>
+              </a:rPr>
+              <a:t>. Sin embargo, </a:t>
+            </a:r>
+            <a:r>
+              <a:rPr lang="en-GB" sz="1500" dirty="0" err="1">
+                <a:solidFill>
+                  <a:schemeClr val="lt1"/>
+                </a:solidFill>
+                <a:latin typeface="Calibri"/>
+                <a:ea typeface="Calibri"/>
+                <a:cs typeface="Calibri"/>
+                <a:sym typeface="Calibri"/>
+              </a:rPr>
+              <a:t>cuando</a:t>
+            </a:r>
+            <a:r>
+              <a:rPr lang="en-GB" sz="1500" dirty="0">
+                <a:solidFill>
+                  <a:schemeClr val="lt1"/>
+                </a:solidFill>
+                <a:latin typeface="Calibri"/>
+                <a:ea typeface="Calibri"/>
+                <a:cs typeface="Calibri"/>
+                <a:sym typeface="Calibri"/>
+              </a:rPr>
+              <a:t> el AdaBoost </a:t>
+            </a:r>
+            <a:r>
+              <a:rPr lang="en-GB" sz="1500" dirty="0" err="1">
+                <a:solidFill>
+                  <a:schemeClr val="lt1"/>
+                </a:solidFill>
+                <a:latin typeface="Calibri"/>
+                <a:ea typeface="Calibri"/>
+                <a:cs typeface="Calibri"/>
+                <a:sym typeface="Calibri"/>
+              </a:rPr>
+              <a:t>iba</a:t>
+            </a:r>
+            <a:r>
+              <a:rPr lang="en-GB" sz="1500" dirty="0">
+                <a:solidFill>
+                  <a:schemeClr val="lt1"/>
+                </a:solidFill>
+                <a:latin typeface="Calibri"/>
+                <a:ea typeface="Calibri"/>
+                <a:cs typeface="Calibri"/>
+                <a:sym typeface="Calibri"/>
+              </a:rPr>
+              <a:t> </a:t>
+            </a:r>
+            <a:r>
+              <a:rPr lang="en-GB" sz="1500" dirty="0" err="1">
+                <a:solidFill>
+                  <a:schemeClr val="lt1"/>
+                </a:solidFill>
+                <a:latin typeface="Calibri"/>
+                <a:ea typeface="Calibri"/>
+                <a:cs typeface="Calibri"/>
+                <a:sym typeface="Calibri"/>
+              </a:rPr>
+              <a:t>actualizando</a:t>
+            </a:r>
+            <a:r>
+              <a:rPr lang="en-GB" sz="1500" dirty="0">
+                <a:solidFill>
+                  <a:schemeClr val="lt1"/>
+                </a:solidFill>
+                <a:latin typeface="Calibri"/>
+                <a:ea typeface="Calibri"/>
+                <a:cs typeface="Calibri"/>
+                <a:sym typeface="Calibri"/>
+              </a:rPr>
+              <a:t> los pesos de </a:t>
+            </a:r>
+            <a:r>
+              <a:rPr lang="en-GB" sz="1500" dirty="0" err="1">
+                <a:solidFill>
+                  <a:schemeClr val="lt1"/>
+                </a:solidFill>
+                <a:latin typeface="Calibri"/>
+                <a:ea typeface="Calibri"/>
+                <a:cs typeface="Calibri"/>
+                <a:sym typeface="Calibri"/>
+              </a:rPr>
+              <a:t>cada</a:t>
+            </a:r>
+            <a:r>
+              <a:rPr lang="en-GB" sz="1500" dirty="0">
+                <a:solidFill>
+                  <a:schemeClr val="lt1"/>
+                </a:solidFill>
+                <a:latin typeface="Calibri"/>
+                <a:ea typeface="Calibri"/>
+                <a:cs typeface="Calibri"/>
+                <a:sym typeface="Calibri"/>
+              </a:rPr>
+              <a:t> </a:t>
+            </a:r>
+            <a:r>
+              <a:rPr lang="en-GB" sz="1500" dirty="0" err="1">
+                <a:solidFill>
+                  <a:schemeClr val="lt1"/>
+                </a:solidFill>
+                <a:latin typeface="Calibri"/>
+                <a:ea typeface="Calibri"/>
+                <a:cs typeface="Calibri"/>
+                <a:sym typeface="Calibri"/>
+              </a:rPr>
+              <a:t>observación</a:t>
+            </a:r>
+            <a:r>
+              <a:rPr lang="en-GB" sz="1500" dirty="0">
+                <a:solidFill>
+                  <a:schemeClr val="lt1"/>
+                </a:solidFill>
+                <a:latin typeface="Calibri"/>
+                <a:ea typeface="Calibri"/>
+                <a:cs typeface="Calibri"/>
+                <a:sym typeface="Calibri"/>
+              </a:rPr>
+              <a:t>, el </a:t>
+            </a:r>
+            <a:r>
+              <a:rPr lang="en-GB" sz="1500" dirty="0" err="1">
+                <a:solidFill>
+                  <a:schemeClr val="lt1"/>
+                </a:solidFill>
+                <a:latin typeface="Calibri"/>
+                <a:ea typeface="Calibri"/>
+                <a:cs typeface="Calibri"/>
+                <a:sym typeface="Calibri"/>
+              </a:rPr>
+              <a:t>GradientBoosting</a:t>
+            </a:r>
+            <a:r>
+              <a:rPr lang="en-GB" sz="1500" dirty="0">
+                <a:solidFill>
+                  <a:schemeClr val="lt1"/>
+                </a:solidFill>
+                <a:latin typeface="Calibri"/>
+                <a:ea typeface="Calibri"/>
+                <a:cs typeface="Calibri"/>
+                <a:sym typeface="Calibri"/>
+              </a:rPr>
+              <a:t> </a:t>
+            </a:r>
+            <a:r>
+              <a:rPr lang="en-GB" sz="1500" dirty="0" err="1">
+                <a:solidFill>
+                  <a:schemeClr val="lt1"/>
+                </a:solidFill>
+                <a:latin typeface="Calibri"/>
+                <a:ea typeface="Calibri"/>
+                <a:cs typeface="Calibri"/>
+                <a:sym typeface="Calibri"/>
+              </a:rPr>
+              <a:t>intenta</a:t>
+            </a:r>
+            <a:r>
+              <a:rPr lang="en-GB" sz="1500" dirty="0">
+                <a:solidFill>
+                  <a:schemeClr val="lt1"/>
+                </a:solidFill>
+                <a:latin typeface="Calibri"/>
+                <a:ea typeface="Calibri"/>
+                <a:cs typeface="Calibri"/>
+                <a:sym typeface="Calibri"/>
+              </a:rPr>
+              <a:t> </a:t>
+            </a:r>
+            <a:r>
+              <a:rPr lang="en-GB" sz="1500" dirty="0" err="1">
+                <a:solidFill>
+                  <a:schemeClr val="lt1"/>
+                </a:solidFill>
+                <a:latin typeface="Calibri"/>
+                <a:ea typeface="Calibri"/>
+                <a:cs typeface="Calibri"/>
+                <a:sym typeface="Calibri"/>
+              </a:rPr>
+              <a:t>ajustar</a:t>
+            </a:r>
+            <a:r>
+              <a:rPr lang="en-GB" sz="1500" dirty="0">
+                <a:solidFill>
+                  <a:schemeClr val="lt1"/>
+                </a:solidFill>
+                <a:latin typeface="Calibri"/>
+                <a:ea typeface="Calibri"/>
+                <a:cs typeface="Calibri"/>
+                <a:sym typeface="Calibri"/>
+              </a:rPr>
+              <a:t>, </a:t>
+            </a:r>
+            <a:r>
+              <a:rPr lang="en-GB" sz="1500" dirty="0" err="1">
+                <a:solidFill>
+                  <a:schemeClr val="lt1"/>
+                </a:solidFill>
+                <a:latin typeface="Calibri"/>
+                <a:ea typeface="Calibri"/>
+                <a:cs typeface="Calibri"/>
+                <a:sym typeface="Calibri"/>
+              </a:rPr>
+              <a:t>minimizar</a:t>
+            </a:r>
+            <a:r>
+              <a:rPr lang="en-GB" sz="1500" dirty="0">
+                <a:solidFill>
+                  <a:schemeClr val="lt1"/>
+                </a:solidFill>
+                <a:latin typeface="Calibri"/>
+                <a:ea typeface="Calibri"/>
+                <a:cs typeface="Calibri"/>
+                <a:sym typeface="Calibri"/>
+              </a:rPr>
+              <a:t> los </a:t>
+            </a:r>
+            <a:r>
+              <a:rPr lang="en-GB" sz="1500" dirty="0" err="1">
+                <a:solidFill>
+                  <a:schemeClr val="lt1"/>
+                </a:solidFill>
+                <a:latin typeface="Calibri"/>
+                <a:ea typeface="Calibri"/>
+                <a:cs typeface="Calibri"/>
+                <a:sym typeface="Calibri"/>
+              </a:rPr>
+              <a:t>errores</a:t>
+            </a:r>
+            <a:r>
+              <a:rPr lang="en-GB" sz="1500" dirty="0">
+                <a:solidFill>
+                  <a:schemeClr val="lt1"/>
+                </a:solidFill>
+                <a:latin typeface="Calibri"/>
+                <a:ea typeface="Calibri"/>
+                <a:cs typeface="Calibri"/>
+                <a:sym typeface="Calibri"/>
+              </a:rPr>
+              <a:t> (</a:t>
+            </a:r>
+            <a:r>
+              <a:rPr lang="en-GB" sz="1500" dirty="0" err="1">
+                <a:solidFill>
+                  <a:schemeClr val="lt1"/>
+                </a:solidFill>
+                <a:latin typeface="Calibri"/>
+                <a:ea typeface="Calibri"/>
+                <a:cs typeface="Calibri"/>
+                <a:sym typeface="Calibri"/>
+              </a:rPr>
+              <a:t>residuos</a:t>
+            </a:r>
+            <a:r>
+              <a:rPr lang="en-GB" sz="1500" dirty="0">
+                <a:solidFill>
+                  <a:schemeClr val="lt1"/>
+                </a:solidFill>
+                <a:latin typeface="Calibri"/>
+                <a:ea typeface="Calibri"/>
+                <a:cs typeface="Calibri"/>
+                <a:sym typeface="Calibri"/>
+              </a:rPr>
+              <a:t>) del </a:t>
+            </a:r>
+            <a:r>
+              <a:rPr lang="en-GB" sz="1500" dirty="0" err="1">
+                <a:solidFill>
+                  <a:schemeClr val="lt1"/>
+                </a:solidFill>
+                <a:latin typeface="Calibri"/>
+                <a:ea typeface="Calibri"/>
+                <a:cs typeface="Calibri"/>
+                <a:sym typeface="Calibri"/>
+              </a:rPr>
+              <a:t>modelo</a:t>
+            </a:r>
+            <a:r>
+              <a:rPr lang="en-GB" sz="1500" dirty="0">
+                <a:solidFill>
+                  <a:schemeClr val="lt1"/>
+                </a:solidFill>
+                <a:latin typeface="Calibri"/>
+                <a:ea typeface="Calibri"/>
+                <a:cs typeface="Calibri"/>
+                <a:sym typeface="Calibri"/>
+              </a:rPr>
+              <a:t> </a:t>
+            </a:r>
+            <a:r>
+              <a:rPr lang="en-GB" sz="1500" dirty="0" err="1">
+                <a:solidFill>
+                  <a:schemeClr val="lt1"/>
+                </a:solidFill>
+                <a:latin typeface="Calibri"/>
+                <a:ea typeface="Calibri"/>
+                <a:cs typeface="Calibri"/>
+                <a:sym typeface="Calibri"/>
+              </a:rPr>
+              <a:t>predecesor</a:t>
+            </a:r>
+            <a:r>
+              <a:rPr lang="en-GB" sz="1500" dirty="0">
+                <a:solidFill>
+                  <a:schemeClr val="lt1"/>
+                </a:solidFill>
+                <a:latin typeface="Calibri"/>
+                <a:ea typeface="Calibri"/>
+                <a:cs typeface="Calibri"/>
+                <a:sym typeface="Calibri"/>
+              </a:rPr>
+              <a:t>.</a:t>
+            </a:r>
+            <a:endParaRPr sz="1500" dirty="0">
               <a:solidFill>
                 <a:schemeClr val="lt1"/>
               </a:solidFill>
@@ -29451,20 +25859,7 @@
               </a:spcAft>
               <a:buNone/>
             </a:pPr>
-            <a:r>
-              <a:rPr lang="es-ES" sz="1500" dirty="0">
-                <a:solidFill>
-                  <a:schemeClr val="lt1"/>
-                </a:solidFill>
-                <a:latin typeface="Calibri"/>
-                <a:ea typeface="Calibri"/>
-                <a:cs typeface="Calibri"/>
-                <a:sym typeface="Calibri"/>
-                <a:hlinkClick r:id="rId3"/>
-              </a:rPr>
-              <a:t>https://learning.oreilly.com/library/view/hands-on-machine-learning/9781492032632/ch07.html#ensembles_chapter</a:t>
-            </a:r>
-            <a:endParaRPr lang="es-ES" sz="1500" dirty="0">
+            <a:endParaRPr sz="1500" dirty="0">
               <a:solidFill>
                 <a:schemeClr val="lt1"/>
               </a:solidFill>
@@ -29484,167 +25879,138 @@
               </a:spcAft>
               <a:buNone/>
             </a:pPr>
-            <a:endParaRPr lang="es-ES" sz="1500" dirty="0">
-              <a:solidFill>
-                <a:schemeClr val="lt1"/>
-              </a:solidFill>
-              <a:latin typeface="Calibri"/>
-              <a:ea typeface="Calibri"/>
-              <a:cs typeface="Calibri"/>
-              <a:sym typeface="Calibri"/>
-            </a:endParaRPr>
-          </a:p>
-          <a:p>
-            <a:pPr marL="0" lvl="0" indent="0" algn="l" rtl="0">
-              <a:spcBef>
-                <a:spcPts val="0"/>
-              </a:spcBef>
-              <a:spcAft>
-                <a:spcPts val="0"/>
-              </a:spcAft>
-              <a:buNone/>
-            </a:pPr>
-            <a:r>
-              <a:rPr lang="es-ES" sz="1500" dirty="0">
-                <a:solidFill>
-                  <a:schemeClr val="lt1"/>
-                </a:solidFill>
-                <a:latin typeface="Calibri"/>
-                <a:ea typeface="Calibri"/>
-                <a:cs typeface="Calibri"/>
-                <a:sym typeface="Calibri"/>
-                <a:hlinkClick r:id="rId4"/>
-              </a:rPr>
-              <a:t>https://towardsdatascience.com/simple-guide-for-ensemble-learning-methods-d87cc68705a2</a:t>
-            </a:r>
-            <a:endParaRPr lang="es-ES" sz="1500" dirty="0">
-              <a:solidFill>
-                <a:schemeClr val="lt1"/>
-              </a:solidFill>
-              <a:latin typeface="Calibri"/>
-              <a:ea typeface="Calibri"/>
-              <a:cs typeface="Calibri"/>
-              <a:sym typeface="Calibri"/>
-            </a:endParaRPr>
-          </a:p>
-          <a:p>
-            <a:pPr marL="0" lvl="0" indent="0" algn="l" rtl="0">
-              <a:spcBef>
-                <a:spcPts val="0"/>
-              </a:spcBef>
-              <a:spcAft>
-                <a:spcPts val="0"/>
-              </a:spcAft>
-              <a:buNone/>
-            </a:pPr>
-            <a:endParaRPr lang="es-ES" sz="1500" dirty="0">
-              <a:solidFill>
-                <a:schemeClr val="lt1"/>
-              </a:solidFill>
-              <a:latin typeface="Calibri"/>
-              <a:ea typeface="Calibri"/>
-              <a:cs typeface="Calibri"/>
-              <a:sym typeface="Calibri"/>
-            </a:endParaRPr>
-          </a:p>
-          <a:p>
-            <a:pPr marL="0" lvl="0" indent="0" algn="l" rtl="0">
-              <a:spcBef>
-                <a:spcPts val="0"/>
-              </a:spcBef>
-              <a:spcAft>
-                <a:spcPts val="0"/>
-              </a:spcAft>
-              <a:buNone/>
-            </a:pPr>
-            <a:r>
-              <a:rPr lang="es-ES" sz="1800" dirty="0">
-                <a:effectLst/>
-                <a:latin typeface="Calibri" panose="020F0502020204030204" pitchFamily="34" charset="0"/>
-                <a:hlinkClick r:id="rId5"/>
-              </a:rPr>
-              <a:t>https://towardsdatascience.com/how-does-xgboost-work-748bc75c58aa</a:t>
-            </a:r>
-            <a:endParaRPr lang="es-ES" sz="1500" dirty="0">
-              <a:solidFill>
-                <a:schemeClr val="lt1"/>
-              </a:solidFill>
-              <a:effectLst/>
-              <a:latin typeface="Calibri"/>
-              <a:cs typeface="Calibri"/>
-              <a:sym typeface="Calibri"/>
-            </a:endParaRPr>
-          </a:p>
-          <a:p>
-            <a:pPr marL="0" lvl="0" indent="0" algn="l" rtl="0">
-              <a:spcBef>
-                <a:spcPts val="0"/>
-              </a:spcBef>
-              <a:spcAft>
-                <a:spcPts val="0"/>
-              </a:spcAft>
-              <a:buNone/>
-            </a:pPr>
-            <a:endParaRPr lang="es-ES" sz="1500" dirty="0">
-              <a:solidFill>
-                <a:schemeClr val="lt1"/>
-              </a:solidFill>
-              <a:latin typeface="Calibri"/>
-              <a:ea typeface="Calibri"/>
-              <a:cs typeface="Calibri"/>
-              <a:sym typeface="Calibri"/>
-            </a:endParaRPr>
-          </a:p>
-          <a:p>
-            <a:pPr marL="0" lvl="0" indent="0" algn="l" rtl="0">
-              <a:spcBef>
-                <a:spcPts val="0"/>
-              </a:spcBef>
-              <a:spcAft>
-                <a:spcPts val="0"/>
-              </a:spcAft>
-              <a:buNone/>
-            </a:pPr>
-            <a:endParaRPr lang="es-ES" sz="1500" dirty="0">
-              <a:solidFill>
-                <a:schemeClr val="lt1"/>
-              </a:solidFill>
-              <a:latin typeface="Calibri"/>
-              <a:ea typeface="Calibri"/>
-              <a:cs typeface="Calibri"/>
-              <a:sym typeface="Calibri"/>
-            </a:endParaRPr>
-          </a:p>
-          <a:p>
-            <a:pPr marL="0" lvl="0" indent="0" algn="l" rtl="0">
-              <a:spcBef>
-                <a:spcPts val="0"/>
-              </a:spcBef>
-              <a:spcAft>
-                <a:spcPts val="0"/>
-              </a:spcAft>
-              <a:buNone/>
-            </a:pPr>
-            <a:endParaRPr lang="es-ES" sz="1500" dirty="0">
-              <a:solidFill>
-                <a:schemeClr val="lt1"/>
-              </a:solidFill>
-              <a:latin typeface="Calibri"/>
-              <a:ea typeface="Calibri"/>
-              <a:cs typeface="Calibri"/>
-              <a:sym typeface="Calibri"/>
-            </a:endParaRPr>
-          </a:p>
-          <a:p>
-            <a:pPr marL="0" lvl="0" indent="0" algn="l" rtl="0">
-              <a:spcBef>
-                <a:spcPts val="0"/>
-              </a:spcBef>
-              <a:spcAft>
-                <a:spcPts val="0"/>
-              </a:spcAft>
-              <a:buNone/>
-            </a:pPr>
+            <a:r>
+              <a:rPr lang="en-GB" sz="1500" dirty="0">
+                <a:solidFill>
+                  <a:schemeClr val="lt1"/>
+                </a:solidFill>
+                <a:latin typeface="Calibri"/>
+                <a:ea typeface="Calibri"/>
+                <a:cs typeface="Calibri"/>
+                <a:sym typeface="Calibri"/>
+              </a:rPr>
+              <a:t>El </a:t>
+            </a:r>
+            <a:r>
+              <a:rPr lang="en-GB" sz="1500" dirty="0" err="1">
+                <a:solidFill>
+                  <a:schemeClr val="lt1"/>
+                </a:solidFill>
+                <a:latin typeface="Calibri"/>
+                <a:ea typeface="Calibri"/>
+                <a:cs typeface="Calibri"/>
+                <a:sym typeface="Calibri"/>
+              </a:rPr>
+              <a:t>modelo</a:t>
+            </a:r>
+            <a:r>
+              <a:rPr lang="en-GB" sz="1500" dirty="0">
+                <a:solidFill>
+                  <a:schemeClr val="lt1"/>
+                </a:solidFill>
+                <a:latin typeface="Calibri"/>
+                <a:ea typeface="Calibri"/>
+                <a:cs typeface="Calibri"/>
+                <a:sym typeface="Calibri"/>
+              </a:rPr>
+              <a:t> final </a:t>
+            </a:r>
+            <a:r>
+              <a:rPr lang="en-GB" sz="1500" dirty="0" err="1">
+                <a:solidFill>
+                  <a:schemeClr val="lt1"/>
+                </a:solidFill>
+                <a:latin typeface="Calibri"/>
+                <a:ea typeface="Calibri"/>
+                <a:cs typeface="Calibri"/>
+                <a:sym typeface="Calibri"/>
+              </a:rPr>
+              <a:t>será</a:t>
+            </a:r>
+            <a:r>
+              <a:rPr lang="en-GB" sz="1500" dirty="0">
+                <a:solidFill>
+                  <a:schemeClr val="lt1"/>
+                </a:solidFill>
+                <a:latin typeface="Calibri"/>
+                <a:ea typeface="Calibri"/>
+                <a:cs typeface="Calibri"/>
+                <a:sym typeface="Calibri"/>
+              </a:rPr>
+              <a:t> una </a:t>
+            </a:r>
+            <a:r>
+              <a:rPr lang="en-GB" sz="1500" dirty="0" err="1">
+                <a:solidFill>
+                  <a:schemeClr val="lt1"/>
+                </a:solidFill>
+                <a:latin typeface="Calibri"/>
+                <a:ea typeface="Calibri"/>
+                <a:cs typeface="Calibri"/>
+                <a:sym typeface="Calibri"/>
+              </a:rPr>
+              <a:t>combinación</a:t>
+            </a:r>
+            <a:r>
+              <a:rPr lang="en-GB" sz="1500" dirty="0">
+                <a:solidFill>
+                  <a:schemeClr val="lt1"/>
+                </a:solidFill>
+                <a:latin typeface="Calibri"/>
+                <a:ea typeface="Calibri"/>
+                <a:cs typeface="Calibri"/>
+                <a:sym typeface="Calibri"/>
+              </a:rPr>
+              <a:t> lineal de </a:t>
+            </a:r>
+            <a:r>
+              <a:rPr lang="en-GB" sz="1500" dirty="0" err="1">
+                <a:solidFill>
+                  <a:schemeClr val="lt1"/>
+                </a:solidFill>
+                <a:latin typeface="Calibri"/>
+                <a:ea typeface="Calibri"/>
+                <a:cs typeface="Calibri"/>
+                <a:sym typeface="Calibri"/>
+              </a:rPr>
+              <a:t>todos</a:t>
+            </a:r>
+            <a:r>
+              <a:rPr lang="en-GB" sz="1500" dirty="0">
+                <a:solidFill>
+                  <a:schemeClr val="lt1"/>
+                </a:solidFill>
+                <a:latin typeface="Calibri"/>
+                <a:ea typeface="Calibri"/>
+                <a:cs typeface="Calibri"/>
+                <a:sym typeface="Calibri"/>
+              </a:rPr>
+              <a:t> los </a:t>
+            </a:r>
+            <a:r>
+              <a:rPr lang="en-GB" sz="1500" dirty="0" err="1">
+                <a:solidFill>
+                  <a:schemeClr val="lt1"/>
+                </a:solidFill>
+                <a:latin typeface="Calibri"/>
+                <a:ea typeface="Calibri"/>
+                <a:cs typeface="Calibri"/>
+                <a:sym typeface="Calibri"/>
+              </a:rPr>
+              <a:t>estimadores</a:t>
+            </a:r>
+            <a:r>
+              <a:rPr lang="en-GB" sz="1500" dirty="0">
+                <a:solidFill>
+                  <a:schemeClr val="lt1"/>
+                </a:solidFill>
+                <a:latin typeface="Calibri"/>
+                <a:ea typeface="Calibri"/>
+                <a:cs typeface="Calibri"/>
+                <a:sym typeface="Calibri"/>
+              </a:rPr>
+              <a:t>.</a:t>
+            </a:r>
             <a:endParaRPr sz="1500" dirty="0">
               <a:solidFill>
                 <a:schemeClr val="lt1"/>
@@ -29659,7 +26025,13 @@
       </p:sp>
       <p:sp>
         <p:nvSpPr>
-          <p:cNvPr id="289" name="Google Shape;289;g9c522aaa2e_0_123"/>
+          <p:cNvPr id="289" name="Google Shape;289;g9c522aaa2e_0_123">
+            <a:extLst>
+              <a:ext uri="{FF2B5EF4-FFF2-40B4-BE49-F238E27FC236}">
+                <a16:creationId xmlns:a16="http://schemas.microsoft.com/office/drawing/2014/main" id="{E9BCFD8B-3B15-A343-CE7C-9019ABEF8733}"/>
+              </a:ext>
+            </a:extLst>
+          </p:cNvPr>
           <p:cNvSpPr txBox="1">
             <a:spLocks noGrp="1"/>
           </p:cNvSpPr>
@@ -29704,14 +26076,14 @@
               <a:buNone/>
             </a:pPr>
             <a:r>
-              <a:rPr lang="en-GB" dirty="0" err="1">
+              <a:rPr lang="en-GB">
                 <a:solidFill>
                   <a:srgbClr val="FF0000"/>
                 </a:solidFill>
               </a:rPr>
-              <a:t>Bibliografía</a:t>
-            </a:r>
-            <a:endParaRPr dirty="0">
+              <a:t>GradientBoost</a:t>
+            </a:r>
+            <a:endParaRPr>
               <a:solidFill>
                 <a:srgbClr val="FF0000"/>
               </a:solidFill>
@@ -29719,10 +26091,44 @@
           </a:p>
         </p:txBody>
       </p:sp>
+      <p:pic>
+        <p:nvPicPr>
+          <p:cNvPr id="290" name="Google Shape;290;g9c522aaa2e_0_123">
+            <a:extLst>
+              <a:ext uri="{FF2B5EF4-FFF2-40B4-BE49-F238E27FC236}">
+                <a16:creationId xmlns:a16="http://schemas.microsoft.com/office/drawing/2014/main" id="{30DD5617-7C43-76EC-8C33-BC54F41F0640}"/>
+              </a:ext>
+            </a:extLst>
+          </p:cNvPr>
+          <p:cNvPicPr preferRelativeResize="0"/>
+          <p:nvPr/>
+        </p:nvPicPr>
+        <p:blipFill>
+          <a:blip r:embed="rId3">
+            <a:alphaModFix/>
+          </a:blip>
+          <a:stretch>
+            <a:fillRect/>
+          </a:stretch>
+        </p:blipFill>
+        <p:spPr>
+          <a:xfrm>
+            <a:off x="2906039" y="3172574"/>
+            <a:ext cx="5570484" cy="3042550"/>
+          </a:xfrm>
+          <a:prstGeom prst="rect">
+            <a:avLst/>
+          </a:prstGeom>
+          <a:noFill/>
+          <a:ln>
+            <a:noFill/>
+          </a:ln>
+        </p:spPr>
+      </p:pic>
     </p:spTree>
     <p:extLst>
       <p:ext uri="{BB962C8B-B14F-4D97-AF65-F5344CB8AC3E}">
-        <p14:creationId xmlns:p14="http://schemas.microsoft.com/office/powerpoint/2010/main" val="2081765343"/>
+        <p14:creationId xmlns:p14="http://schemas.microsoft.com/office/powerpoint/2010/main" val="3667165842"/>
       </p:ext>
     </p:extLst>
   </p:cSld>
@@ -36279,6 +32685,418 @@
 </p:sld>
 </file>
 
+<file path=ppt/slides/slide20.xml><?xml version="1.0" encoding="utf-8"?>
+<p:sld xmlns:a="http://schemas.openxmlformats.org/drawingml/2006/main" xmlns:r="http://schemas.openxmlformats.org/officeDocument/2006/relationships" xmlns:p="http://schemas.openxmlformats.org/presentationml/2006/main">
+  <p:cSld>
+    <p:spTree>
+      <p:nvGrpSpPr>
+        <p:cNvPr id="1" name="Shape 287"/>
+        <p:cNvGrpSpPr/>
+        <p:nvPr/>
+      </p:nvGrpSpPr>
+      <p:grpSpPr>
+        <a:xfrm>
+          <a:off x="0" y="0"/>
+          <a:ext cx="0" cy="0"/>
+          <a:chOff x="0" y="0"/>
+          <a:chExt cx="0" cy="0"/>
+        </a:xfrm>
+      </p:grpSpPr>
+      <p:sp>
+        <p:nvSpPr>
+          <p:cNvPr id="288" name="Google Shape;288;g9c522aaa2e_0_123"/>
+          <p:cNvSpPr txBox="1"/>
+          <p:nvPr/>
+        </p:nvSpPr>
+        <p:spPr>
+          <a:xfrm>
+            <a:off x="684500" y="1653350"/>
+            <a:ext cx="10235100" cy="1857300"/>
+          </a:xfrm>
+          <a:prstGeom prst="rect">
+            <a:avLst/>
+          </a:prstGeom>
+          <a:noFill/>
+          <a:ln>
+            <a:noFill/>
+          </a:ln>
+        </p:spPr>
+        <p:txBody>
+          <a:bodyPr spcFirstLastPara="1" wrap="square" lIns="91425" tIns="91425" rIns="91425" bIns="91425" anchor="t" anchorCtr="0">
+            <a:noAutofit/>
+          </a:bodyPr>
+          <a:lstStyle/>
+          <a:p>
+            <a:pPr marL="0" lvl="0" indent="0" algn="l" rtl="0">
+              <a:spcBef>
+                <a:spcPts val="0"/>
+              </a:spcBef>
+              <a:spcAft>
+                <a:spcPts val="0"/>
+              </a:spcAft>
+              <a:buNone/>
+            </a:pPr>
+            <a:r>
+              <a:rPr lang="es-ES" sz="1500" dirty="0" err="1">
+                <a:solidFill>
+                  <a:schemeClr val="lt1"/>
+                </a:solidFill>
+                <a:latin typeface="Calibri"/>
+                <a:ea typeface="Calibri"/>
+                <a:cs typeface="Calibri"/>
+                <a:sym typeface="Calibri"/>
+              </a:rPr>
+              <a:t>Hands</a:t>
+            </a:r>
+            <a:r>
+              <a:rPr lang="es-ES" sz="1500" dirty="0">
+                <a:solidFill>
+                  <a:schemeClr val="lt1"/>
+                </a:solidFill>
+                <a:latin typeface="Calibri"/>
+                <a:ea typeface="Calibri"/>
+                <a:cs typeface="Calibri"/>
+                <a:sym typeface="Calibri"/>
+              </a:rPr>
+              <a:t> </a:t>
+            </a:r>
+            <a:r>
+              <a:rPr lang="es-ES" sz="1500" dirty="0" err="1">
+                <a:solidFill>
+                  <a:schemeClr val="lt1"/>
+                </a:solidFill>
+                <a:latin typeface="Calibri"/>
+                <a:ea typeface="Calibri"/>
+                <a:cs typeface="Calibri"/>
+                <a:sym typeface="Calibri"/>
+              </a:rPr>
+              <a:t>on</a:t>
+            </a:r>
+            <a:r>
+              <a:rPr lang="es-ES" sz="1500" dirty="0">
+                <a:solidFill>
+                  <a:schemeClr val="lt1"/>
+                </a:solidFill>
+                <a:latin typeface="Calibri"/>
+                <a:ea typeface="Calibri"/>
+                <a:cs typeface="Calibri"/>
+                <a:sym typeface="Calibri"/>
+              </a:rPr>
+              <a:t> Machine </a:t>
+            </a:r>
+            <a:r>
+              <a:rPr lang="es-ES" sz="1500" dirty="0" err="1">
+                <a:solidFill>
+                  <a:schemeClr val="lt1"/>
+                </a:solidFill>
+                <a:latin typeface="Calibri"/>
+                <a:ea typeface="Calibri"/>
+                <a:cs typeface="Calibri"/>
+                <a:sym typeface="Calibri"/>
+              </a:rPr>
+              <a:t>Learning</a:t>
+            </a:r>
+            <a:endParaRPr lang="es-ES" sz="1500" dirty="0">
+              <a:solidFill>
+                <a:schemeClr val="lt1"/>
+              </a:solidFill>
+              <a:latin typeface="Calibri"/>
+              <a:ea typeface="Calibri"/>
+              <a:cs typeface="Calibri"/>
+              <a:sym typeface="Calibri"/>
+            </a:endParaRPr>
+          </a:p>
+          <a:p>
+            <a:pPr marL="0" lvl="0" indent="0" algn="l" rtl="0">
+              <a:spcBef>
+                <a:spcPts val="0"/>
+              </a:spcBef>
+              <a:spcAft>
+                <a:spcPts val="0"/>
+              </a:spcAft>
+              <a:buNone/>
+            </a:pPr>
+            <a:r>
+              <a:rPr lang="es-ES" sz="1500" dirty="0">
+                <a:solidFill>
+                  <a:schemeClr val="lt1"/>
+                </a:solidFill>
+                <a:latin typeface="Calibri"/>
+                <a:ea typeface="Calibri"/>
+                <a:cs typeface="Calibri"/>
+                <a:sym typeface="Calibri"/>
+                <a:hlinkClick r:id="rId3"/>
+              </a:rPr>
+              <a:t>https://learning.oreilly.com/library/view/hands-on-machine-learning/9781492032632/ch07.html#ensembles_chapter</a:t>
+            </a:r>
+            <a:endParaRPr lang="es-ES" sz="1500" dirty="0">
+              <a:solidFill>
+                <a:schemeClr val="lt1"/>
+              </a:solidFill>
+              <a:latin typeface="Calibri"/>
+              <a:ea typeface="Calibri"/>
+              <a:cs typeface="Calibri"/>
+              <a:sym typeface="Calibri"/>
+            </a:endParaRPr>
+          </a:p>
+          <a:p>
+            <a:pPr marL="0" lvl="0" indent="0" algn="l" rtl="0">
+              <a:spcBef>
+                <a:spcPts val="0"/>
+              </a:spcBef>
+              <a:spcAft>
+                <a:spcPts val="0"/>
+              </a:spcAft>
+              <a:buNone/>
+            </a:pPr>
+            <a:endParaRPr lang="es-ES" sz="1500" dirty="0">
+              <a:solidFill>
+                <a:schemeClr val="lt1"/>
+              </a:solidFill>
+              <a:latin typeface="Calibri"/>
+              <a:ea typeface="Calibri"/>
+              <a:cs typeface="Calibri"/>
+              <a:sym typeface="Calibri"/>
+            </a:endParaRPr>
+          </a:p>
+          <a:p>
+            <a:pPr marL="0" lvl="0" indent="0" algn="l" rtl="0">
+              <a:spcBef>
+                <a:spcPts val="0"/>
+              </a:spcBef>
+              <a:spcAft>
+                <a:spcPts val="0"/>
+              </a:spcAft>
+              <a:buNone/>
+            </a:pPr>
+            <a:r>
+              <a:rPr lang="es-ES" sz="1500" dirty="0">
+                <a:solidFill>
+                  <a:schemeClr val="lt1"/>
+                </a:solidFill>
+                <a:latin typeface="Calibri"/>
+                <a:ea typeface="Calibri"/>
+                <a:cs typeface="Calibri"/>
+                <a:sym typeface="Calibri"/>
+                <a:hlinkClick r:id="rId4"/>
+              </a:rPr>
+              <a:t>https://towardsdatascience.com/simple-guide-for-ensemble-learning-methods-d87cc68705a2</a:t>
+            </a:r>
+            <a:endParaRPr lang="es-ES" sz="1500" dirty="0">
+              <a:solidFill>
+                <a:schemeClr val="lt1"/>
+              </a:solidFill>
+              <a:latin typeface="Calibri"/>
+              <a:ea typeface="Calibri"/>
+              <a:cs typeface="Calibri"/>
+              <a:sym typeface="Calibri"/>
+            </a:endParaRPr>
+          </a:p>
+          <a:p>
+            <a:pPr marL="0" lvl="0" indent="0" algn="l" rtl="0">
+              <a:spcBef>
+                <a:spcPts val="0"/>
+              </a:spcBef>
+              <a:spcAft>
+                <a:spcPts val="0"/>
+              </a:spcAft>
+              <a:buNone/>
+            </a:pPr>
+            <a:endParaRPr lang="es-ES" sz="1500" dirty="0">
+              <a:solidFill>
+                <a:schemeClr val="lt1"/>
+              </a:solidFill>
+              <a:latin typeface="Calibri"/>
+              <a:ea typeface="Calibri"/>
+              <a:cs typeface="Calibri"/>
+              <a:sym typeface="Calibri"/>
+            </a:endParaRPr>
+          </a:p>
+          <a:p>
+            <a:pPr marL="0" lvl="0" indent="0" algn="l" rtl="0">
+              <a:spcBef>
+                <a:spcPts val="0"/>
+              </a:spcBef>
+              <a:spcAft>
+                <a:spcPts val="0"/>
+              </a:spcAft>
+              <a:buNone/>
+            </a:pPr>
+            <a:r>
+              <a:rPr lang="es-ES" sz="1800" dirty="0">
+                <a:effectLst/>
+                <a:latin typeface="Calibri" panose="020F0502020204030204" pitchFamily="34" charset="0"/>
+                <a:hlinkClick r:id="rId5"/>
+              </a:rPr>
+              <a:t>https://towardsdatascience.com/how-does-xgboost-work-748bc75c58aa</a:t>
+            </a:r>
+            <a:endParaRPr lang="es-ES" sz="1500" dirty="0">
+              <a:solidFill>
+                <a:schemeClr val="lt1"/>
+              </a:solidFill>
+              <a:effectLst/>
+              <a:latin typeface="Calibri"/>
+              <a:cs typeface="Calibri"/>
+              <a:sym typeface="Calibri"/>
+            </a:endParaRPr>
+          </a:p>
+          <a:p>
+            <a:pPr marL="0" lvl="0" indent="0" algn="l" rtl="0">
+              <a:spcBef>
+                <a:spcPts val="0"/>
+              </a:spcBef>
+              <a:spcAft>
+                <a:spcPts val="0"/>
+              </a:spcAft>
+              <a:buNone/>
+            </a:pPr>
+            <a:endParaRPr lang="es-ES" sz="1500" dirty="0">
+              <a:solidFill>
+                <a:schemeClr val="lt1"/>
+              </a:solidFill>
+              <a:latin typeface="Calibri"/>
+              <a:ea typeface="Calibri"/>
+              <a:cs typeface="Calibri"/>
+              <a:sym typeface="Calibri"/>
+            </a:endParaRPr>
+          </a:p>
+          <a:p>
+            <a:pPr marL="0" lvl="0" indent="0" algn="l" rtl="0">
+              <a:spcBef>
+                <a:spcPts val="0"/>
+              </a:spcBef>
+              <a:spcAft>
+                <a:spcPts val="0"/>
+              </a:spcAft>
+              <a:buNone/>
+            </a:pPr>
+            <a:endParaRPr lang="es-ES" sz="1500" dirty="0">
+              <a:solidFill>
+                <a:schemeClr val="lt1"/>
+              </a:solidFill>
+              <a:latin typeface="Calibri"/>
+              <a:ea typeface="Calibri"/>
+              <a:cs typeface="Calibri"/>
+              <a:sym typeface="Calibri"/>
+            </a:endParaRPr>
+          </a:p>
+          <a:p>
+            <a:pPr marL="0" lvl="0" indent="0" algn="l" rtl="0">
+              <a:spcBef>
+                <a:spcPts val="0"/>
+              </a:spcBef>
+              <a:spcAft>
+                <a:spcPts val="0"/>
+              </a:spcAft>
+              <a:buNone/>
+            </a:pPr>
+            <a:endParaRPr lang="es-ES" sz="1500" dirty="0">
+              <a:solidFill>
+                <a:schemeClr val="lt1"/>
+              </a:solidFill>
+              <a:latin typeface="Calibri"/>
+              <a:ea typeface="Calibri"/>
+              <a:cs typeface="Calibri"/>
+              <a:sym typeface="Calibri"/>
+            </a:endParaRPr>
+          </a:p>
+          <a:p>
+            <a:pPr marL="0" lvl="0" indent="0" algn="l" rtl="0">
+              <a:spcBef>
+                <a:spcPts val="0"/>
+              </a:spcBef>
+              <a:spcAft>
+                <a:spcPts val="0"/>
+              </a:spcAft>
+              <a:buNone/>
+            </a:pPr>
+            <a:endParaRPr sz="1500" dirty="0">
+              <a:solidFill>
+                <a:schemeClr val="lt1"/>
+              </a:solidFill>
+              <a:latin typeface="Calibri"/>
+              <a:ea typeface="Calibri"/>
+              <a:cs typeface="Calibri"/>
+              <a:sym typeface="Calibri"/>
+            </a:endParaRPr>
+          </a:p>
+        </p:txBody>
+      </p:sp>
+      <p:sp>
+        <p:nvSpPr>
+          <p:cNvPr id="289" name="Google Shape;289;g9c522aaa2e_0_123"/>
+          <p:cNvSpPr txBox="1">
+            <a:spLocks noGrp="1"/>
+          </p:cNvSpPr>
+          <p:nvPr>
+            <p:ph type="title"/>
+          </p:nvPr>
+        </p:nvSpPr>
+        <p:spPr>
+          <a:xfrm>
+            <a:off x="684500" y="574849"/>
+            <a:ext cx="7638900" cy="1078500"/>
+          </a:xfrm>
+          <a:prstGeom prst="rect">
+            <a:avLst/>
+          </a:prstGeom>
+          <a:noFill/>
+          <a:ln>
+            <a:noFill/>
+          </a:ln>
+        </p:spPr>
+        <p:txBody>
+          <a:bodyPr spcFirstLastPara="1" wrap="square" lIns="91425" tIns="45700" rIns="91425" bIns="45700" anchor="ctr" anchorCtr="0">
+            <a:noAutofit/>
+          </a:bodyPr>
+          <a:lstStyle/>
+          <a:p>
+            <a:pPr marL="0" lvl="0" indent="0" algn="l" rtl="0">
+              <a:lnSpc>
+                <a:spcPct val="90000"/>
+              </a:lnSpc>
+              <a:spcBef>
+                <a:spcPts val="0"/>
+              </a:spcBef>
+              <a:spcAft>
+                <a:spcPts val="0"/>
+              </a:spcAft>
+              <a:buClr>
+                <a:srgbClr val="FF0000"/>
+              </a:buClr>
+              <a:buSzPts val="4400"/>
+              <a:buFont typeface="Calibri"/>
+              <a:buNone/>
+            </a:pPr>
+            <a:r>
+              <a:rPr lang="en-GB" dirty="0" err="1">
+                <a:solidFill>
+                  <a:srgbClr val="FF0000"/>
+                </a:solidFill>
+              </a:rPr>
+              <a:t>Bibliografía</a:t>
+            </a:r>
+            <a:endParaRPr dirty="0">
+              <a:solidFill>
+                <a:srgbClr val="FF0000"/>
+              </a:solidFill>
+            </a:endParaRPr>
+          </a:p>
+        </p:txBody>
+      </p:sp>
+    </p:spTree>
+    <p:extLst>
+      <p:ext uri="{BB962C8B-B14F-4D97-AF65-F5344CB8AC3E}">
+        <p14:creationId xmlns:p14="http://schemas.microsoft.com/office/powerpoint/2010/main" val="2081765343"/>
+      </p:ext>
+    </p:extLst>
+  </p:cSld>
+  <p:clrMapOvr>
+    <a:masterClrMapping/>
+  </p:clrMapOvr>
+</p:sld>
+</file>
+
 <file path=ppt/slides/slide3.xml><?xml version="1.0" encoding="utf-8"?>
 <p:sld xmlns:a="http://schemas.openxmlformats.org/drawingml/2006/main" xmlns:r="http://schemas.openxmlformats.org/officeDocument/2006/relationships" xmlns:p="http://schemas.openxmlformats.org/presentationml/2006/main">
   <p:cSld>

--- a/3-Machine_Learning/1-Supervisado/3-RegorClass/6-Ensembles/ML - Ensembling.pptx
+++ b/3-Machine_Learning/1-Supervisado/3-RegorClass/6-Ensembles/ML - Ensembling.pptx
@@ -5,7 +5,7 @@
     <p:sldMasterId id="2147483648" r:id="rId1"/>
   </p:sldMasterIdLst>
   <p:notesMasterIdLst>
-    <p:notesMasterId r:id="rId22"/>
+    <p:notesMasterId r:id="rId23"/>
   </p:notesMasterIdLst>
   <p:sldIdLst>
     <p:sldId id="256" r:id="rId2"/>
@@ -27,7 +27,8 @@
     <p:sldId id="270" r:id="rId18"/>
     <p:sldId id="272" r:id="rId19"/>
     <p:sldId id="280" r:id="rId20"/>
-    <p:sldId id="278" r:id="rId21"/>
+    <p:sldId id="281" r:id="rId21"/>
+    <p:sldId id="278" r:id="rId22"/>
   </p:sldIdLst>
   <p:sldSz cx="12192000" cy="6858000"/>
   <p:notesSz cx="6858000" cy="9144000"/>
@@ -265,7 +266,7 @@
       <p15:sldGuideLst xmlns:p15="http://schemas.microsoft.com/office/powerpoint/2012/main"/>
     </p:ext>
     <p:ext uri="http://customooxmlschemas.google.com/">
-      <go:slidesCustomData xmlns="" xmlns:mc="http://schemas.openxmlformats.org/markup-compatibility/2006" xmlns:mv="urn:schemas-microsoft-com:mac:vml" xmlns:c="http://schemas.openxmlformats.org/drawingml/2006/chart" xmlns:dgm="http://schemas.openxmlformats.org/drawingml/2006/diagram" xmlns:o="urn:schemas-microsoft-com:office:office" xmlns:v="urn:schemas-microsoft-com:vml" xmlns:pvml="urn:schemas-microsoft-com:office:powerpoint" xmlns:com="http://schemas.openxmlformats.org/drawingml/2006/compatibility" xmlns:p14="http://schemas.microsoft.com/office/powerpoint/2010/main" xmlns:p15="http://schemas.microsoft.com/office/powerpoint/2012/main" xmlns:ahyp="http://schemas.microsoft.com/office/drawing/2018/hyperlinkcolor" xmlns:go="http://customooxmlschemas.google.com/" r:id="rId26" roundtripDataSignature="AMtx7mjI2+buJccPNhD4BOfP2CSGrUhTxQ=="/>
+      <go:slidesCustomData xmlns:go="http://customooxmlschemas.google.com/" xmlns:ahyp="http://schemas.microsoft.com/office/drawing/2018/hyperlinkcolor" xmlns:p15="http://schemas.microsoft.com/office/powerpoint/2012/main" xmlns:p14="http://schemas.microsoft.com/office/powerpoint/2010/main" xmlns:com="http://schemas.openxmlformats.org/drawingml/2006/compatibility" xmlns:pvml="urn:schemas-microsoft-com:office:powerpoint" xmlns:v="urn:schemas-microsoft-com:vml" xmlns:o="urn:schemas-microsoft-com:office:office" xmlns:dgm="http://schemas.openxmlformats.org/drawingml/2006/diagram" xmlns:c="http://schemas.openxmlformats.org/drawingml/2006/chart" xmlns:mv="urn:schemas-microsoft-com:mac:vml" xmlns:mc="http://schemas.openxmlformats.org/markup-compatibility/2006" xmlns="" r:id="rId26" roundtripDataSignature="AMtx7mjI2+buJccPNhD4BOfP2CSGrUhTxQ=="/>
     </p:ext>
   </p:extLst>
 </p:presentation>
@@ -3899,6 +3900,211 @@
   <p:cSld>
     <p:spTree>
       <p:nvGrpSpPr>
+        <p:cNvPr id="1" name="Shape 283">
+          <a:extLst>
+            <a:ext uri="{FF2B5EF4-FFF2-40B4-BE49-F238E27FC236}">
+              <a16:creationId xmlns:a16="http://schemas.microsoft.com/office/drawing/2014/main" id="{295C09F8-92C8-4D16-0218-0CD2B3B9B717}"/>
+            </a:ext>
+          </a:extLst>
+        </p:cNvPr>
+        <p:cNvGrpSpPr/>
+        <p:nvPr/>
+      </p:nvGrpSpPr>
+      <p:grpSpPr>
+        <a:xfrm>
+          <a:off x="0" y="0"/>
+          <a:ext cx="0" cy="0"/>
+          <a:chOff x="0" y="0"/>
+          <a:chExt cx="0" cy="0"/>
+        </a:xfrm>
+      </p:grpSpPr>
+      <p:sp>
+        <p:nvSpPr>
+          <p:cNvPr id="284" name="Google Shape;284;g9c522aaa2e_0_123:notes">
+            <a:extLst>
+              <a:ext uri="{FF2B5EF4-FFF2-40B4-BE49-F238E27FC236}">
+                <a16:creationId xmlns:a16="http://schemas.microsoft.com/office/drawing/2014/main" id="{75865875-B8F1-A02C-AA85-F073E5991033}"/>
+              </a:ext>
+            </a:extLst>
+          </p:cNvPr>
+          <p:cNvSpPr>
+            <a:spLocks noGrp="1" noRot="1" noChangeAspect="1"/>
+          </p:cNvSpPr>
+          <p:nvPr>
+            <p:ph type="sldImg" idx="2"/>
+          </p:nvPr>
+        </p:nvSpPr>
+        <p:spPr>
+          <a:xfrm>
+            <a:off x="685800" y="1143000"/>
+            <a:ext cx="5486400" cy="3086100"/>
+          </a:xfrm>
+          <a:custGeom>
+            <a:avLst/>
+            <a:gdLst/>
+            <a:ahLst/>
+            <a:cxnLst/>
+            <a:rect l="l" t="t" r="r" b="b"/>
+            <a:pathLst>
+              <a:path w="120000" h="120000" extrusionOk="0">
+                <a:moveTo>
+                  <a:pt x="0" y="0"/>
+                </a:moveTo>
+                <a:lnTo>
+                  <a:pt x="120000" y="0"/>
+                </a:lnTo>
+                <a:lnTo>
+                  <a:pt x="120000" y="120000"/>
+                </a:lnTo>
+                <a:lnTo>
+                  <a:pt x="0" y="120000"/>
+                </a:lnTo>
+                <a:close/>
+              </a:path>
+            </a:pathLst>
+          </a:custGeom>
+          <a:noFill/>
+          <a:ln w="12700" cap="flat" cmpd="sng">
+            <a:solidFill>
+              <a:srgbClr val="000000"/>
+            </a:solidFill>
+            <a:prstDash val="solid"/>
+            <a:round/>
+            <a:headEnd type="none" w="sm" len="sm"/>
+            <a:tailEnd type="none" w="sm" len="sm"/>
+          </a:ln>
+        </p:spPr>
+      </p:sp>
+      <p:sp>
+        <p:nvSpPr>
+          <p:cNvPr id="285" name="Google Shape;285;g9c522aaa2e_0_123:notes">
+            <a:extLst>
+              <a:ext uri="{FF2B5EF4-FFF2-40B4-BE49-F238E27FC236}">
+                <a16:creationId xmlns:a16="http://schemas.microsoft.com/office/drawing/2014/main" id="{CA667E79-1A17-EFB9-8EF1-FE53A0A96FB0}"/>
+              </a:ext>
+            </a:extLst>
+          </p:cNvPr>
+          <p:cNvSpPr txBox="1">
+            <a:spLocks noGrp="1"/>
+          </p:cNvSpPr>
+          <p:nvPr>
+            <p:ph type="body" idx="1"/>
+          </p:nvPr>
+        </p:nvSpPr>
+        <p:spPr>
+          <a:xfrm>
+            <a:off x="685800" y="4400550"/>
+            <a:ext cx="5486400" cy="3600600"/>
+          </a:xfrm>
+          <a:prstGeom prst="rect">
+            <a:avLst/>
+          </a:prstGeom>
+          <a:noFill/>
+          <a:ln>
+            <a:noFill/>
+          </a:ln>
+        </p:spPr>
+        <p:txBody>
+          <a:bodyPr spcFirstLastPara="1" wrap="square" lIns="91425" tIns="45700" rIns="91425" bIns="45700" anchor="t" anchorCtr="0">
+            <a:noAutofit/>
+          </a:bodyPr>
+          <a:lstStyle/>
+          <a:p>
+            <a:pPr marL="0" lvl="0" indent="0" algn="l" rtl="0">
+              <a:lnSpc>
+                <a:spcPct val="100000"/>
+              </a:lnSpc>
+              <a:spcBef>
+                <a:spcPts val="0"/>
+              </a:spcBef>
+              <a:spcAft>
+                <a:spcPts val="0"/>
+              </a:spcAft>
+              <a:buClr>
+                <a:schemeClr val="dk1"/>
+              </a:buClr>
+              <a:buSzPts val="1200"/>
+              <a:buFont typeface="Calibri"/>
+              <a:buNone/>
+            </a:pPr>
+            <a:endParaRPr/>
+          </a:p>
+        </p:txBody>
+      </p:sp>
+      <p:sp>
+        <p:nvSpPr>
+          <p:cNvPr id="286" name="Google Shape;286;g9c522aaa2e_0_123:notes">
+            <a:extLst>
+              <a:ext uri="{FF2B5EF4-FFF2-40B4-BE49-F238E27FC236}">
+                <a16:creationId xmlns:a16="http://schemas.microsoft.com/office/drawing/2014/main" id="{67EBCF9C-9682-4E96-A3BC-376783714AE8}"/>
+              </a:ext>
+            </a:extLst>
+          </p:cNvPr>
+          <p:cNvSpPr txBox="1">
+            <a:spLocks noGrp="1"/>
+          </p:cNvSpPr>
+          <p:nvPr>
+            <p:ph type="sldNum" idx="12"/>
+          </p:nvPr>
+        </p:nvSpPr>
+        <p:spPr>
+          <a:xfrm>
+            <a:off x="3884613" y="8685213"/>
+            <a:ext cx="2971800" cy="458700"/>
+          </a:xfrm>
+          <a:prstGeom prst="rect">
+            <a:avLst/>
+          </a:prstGeom>
+          <a:noFill/>
+          <a:ln>
+            <a:noFill/>
+          </a:ln>
+        </p:spPr>
+        <p:txBody>
+          <a:bodyPr spcFirstLastPara="1" wrap="square" lIns="91425" tIns="45700" rIns="91425" bIns="45700" anchor="b" anchorCtr="0">
+            <a:noAutofit/>
+          </a:bodyPr>
+          <a:lstStyle/>
+          <a:p>
+            <a:pPr marL="0" lvl="0" indent="0" algn="r" rtl="0">
+              <a:lnSpc>
+                <a:spcPct val="100000"/>
+              </a:lnSpc>
+              <a:spcBef>
+                <a:spcPts val="0"/>
+              </a:spcBef>
+              <a:spcAft>
+                <a:spcPts val="0"/>
+              </a:spcAft>
+              <a:buSzPts val="1400"/>
+              <a:buNone/>
+            </a:pPr>
+            <a:fld id="{00000000-1234-1234-1234-123412341234}" type="slidenum">
+              <a:rPr lang="en-GB"/>
+              <a:t>20</a:t>
+            </a:fld>
+            <a:endParaRPr/>
+          </a:p>
+        </p:txBody>
+      </p:sp>
+    </p:spTree>
+    <p:extLst>
+      <p:ext uri="{BB962C8B-B14F-4D97-AF65-F5344CB8AC3E}">
+        <p14:creationId xmlns:p14="http://schemas.microsoft.com/office/powerpoint/2010/main" val="2446250393"/>
+      </p:ext>
+    </p:extLst>
+  </p:cSld>
+  <p:clrMapOvr>
+    <a:masterClrMapping/>
+  </p:clrMapOvr>
+</p:notes>
+</file>
+
+<file path=ppt/notesSlides/notesSlide21.xml><?xml version="1.0" encoding="utf-8"?>
+<p:notes xmlns:a="http://schemas.openxmlformats.org/drawingml/2006/main" xmlns:r="http://schemas.openxmlformats.org/officeDocument/2006/relationships" xmlns:p="http://schemas.openxmlformats.org/presentationml/2006/main" showMasterSp="0" showMasterPhAnim="0">
+  <p:cSld>
+    <p:spTree>
+      <p:nvGrpSpPr>
         <p:cNvPr id="1" name="Shape 283"/>
         <p:cNvGrpSpPr/>
         <p:nvPr/>
@@ -4056,7 +4262,7 @@
             </a:pPr>
             <a:fld id="{00000000-1234-1234-1234-123412341234}" type="slidenum">
               <a:rPr lang="en-GB"/>
-              <a:t>20</a:t>
+              <a:t>21</a:t>
             </a:fld>
             <a:endParaRPr/>
           </a:p>
@@ -32690,6 +32896,445 @@
   <p:cSld>
     <p:spTree>
       <p:nvGrpSpPr>
+        <p:cNvPr id="1" name="Shape 287">
+          <a:extLst>
+            <a:ext uri="{FF2B5EF4-FFF2-40B4-BE49-F238E27FC236}">
+              <a16:creationId xmlns:a16="http://schemas.microsoft.com/office/drawing/2014/main" id="{EA6E1E4B-5165-CB10-A4E3-0F41F68E1A18}"/>
+            </a:ext>
+          </a:extLst>
+        </p:cNvPr>
+        <p:cNvGrpSpPr/>
+        <p:nvPr/>
+      </p:nvGrpSpPr>
+      <p:grpSpPr>
+        <a:xfrm>
+          <a:off x="0" y="0"/>
+          <a:ext cx="0" cy="0"/>
+          <a:chOff x="0" y="0"/>
+          <a:chExt cx="0" cy="0"/>
+        </a:xfrm>
+      </p:grpSpPr>
+      <p:sp>
+        <p:nvSpPr>
+          <p:cNvPr id="288" name="Google Shape;288;g9c522aaa2e_0_123">
+            <a:extLst>
+              <a:ext uri="{FF2B5EF4-FFF2-40B4-BE49-F238E27FC236}">
+                <a16:creationId xmlns:a16="http://schemas.microsoft.com/office/drawing/2014/main" id="{11D40B67-B7A4-ABA5-585F-9C21313AD7BB}"/>
+              </a:ext>
+            </a:extLst>
+          </p:cNvPr>
+          <p:cNvSpPr txBox="1"/>
+          <p:nvPr/>
+        </p:nvSpPr>
+        <p:spPr>
+          <a:xfrm>
+            <a:off x="684500" y="1653350"/>
+            <a:ext cx="10235100" cy="1857300"/>
+          </a:xfrm>
+          <a:prstGeom prst="rect">
+            <a:avLst/>
+          </a:prstGeom>
+          <a:noFill/>
+          <a:ln>
+            <a:noFill/>
+          </a:ln>
+        </p:spPr>
+        <p:txBody>
+          <a:bodyPr spcFirstLastPara="1" wrap="square" lIns="91425" tIns="91425" rIns="91425" bIns="91425" anchor="t" anchorCtr="0">
+            <a:noAutofit/>
+          </a:bodyPr>
+          <a:lstStyle/>
+          <a:p>
+            <a:pPr marL="0" lvl="0" indent="0" algn="l" rtl="0">
+              <a:spcBef>
+                <a:spcPts val="0"/>
+              </a:spcBef>
+              <a:spcAft>
+                <a:spcPts val="0"/>
+              </a:spcAft>
+              <a:buNone/>
+            </a:pPr>
+            <a:r>
+              <a:rPr lang="en-GB" sz="1500" dirty="0" err="1">
+                <a:solidFill>
+                  <a:schemeClr val="lt1"/>
+                </a:solidFill>
+                <a:latin typeface="Calibri"/>
+                <a:ea typeface="Calibri"/>
+                <a:cs typeface="Calibri"/>
+                <a:sym typeface="Calibri"/>
+              </a:rPr>
+              <a:t>XGBoost</a:t>
+            </a:r>
+            <a:r>
+              <a:rPr lang="en-GB" sz="1500" dirty="0">
+                <a:solidFill>
+                  <a:schemeClr val="lt1"/>
+                </a:solidFill>
+                <a:latin typeface="Calibri"/>
+                <a:ea typeface="Calibri"/>
+                <a:cs typeface="Calibri"/>
+                <a:sym typeface="Calibri"/>
+              </a:rPr>
+              <a:t> es </a:t>
+            </a:r>
+            <a:r>
+              <a:rPr lang="en-GB" sz="1500" dirty="0" err="1">
+                <a:solidFill>
+                  <a:schemeClr val="lt1"/>
+                </a:solidFill>
+                <a:latin typeface="Calibri"/>
+                <a:ea typeface="Calibri"/>
+                <a:cs typeface="Calibri"/>
+                <a:sym typeface="Calibri"/>
+              </a:rPr>
+              <a:t>una</a:t>
+            </a:r>
+            <a:r>
+              <a:rPr lang="en-GB" sz="1500" dirty="0">
+                <a:solidFill>
+                  <a:schemeClr val="lt1"/>
+                </a:solidFill>
+                <a:latin typeface="Calibri"/>
+                <a:ea typeface="Calibri"/>
+                <a:cs typeface="Calibri"/>
+                <a:sym typeface="Calibri"/>
+              </a:rPr>
+              <a:t> </a:t>
+            </a:r>
+            <a:r>
+              <a:rPr lang="en-GB" sz="1500" dirty="0" err="1">
+                <a:solidFill>
+                  <a:schemeClr val="lt1"/>
+                </a:solidFill>
+                <a:latin typeface="Calibri"/>
+                <a:ea typeface="Calibri"/>
+                <a:cs typeface="Calibri"/>
+                <a:sym typeface="Calibri"/>
+              </a:rPr>
+              <a:t>biblioteca</a:t>
+            </a:r>
+            <a:r>
+              <a:rPr lang="en-GB" sz="1500" dirty="0">
+                <a:solidFill>
+                  <a:schemeClr val="lt1"/>
+                </a:solidFill>
+                <a:latin typeface="Calibri"/>
+                <a:ea typeface="Calibri"/>
+                <a:cs typeface="Calibri"/>
+                <a:sym typeface="Calibri"/>
+              </a:rPr>
+              <a:t> con </a:t>
+            </a:r>
+            <a:r>
+              <a:rPr lang="en-GB" sz="1500" dirty="0" err="1">
+                <a:solidFill>
+                  <a:schemeClr val="lt1"/>
+                </a:solidFill>
+                <a:latin typeface="Calibri"/>
+                <a:ea typeface="Calibri"/>
+                <a:cs typeface="Calibri"/>
+                <a:sym typeface="Calibri"/>
+              </a:rPr>
+              <a:t>una</a:t>
+            </a:r>
+            <a:r>
+              <a:rPr lang="en-GB" sz="1500" dirty="0">
+                <a:solidFill>
+                  <a:schemeClr val="lt1"/>
+                </a:solidFill>
+                <a:latin typeface="Calibri"/>
+                <a:ea typeface="Calibri"/>
+                <a:cs typeface="Calibri"/>
+                <a:sym typeface="Calibri"/>
+              </a:rPr>
+              <a:t> </a:t>
+            </a:r>
+            <a:r>
+              <a:rPr lang="en-GB" sz="1500" dirty="0" err="1">
+                <a:solidFill>
+                  <a:schemeClr val="lt1"/>
+                </a:solidFill>
+                <a:latin typeface="Calibri"/>
+                <a:ea typeface="Calibri"/>
+                <a:cs typeface="Calibri"/>
+                <a:sym typeface="Calibri"/>
+              </a:rPr>
+              <a:t>versión</a:t>
+            </a:r>
+            <a:r>
+              <a:rPr lang="en-GB" sz="1500" dirty="0">
+                <a:solidFill>
+                  <a:schemeClr val="lt1"/>
+                </a:solidFill>
+                <a:latin typeface="Calibri"/>
+                <a:ea typeface="Calibri"/>
+                <a:cs typeface="Calibri"/>
+                <a:sym typeface="Calibri"/>
+              </a:rPr>
+              <a:t> </a:t>
+            </a:r>
+            <a:r>
+              <a:rPr lang="en-GB" sz="1500" dirty="0" err="1">
+                <a:solidFill>
+                  <a:schemeClr val="lt1"/>
+                </a:solidFill>
+                <a:latin typeface="Calibri"/>
+                <a:ea typeface="Calibri"/>
+                <a:cs typeface="Calibri"/>
+                <a:sym typeface="Calibri"/>
+              </a:rPr>
+              <a:t>mejorada</a:t>
+            </a:r>
+            <a:r>
+              <a:rPr lang="en-GB" sz="1500" dirty="0">
+                <a:solidFill>
+                  <a:schemeClr val="lt1"/>
+                </a:solidFill>
+                <a:latin typeface="Calibri"/>
+                <a:ea typeface="Calibri"/>
+                <a:cs typeface="Calibri"/>
+                <a:sym typeface="Calibri"/>
+              </a:rPr>
+              <a:t> del </a:t>
+            </a:r>
+            <a:r>
+              <a:rPr lang="en-GB" sz="1500" dirty="0" err="1">
+                <a:solidFill>
+                  <a:schemeClr val="lt1"/>
+                </a:solidFill>
+                <a:latin typeface="Calibri"/>
+                <a:ea typeface="Calibri"/>
+                <a:cs typeface="Calibri"/>
+                <a:sym typeface="Calibri"/>
+              </a:rPr>
+              <a:t>algoritmo</a:t>
+            </a:r>
+            <a:r>
+              <a:rPr lang="en-GB" sz="1500" dirty="0">
+                <a:solidFill>
+                  <a:schemeClr val="lt1"/>
+                </a:solidFill>
+                <a:latin typeface="Calibri"/>
+                <a:ea typeface="Calibri"/>
+                <a:cs typeface="Calibri"/>
+                <a:sym typeface="Calibri"/>
+              </a:rPr>
+              <a:t> </a:t>
+            </a:r>
+            <a:r>
+              <a:rPr lang="en-GB" sz="1500" dirty="0" err="1">
+                <a:solidFill>
+                  <a:schemeClr val="lt1"/>
+                </a:solidFill>
+                <a:latin typeface="Calibri"/>
+                <a:ea typeface="Calibri"/>
+                <a:cs typeface="Calibri"/>
+                <a:sym typeface="Calibri"/>
+              </a:rPr>
+              <a:t>GradientBoosting</a:t>
+            </a:r>
+            <a:r>
+              <a:rPr lang="en-GB" sz="1500" dirty="0">
+                <a:solidFill>
+                  <a:schemeClr val="lt1"/>
+                </a:solidFill>
+                <a:latin typeface="Calibri"/>
+                <a:ea typeface="Calibri"/>
+                <a:cs typeface="Calibri"/>
+                <a:sym typeface="Calibri"/>
+              </a:rPr>
+              <a:t>.</a:t>
+            </a:r>
+          </a:p>
+          <a:p>
+            <a:pPr marL="0" lvl="0" indent="0" algn="l" rtl="0">
+              <a:spcBef>
+                <a:spcPts val="0"/>
+              </a:spcBef>
+              <a:spcAft>
+                <a:spcPts val="0"/>
+              </a:spcAft>
+              <a:buNone/>
+            </a:pPr>
+            <a:endParaRPr lang="en-GB" sz="1500" dirty="0">
+              <a:solidFill>
+                <a:schemeClr val="lt1"/>
+              </a:solidFill>
+              <a:latin typeface="Calibri"/>
+              <a:ea typeface="Calibri"/>
+              <a:cs typeface="Calibri"/>
+              <a:sym typeface="Calibri"/>
+            </a:endParaRPr>
+          </a:p>
+          <a:p>
+            <a:pPr marL="0" lvl="0" indent="0" algn="l" rtl="0">
+              <a:spcBef>
+                <a:spcPts val="0"/>
+              </a:spcBef>
+              <a:spcAft>
+                <a:spcPts val="0"/>
+              </a:spcAft>
+              <a:buNone/>
+            </a:pPr>
+            <a:r>
+              <a:rPr lang="es-ES" sz="1500" dirty="0">
+                <a:solidFill>
+                  <a:schemeClr val="lt1"/>
+                </a:solidFill>
+                <a:latin typeface="Calibri"/>
+                <a:ea typeface="Calibri"/>
+                <a:cs typeface="Calibri"/>
+                <a:sym typeface="Calibri"/>
+              </a:rPr>
+              <a:t>Se destaca por su alta eficiencia, flexibilidad y precisión en diversas tareas de regresión y clasificación. Fue </a:t>
+            </a:r>
+            <a:r>
+              <a:rPr lang="es-ES" sz="1500" dirty="0" err="1">
+                <a:solidFill>
+                  <a:schemeClr val="lt1"/>
+                </a:solidFill>
+                <a:latin typeface="Calibri"/>
+                <a:ea typeface="Calibri"/>
+                <a:cs typeface="Calibri"/>
+                <a:sym typeface="Calibri"/>
+              </a:rPr>
+              <a:t>diseniada</a:t>
+            </a:r>
+            <a:r>
+              <a:rPr lang="es-ES" sz="1500" dirty="0">
+                <a:solidFill>
+                  <a:schemeClr val="lt1"/>
+                </a:solidFill>
+                <a:latin typeface="Calibri"/>
+                <a:ea typeface="Calibri"/>
+                <a:cs typeface="Calibri"/>
+                <a:sym typeface="Calibri"/>
+              </a:rPr>
+              <a:t> para manejar datos tabulares y puede trabajar con </a:t>
+            </a:r>
+            <a:r>
+              <a:rPr lang="es-ES" sz="1500" dirty="0" err="1">
+                <a:solidFill>
+                  <a:schemeClr val="lt1"/>
+                </a:solidFill>
+                <a:latin typeface="Calibri"/>
+                <a:ea typeface="Calibri"/>
+                <a:cs typeface="Calibri"/>
+                <a:sym typeface="Calibri"/>
+              </a:rPr>
+              <a:t>datasets</a:t>
+            </a:r>
+            <a:r>
+              <a:rPr lang="es-ES" sz="1500" dirty="0">
+                <a:solidFill>
+                  <a:schemeClr val="lt1"/>
+                </a:solidFill>
+                <a:latin typeface="Calibri"/>
+                <a:ea typeface="Calibri"/>
+                <a:cs typeface="Calibri"/>
+                <a:sym typeface="Calibri"/>
+              </a:rPr>
+              <a:t> grandes o complejos.</a:t>
+            </a:r>
+            <a:endParaRPr sz="1500" dirty="0">
+              <a:solidFill>
+                <a:schemeClr val="lt1"/>
+              </a:solidFill>
+              <a:latin typeface="Calibri"/>
+              <a:ea typeface="Calibri"/>
+              <a:cs typeface="Calibri"/>
+              <a:sym typeface="Calibri"/>
+            </a:endParaRPr>
+          </a:p>
+        </p:txBody>
+      </p:sp>
+      <p:sp>
+        <p:nvSpPr>
+          <p:cNvPr id="289" name="Google Shape;289;g9c522aaa2e_0_123">
+            <a:extLst>
+              <a:ext uri="{FF2B5EF4-FFF2-40B4-BE49-F238E27FC236}">
+                <a16:creationId xmlns:a16="http://schemas.microsoft.com/office/drawing/2014/main" id="{B661ECBD-353C-7931-BEB6-4DE62E5A8404}"/>
+              </a:ext>
+            </a:extLst>
+          </p:cNvPr>
+          <p:cNvSpPr txBox="1">
+            <a:spLocks noGrp="1"/>
+          </p:cNvSpPr>
+          <p:nvPr>
+            <p:ph type="title"/>
+          </p:nvPr>
+        </p:nvSpPr>
+        <p:spPr>
+          <a:xfrm>
+            <a:off x="684500" y="574849"/>
+            <a:ext cx="7638900" cy="1078500"/>
+          </a:xfrm>
+          <a:prstGeom prst="rect">
+            <a:avLst/>
+          </a:prstGeom>
+          <a:noFill/>
+          <a:ln>
+            <a:noFill/>
+          </a:ln>
+        </p:spPr>
+        <p:txBody>
+          <a:bodyPr spcFirstLastPara="1" wrap="square" lIns="91425" tIns="45700" rIns="91425" bIns="45700" anchor="ctr" anchorCtr="0">
+            <a:noAutofit/>
+          </a:bodyPr>
+          <a:lstStyle/>
+          <a:p>
+            <a:pPr marL="0" lvl="0" indent="0" algn="l" rtl="0">
+              <a:lnSpc>
+                <a:spcPct val="90000"/>
+              </a:lnSpc>
+              <a:spcBef>
+                <a:spcPts val="0"/>
+              </a:spcBef>
+              <a:spcAft>
+                <a:spcPts val="0"/>
+              </a:spcAft>
+              <a:buClr>
+                <a:srgbClr val="FF0000"/>
+              </a:buClr>
+              <a:buSzPts val="4400"/>
+              <a:buFont typeface="Calibri"/>
+              <a:buNone/>
+            </a:pPr>
+            <a:r>
+              <a:rPr lang="en-GB" dirty="0" err="1">
+                <a:solidFill>
+                  <a:srgbClr val="FF0000"/>
+                </a:solidFill>
+              </a:rPr>
+              <a:t>XGBoost</a:t>
+            </a:r>
+            <a:endParaRPr dirty="0">
+              <a:solidFill>
+                <a:srgbClr val="FF0000"/>
+              </a:solidFill>
+            </a:endParaRPr>
+          </a:p>
+        </p:txBody>
+      </p:sp>
+    </p:spTree>
+    <p:extLst>
+      <p:ext uri="{BB962C8B-B14F-4D97-AF65-F5344CB8AC3E}">
+        <p14:creationId xmlns:p14="http://schemas.microsoft.com/office/powerpoint/2010/main" val="2656024074"/>
+      </p:ext>
+    </p:extLst>
+  </p:cSld>
+  <p:clrMapOvr>
+    <a:masterClrMapping/>
+  </p:clrMapOvr>
+</p:sld>
+</file>
+
+<file path=ppt/slides/slide21.xml><?xml version="1.0" encoding="utf-8"?>
+<p:sld xmlns:a="http://schemas.openxmlformats.org/drawingml/2006/main" xmlns:r="http://schemas.openxmlformats.org/officeDocument/2006/relationships" xmlns:p="http://schemas.openxmlformats.org/presentationml/2006/main">
+  <p:cSld>
+    <p:spTree>
+      <p:nvGrpSpPr>
         <p:cNvPr id="1" name="Shape 287"/>
         <p:cNvGrpSpPr/>
         <p:nvPr/>
